--- a/PBL最終発表.pptx
+++ b/PBL最終発表.pptx
@@ -912,7 +912,62 @@
           <a:bodyPr/>
           <a:lstStyle/>
           <a:p>
-            <a:endParaRPr kumimoji="1" lang="ja-JP" altLang="en-US" dirty="0"/>
+            <a:r>
+              <a:rPr kumimoji="1" lang="ja-JP" altLang="en-US"/>
+              <a:t>それでは東大院・情報理工の佐伯が発表させていただきます．</a:t>
+            </a:r>
+            <a:endParaRPr kumimoji="1" lang="en-US" altLang="ja-JP" dirty="0"/>
+          </a:p>
+          <a:p>
+            <a:r>
+              <a:rPr kumimoji="1" lang="ja-JP" altLang="en-US"/>
+              <a:t>僕は現在，猿渡・小山研究室に所属しておりまして，人の声を別の人の声に変換する声質変換という技術を研究しています．</a:t>
+            </a:r>
+            <a:endParaRPr kumimoji="1" lang="en-US" altLang="ja-JP" dirty="0"/>
+          </a:p>
+          <a:p>
+            <a:r>
+              <a:rPr kumimoji="1" lang="en-US" altLang="ja-JP" dirty="0"/>
+              <a:t>PBL</a:t>
+            </a:r>
+            <a:r>
+              <a:rPr kumimoji="1" lang="ja-JP" altLang="en-US"/>
+              <a:t>期間中は宝珠山さんに指導していただきました．</a:t>
+            </a:r>
+            <a:endParaRPr kumimoji="1" lang="en-US" altLang="ja-JP" dirty="0"/>
+          </a:p>
+          <a:p>
+            <a:r>
+              <a:rPr kumimoji="1" lang="ja-JP" altLang="en-US"/>
+              <a:t>今回取り組んだ研究について，前提知識が不足している部分も多かったですが，宝珠山さんの懇切丁寧なご指導のおかげですなんとか研究を進めていくことができました．</a:t>
+            </a:r>
+            <a:endParaRPr kumimoji="1" lang="en-US" altLang="ja-JP" dirty="0"/>
+          </a:p>
+          <a:p>
+            <a:r>
+              <a:rPr kumimoji="1" lang="ja-JP" altLang="en-US"/>
+              <a:t>ありがとうございました．</a:t>
+            </a:r>
+            <a:endParaRPr kumimoji="1" lang="en-US" altLang="ja-JP" dirty="0"/>
+          </a:p>
+          <a:p>
+            <a:r>
+              <a:rPr kumimoji="1" lang="en-US" altLang="ja-JP" dirty="0"/>
+              <a:t>PBL</a:t>
+            </a:r>
+            <a:r>
+              <a:rPr kumimoji="1" lang="ja-JP" altLang="en-US"/>
+              <a:t>期間中に参加させていただいた期間は</a:t>
+            </a:r>
+            <a:r>
+              <a:rPr kumimoji="1" lang="en-US" altLang="ja-JP" dirty="0"/>
+              <a:t>19</a:t>
+            </a:r>
+            <a:r>
+              <a:rPr kumimoji="1" lang="ja-JP" altLang="en-US"/>
+              <a:t>日間でした．</a:t>
+            </a:r>
+            <a:endParaRPr kumimoji="1" lang="en-US" altLang="ja-JP" dirty="0"/>
           </a:p>
         </p:txBody>
       </p:sp>
@@ -1002,6 +1057,48 @@
           <a:bodyPr/>
           <a:lstStyle/>
           <a:p>
+            <a:r>
+              <a:rPr lang="ja-JP" altLang="en-US"/>
+              <a:t>まず</a:t>
+            </a:r>
+            <a:r>
+              <a:rPr lang="en-US" altLang="ja-JP" dirty="0"/>
+              <a:t>PBL</a:t>
+            </a:r>
+            <a:r>
+              <a:rPr lang="ja-JP" altLang="en-US"/>
+              <a:t>に参加した背景についてですが，僕はもともと音に興味があって大学で声質変換の研究をしているのですが，研究を行う中で音の信号処理に関する見識のなさというのを普段からすごく実感していました．</a:t>
+            </a:r>
+            <a:endParaRPr lang="en-US" altLang="ja-JP" dirty="0"/>
+          </a:p>
+          <a:p>
+            <a:r>
+              <a:rPr lang="ja-JP" altLang="en-US"/>
+              <a:t>というのも僕はもともと計数工学科の出身ではなく，信号処理といっても授業で触れたのは制御論くらいで本格的に学んだことはありませんでした．</a:t>
+            </a:r>
+            <a:endParaRPr lang="en-US" altLang="ja-JP" dirty="0"/>
+          </a:p>
+          <a:p>
+            <a:r>
+              <a:rPr lang="ja-JP" altLang="en-US"/>
+              <a:t>そのため，自分の研究に生かしたいという理由もあって，夏休みは音声・音響に関する研究がしたいという思いがありました．そんな中で猿渡先生から</a:t>
+            </a:r>
+            <a:r>
+              <a:rPr lang="en-US" altLang="ja-JP" dirty="0"/>
+              <a:t>PBL</a:t>
+            </a:r>
+            <a:r>
+              <a:rPr lang="ja-JP" altLang="en-US"/>
+              <a:t>を紹介していただき，説明会で宝珠山さんとお話しさせて頂いたところ，</a:t>
+            </a:r>
+            <a:r>
+              <a:rPr lang="en-US" altLang="ja-JP" dirty="0"/>
+              <a:t>NEC</a:t>
+            </a:r>
+            <a:r>
+              <a:rPr lang="ja-JP" altLang="en-US"/>
+              <a:t>で音声強調の研究ができそうとのことだったので，参加させていただくことに決めました．</a:t>
+            </a:r>
             <a:endParaRPr lang="en-US" dirty="0"/>
           </a:p>
         </p:txBody>
@@ -1090,9 +1187,88 @@
         <p:spPr/>
         <p:txBody>
           <a:bodyPr>
-            <a:normAutofit/>
+            <a:normAutofit fontScale="92500" lnSpcReduction="10000"/>
           </a:bodyPr>
           <a:lstStyle/>
+          <a:p>
+            <a:r>
+              <a:rPr lang="ja-JP" altLang="en-US" sz="2400" baseline="0"/>
+              <a:t>では今回取り組んだ研究について説明させていただきます．</a:t>
+            </a:r>
+            <a:endParaRPr lang="en-US" altLang="ja-JP" sz="2400" baseline="0" dirty="0"/>
+          </a:p>
+          <a:p>
+            <a:r>
+              <a:rPr lang="ja-JP" altLang="en-US" sz="2400" baseline="0"/>
+              <a:t>本研究ではマイクロフォンアレーを用いた指向性合成による音声強調を扱っています．</a:t>
+            </a:r>
+            <a:endParaRPr lang="en-US" altLang="ja-JP" sz="2400" baseline="0" dirty="0"/>
+          </a:p>
+          <a:p>
+            <a:r>
+              <a:rPr lang="ja-JP" altLang="en-US" sz="2400" baseline="0"/>
+              <a:t>ビームフォーマとは，目標方向の音の感度を高め，それ以外の方向の感度を低くするように信号処理を行うことで，目標方向の音響信号を強調する手法のことですが，</a:t>
+            </a:r>
+            <a:endParaRPr lang="en-US" altLang="ja-JP" sz="2400" baseline="0" dirty="0"/>
+          </a:p>
+          <a:p>
+            <a:r>
+              <a:rPr lang="ja-JP" altLang="en-US" sz="2400" baseline="0"/>
+              <a:t>線形なビームフォーマは非線形な処理を行うものと比較して，一般に雑音の除去性能は低いのですが，歪みが小さくて計算コストが低いというメリットがあります．</a:t>
+            </a:r>
+            <a:endParaRPr lang="en-US" altLang="ja-JP" sz="2400" baseline="0" dirty="0"/>
+          </a:p>
+          <a:p>
+            <a:r>
+              <a:rPr lang="ja-JP" altLang="en-US" sz="2400" baseline="0"/>
+              <a:t>本研究では，線形なビームフォーマを可能な限り高性能化することを目的としています．</a:t>
+            </a:r>
+            <a:endParaRPr lang="en-US" altLang="ja-JP" sz="2400" baseline="0" dirty="0"/>
+          </a:p>
+          <a:p>
+            <a:endParaRPr lang="en-US" altLang="ja-JP" sz="2400" baseline="0" dirty="0"/>
+          </a:p>
+          <a:p>
+            <a:r>
+              <a:rPr lang="ja-JP" altLang="en-US" sz="2400" baseline="0"/>
+              <a:t>ここで，基礎となる手法が，ブロッキング行列に適応フィルタを用いた適応型ビームフォーマです．ブロッキング行列についてはまた後ほど説明しますが，</a:t>
+            </a:r>
+            <a:endParaRPr lang="en-US" altLang="ja-JP" sz="2400" baseline="0" dirty="0"/>
+          </a:p>
+          <a:p>
+            <a:r>
+              <a:rPr lang="ja-JP" altLang="en-US" sz="2400" baseline="0"/>
+              <a:t>目標信号をブロックして雑音のみを取り出す機構のことです．この従来法は，残響下など指向性が得にくい状況では性能が低下してしまうという問題があります．</a:t>
+            </a:r>
+            <a:endParaRPr lang="en-US" altLang="ja-JP" sz="2400" baseline="0" dirty="0"/>
+          </a:p>
+          <a:p>
+            <a:endParaRPr lang="en-US" altLang="ja-JP" sz="2400" baseline="0" dirty="0"/>
+          </a:p>
+          <a:p>
+            <a:r>
+              <a:rPr lang="ja-JP" altLang="en-US" sz="2400" baseline="0"/>
+              <a:t>そこで，本研究では多段適応型ビームフォーマを提案します．これは，前段で強調した音声を用いてブロッキング行列を作ることにより，段階的に鋭い指向性を得ることの</a:t>
+            </a:r>
+            <a:endParaRPr lang="en-US" altLang="ja-JP" sz="2400" baseline="0" dirty="0"/>
+          </a:p>
+          <a:p>
+            <a:r>
+              <a:rPr lang="ja-JP" altLang="en-US" sz="2400" baseline="0"/>
+              <a:t>できる手法となっています．</a:t>
+            </a:r>
+            <a:endParaRPr lang="en-US" altLang="ja-JP" sz="2400" baseline="0" dirty="0"/>
+          </a:p>
+          <a:p>
+            <a:endParaRPr lang="en-US" altLang="ja-JP" sz="2400" baseline="0" dirty="0"/>
+          </a:p>
+          <a:p>
+            <a:r>
+              <a:rPr lang="ja-JP" altLang="en-US" sz="2400" baseline="0"/>
+              <a:t>さらに，この提案法について実験を行いました．定量的な評価を行うまでには至りませんでしたが，ブロッキング行列の品質改善が期待できる結果が得られました．</a:t>
+            </a:r>
+            <a:endParaRPr lang="en-US" altLang="ja-JP" sz="2400" baseline="0" dirty="0"/>
+          </a:p>
           <a:p>
             <a:endParaRPr lang="en-US" sz="2400" baseline="0" dirty="0"/>
           </a:p>
@@ -1184,7 +1360,124 @@
           <a:bodyPr/>
           <a:lstStyle/>
           <a:p>
-            <a:endParaRPr kumimoji="1" lang="ja-JP" altLang="en-US" dirty="0"/>
+            <a:r>
+              <a:rPr lang="ja-JP" altLang="en-US"/>
+              <a:t>まず従来法について説明します．</a:t>
+            </a:r>
+            <a:endParaRPr lang="en-US" altLang="ja-JP" dirty="0"/>
+          </a:p>
+          <a:p>
+            <a:r>
+              <a:rPr lang="ja-JP" altLang="en-US"/>
+              <a:t>図の</a:t>
+            </a:r>
+            <a:r>
+              <a:rPr lang="en-US" altLang="ja-JP" dirty="0"/>
+              <a:t>k</a:t>
+            </a:r>
+            <a:r>
+              <a:rPr lang="ja-JP" altLang="en-US"/>
+              <a:t>はタイムステップを表しています．</a:t>
+            </a:r>
+            <a:r>
+              <a:rPr lang="en-US" altLang="ja-JP" dirty="0"/>
+              <a:t>NCAF</a:t>
+            </a:r>
+            <a:r>
+              <a:rPr lang="ja-JP" altLang="en-US"/>
+              <a:t>と</a:t>
+            </a:r>
+            <a:r>
+              <a:rPr lang="en-US" altLang="ja-JP" dirty="0"/>
+              <a:t>CCAF</a:t>
+            </a:r>
+            <a:r>
+              <a:rPr lang="ja-JP" altLang="en-US"/>
+              <a:t>はいずれも拘束付きの適応フィルタだと思って頂いて大丈夫です．</a:t>
+            </a:r>
+            <a:endParaRPr lang="en-US" altLang="ja-JP" dirty="0"/>
+          </a:p>
+          <a:p>
+            <a:r>
+              <a:rPr lang="ja-JP" altLang="en-US"/>
+              <a:t>まず</a:t>
+            </a:r>
+            <a:r>
+              <a:rPr lang="en-US" altLang="ja-JP" dirty="0"/>
+              <a:t>M</a:t>
+            </a:r>
+            <a:r>
+              <a:rPr lang="ja-JP" altLang="en-US"/>
+              <a:t>個のマイクの入力を二つに分解し，一つは固定ビームフォーマの入力に，もう一つはブロッキング行列の入力とします．</a:t>
+            </a:r>
+            <a:endParaRPr lang="en-US" altLang="ja-JP" dirty="0"/>
+          </a:p>
+          <a:p>
+            <a:r>
+              <a:rPr lang="ja-JP" altLang="en-US"/>
+              <a:t>固定ビームフォーマは，入力信号を単に平均化して出力します．また，ブロッキング行列では，可能な限り目標信号をブロックし，雑音を多く取り出すように適応フィルタの</a:t>
+            </a:r>
+            <a:endParaRPr lang="en-US" altLang="ja-JP" dirty="0"/>
+          </a:p>
+          <a:p>
+            <a:r>
+              <a:rPr lang="ja-JP" altLang="en-US"/>
+              <a:t>係数を更新します．つまりブロッキング行列の出力</a:t>
+            </a:r>
+            <a:r>
+              <a:rPr lang="en-US" altLang="ja-JP" dirty="0"/>
+              <a:t>y</a:t>
+            </a:r>
+            <a:r>
+              <a:rPr lang="ja-JP" altLang="en-US"/>
+              <a:t>に雑音のみが含まれているのが理想的であると言えます．さらに，多入力キャンセラ</a:t>
+            </a:r>
+            <a:r>
+              <a:rPr lang="en-US" altLang="ja-JP" dirty="0"/>
+              <a:t>MIC</a:t>
+            </a:r>
+            <a:r>
+              <a:rPr lang="ja-JP" altLang="en-US"/>
+              <a:t>では，</a:t>
+            </a:r>
+            <a:r>
+              <a:rPr lang="en-US" altLang="ja-JP" dirty="0"/>
+              <a:t>d(k-Q)</a:t>
+            </a:r>
+            <a:r>
+              <a:rPr lang="ja-JP" altLang="en-US"/>
+              <a:t>から，ブロッキング行列出力に相関がある</a:t>
+            </a:r>
+            <a:endParaRPr lang="en-US" altLang="ja-JP" dirty="0"/>
+          </a:p>
+          <a:p>
+            <a:r>
+              <a:rPr lang="ja-JP" altLang="en-US"/>
+              <a:t>成分を除去するように適応フィルタの係数を更新します．つまり，このビームフォーマの出力</a:t>
+            </a:r>
+            <a:r>
+              <a:rPr lang="en-US" altLang="ja-JP" dirty="0"/>
+              <a:t>z(k)</a:t>
+            </a:r>
+            <a:r>
+              <a:rPr lang="ja-JP" altLang="en-US"/>
+              <a:t>としては，</a:t>
+            </a:r>
+            <a:r>
+              <a:rPr lang="en-US" altLang="ja-JP" dirty="0"/>
+              <a:t>d(k-Q)</a:t>
+            </a:r>
+            <a:r>
+              <a:rPr lang="ja-JP" altLang="en-US"/>
+              <a:t>から雑音の成分が除去された信号が得られることになります．</a:t>
+            </a:r>
+            <a:endParaRPr lang="en-US" altLang="ja-JP" dirty="0"/>
+          </a:p>
+          <a:p>
+            <a:endParaRPr lang="en-US" altLang="ja-JP" dirty="0"/>
+          </a:p>
+          <a:p>
+            <a:endParaRPr lang="en-US" dirty="0"/>
           </a:p>
         </p:txBody>
       </p:sp>
@@ -1195,7 +1488,7 @@
             <a:spLocks noGrp="1"/>
           </p:cNvSpPr>
           <p:nvPr>
-            <p:ph type="sldNum" sz="quarter" idx="10"/>
+            <p:ph type="sldNum" sz="quarter" idx="5"/>
           </p:nvPr>
         </p:nvSpPr>
         <p:spPr/>
@@ -1211,7 +1504,7 @@
               <a:pPr>
                 <a:defRPr/>
               </a:pPr>
-              <a:t>6</a:t>
+              <a:t>4</a:t>
             </a:fld>
             <a:endParaRPr lang="ja-JP" altLang="en-US"/>
           </a:p>
@@ -1220,7 +1513,7 @@
     </p:spTree>
     <p:extLst>
       <p:ext uri="{BB962C8B-B14F-4D97-AF65-F5344CB8AC3E}">
-        <p14:creationId xmlns:p14="http://schemas.microsoft.com/office/powerpoint/2010/main" val="2809891559"/>
+        <p14:creationId xmlns:p14="http://schemas.microsoft.com/office/powerpoint/2010/main" val="2853212371"/>
       </p:ext>
     </p:extLst>
   </p:cSld>
@@ -1274,7 +1567,237 @@
           <a:bodyPr/>
           <a:lstStyle/>
           <a:p>
-            <a:endParaRPr kumimoji="1" lang="ja-JP" altLang="en-US" dirty="0"/>
+            <a:r>
+              <a:rPr lang="ja-JP" altLang="en-US"/>
+              <a:t>この適応型ビームフォーマでは，強調音声の品質は，ブロッキング行列の品質に大きく依存します．</a:t>
+            </a:r>
+            <a:endParaRPr lang="en-US" altLang="ja-JP" dirty="0"/>
+          </a:p>
+          <a:p>
+            <a:r>
+              <a:rPr lang="ja-JP" altLang="en-US"/>
+              <a:t>ブロッキング行列に目標信号がリークすると出力で目標信号が除去され，反対にブロッキング行列に入る雑音が少ない場合は，出力で雑音が十分に除去されないということになってしまいます．</a:t>
+            </a:r>
+            <a:endParaRPr lang="en-US" altLang="ja-JP" dirty="0"/>
+          </a:p>
+          <a:p>
+            <a:r>
+              <a:rPr lang="ja-JP" altLang="en-US"/>
+              <a:t>ここで，従来法では，固定ビームフォーマの出力から，ブロッキング行列の出力を得ているため，固定ビームフォーマの</a:t>
+            </a:r>
+            <a:r>
+              <a:rPr lang="en-US" altLang="ja-JP" dirty="0"/>
+              <a:t>SN</a:t>
+            </a:r>
+            <a:r>
+              <a:rPr lang="ja-JP" altLang="en-US"/>
+              <a:t>が悪い場合は，ブロッキング行列の品質が劣化してしまうという問題があります．</a:t>
+            </a:r>
+            <a:endParaRPr lang="en-US" altLang="ja-JP" dirty="0"/>
+          </a:p>
+          <a:p>
+            <a:r>
+              <a:rPr lang="ja-JP" altLang="en-US"/>
+              <a:t>そこで，本研究では，適応型ビームフォーマを多段化することによりこの影響を軽減します．ブロッキング行列を作るときに，固定ビームフォーマの出力ではなく，前段で強調した音声を用いることにより，</a:t>
+            </a:r>
+            <a:endParaRPr lang="en-US" altLang="ja-JP" dirty="0"/>
+          </a:p>
+          <a:p>
+            <a:r>
+              <a:rPr lang="ja-JP" altLang="en-US"/>
+              <a:t>ブロッキング行列の品質を向上させます．この方法では，</a:t>
+            </a:r>
+            <a:r>
+              <a:rPr lang="en-US" altLang="ja-JP" dirty="0"/>
+              <a:t>2</a:t>
+            </a:r>
+            <a:r>
+              <a:rPr lang="ja-JP" altLang="en-US"/>
+              <a:t>段，</a:t>
+            </a:r>
+            <a:r>
+              <a:rPr lang="en-US" altLang="ja-JP" dirty="0"/>
+              <a:t>3</a:t>
+            </a:r>
+            <a:r>
+              <a:rPr lang="ja-JP" altLang="en-US"/>
+              <a:t>段と繰り返していくことにより，段階的にブロッキング行列の品質を改善することが可能であると期待できます．</a:t>
+            </a:r>
+            <a:endParaRPr lang="en-US" altLang="ja-JP" dirty="0"/>
+          </a:p>
+        </p:txBody>
+      </p:sp>
+      <p:sp>
+        <p:nvSpPr>
+          <p:cNvPr id="4" name="スライド番号プレースホルダー 3"/>
+          <p:cNvSpPr>
+            <a:spLocks noGrp="1"/>
+          </p:cNvSpPr>
+          <p:nvPr>
+            <p:ph type="sldNum" sz="quarter" idx="5"/>
+          </p:nvPr>
+        </p:nvSpPr>
+        <p:spPr/>
+        <p:txBody>
+          <a:bodyPr/>
+          <a:lstStyle/>
+          <a:p>
+            <a:pPr>
+              <a:defRPr/>
+            </a:pPr>
+            <a:fld id="{2BB3785E-ADFB-4344-9AC9-F2027923815D}" type="slidenum">
+              <a:rPr lang="ja-JP" altLang="en-US" smtClean="0"/>
+              <a:pPr>
+                <a:defRPr/>
+              </a:pPr>
+              <a:t>5</a:t>
+            </a:fld>
+            <a:endParaRPr lang="ja-JP" altLang="en-US"/>
+          </a:p>
+        </p:txBody>
+      </p:sp>
+    </p:spTree>
+    <p:extLst>
+      <p:ext uri="{BB962C8B-B14F-4D97-AF65-F5344CB8AC3E}">
+        <p14:creationId xmlns:p14="http://schemas.microsoft.com/office/powerpoint/2010/main" val="3862470164"/>
+      </p:ext>
+    </p:extLst>
+  </p:cSld>
+  <p:clrMapOvr>
+    <a:masterClrMapping/>
+  </p:clrMapOvr>
+</p:notes>
+</file>
+
+<file path=ppt/notesSlides/notesSlide6.xml><?xml version="1.0" encoding="utf-8"?>
+<p:notes xmlns:a="http://schemas.openxmlformats.org/drawingml/2006/main" xmlns:r="http://schemas.openxmlformats.org/officeDocument/2006/relationships" xmlns:p="http://schemas.openxmlformats.org/presentationml/2006/main">
+  <p:cSld>
+    <p:spTree>
+      <p:nvGrpSpPr>
+        <p:cNvPr id="1" name=""/>
+        <p:cNvGrpSpPr/>
+        <p:nvPr/>
+      </p:nvGrpSpPr>
+      <p:grpSpPr>
+        <a:xfrm>
+          <a:off x="0" y="0"/>
+          <a:ext cx="0" cy="0"/>
+          <a:chOff x="0" y="0"/>
+          <a:chExt cx="0" cy="0"/>
+        </a:xfrm>
+      </p:grpSpPr>
+      <p:sp>
+        <p:nvSpPr>
+          <p:cNvPr id="2" name="スライド イメージ プレースホルダー 1"/>
+          <p:cNvSpPr>
+            <a:spLocks noGrp="1" noRot="1" noChangeAspect="1"/>
+          </p:cNvSpPr>
+          <p:nvPr>
+            <p:ph type="sldImg"/>
+          </p:nvPr>
+        </p:nvSpPr>
+        <p:spPr/>
+      </p:sp>
+      <p:sp>
+        <p:nvSpPr>
+          <p:cNvPr id="3" name="ノート プレースホルダー 2"/>
+          <p:cNvSpPr>
+            <a:spLocks noGrp="1"/>
+          </p:cNvSpPr>
+          <p:nvPr>
+            <p:ph type="body" idx="1"/>
+          </p:nvPr>
+        </p:nvSpPr>
+        <p:spPr/>
+        <p:txBody>
+          <a:bodyPr/>
+          <a:lstStyle/>
+          <a:p>
+            <a:r>
+              <a:rPr kumimoji="1" lang="ja-JP" altLang="en-US"/>
+              <a:t>それでは提案法について説明します．この図は</a:t>
+            </a:r>
+            <a:r>
+              <a:rPr kumimoji="1" lang="en-US" altLang="ja-JP" dirty="0"/>
+              <a:t>2</a:t>
+            </a:r>
+            <a:r>
+              <a:rPr kumimoji="1" lang="ja-JP" altLang="en-US"/>
+              <a:t>段の場合を表しています．</a:t>
+            </a:r>
+            <a:endParaRPr kumimoji="1" lang="en-US" altLang="ja-JP" dirty="0"/>
+          </a:p>
+          <a:p>
+            <a:r>
+              <a:rPr kumimoji="1" lang="ja-JP" altLang="en-US"/>
+              <a:t>まず</a:t>
+            </a:r>
+            <a:r>
+              <a:rPr kumimoji="1" lang="en-US" altLang="ja-JP" dirty="0"/>
+              <a:t>1</a:t>
+            </a:r>
+            <a:r>
+              <a:rPr kumimoji="1" lang="ja-JP" altLang="en-US"/>
+              <a:t>段目で先ほどと同様にしてビームフォーマ出力を得て，これを用いて</a:t>
+            </a:r>
+            <a:r>
+              <a:rPr kumimoji="1" lang="en-US" altLang="ja-JP" dirty="0"/>
+              <a:t>2</a:t>
+            </a:r>
+            <a:r>
+              <a:rPr kumimoji="1" lang="ja-JP" altLang="en-US"/>
+              <a:t>段目のブロッキング行列を作ります．このときの</a:t>
+            </a:r>
+            <a:r>
+              <a:rPr kumimoji="1" lang="en-US" altLang="ja-JP" dirty="0"/>
+              <a:t>d(k)</a:t>
+            </a:r>
+            <a:r>
+              <a:rPr kumimoji="1" lang="ja-JP" altLang="en-US"/>
+              <a:t>は</a:t>
+            </a:r>
+            <a:r>
+              <a:rPr kumimoji="1" lang="en-US" altLang="ja-JP" dirty="0"/>
+              <a:t>1</a:t>
+            </a:r>
+            <a:r>
+              <a:rPr kumimoji="1" lang="ja-JP" altLang="en-US"/>
+              <a:t>段目よりも</a:t>
+            </a:r>
+            <a:r>
+              <a:rPr kumimoji="1" lang="en-US" altLang="ja-JP" dirty="0"/>
+              <a:t>SN</a:t>
+            </a:r>
+            <a:r>
+              <a:rPr kumimoji="1" lang="ja-JP" altLang="en-US"/>
+              <a:t>が良いと考えられるため，</a:t>
+            </a:r>
+            <a:endParaRPr kumimoji="1" lang="en-US" altLang="ja-JP" dirty="0"/>
+          </a:p>
+          <a:p>
+            <a:r>
+              <a:rPr kumimoji="1" lang="en-US" altLang="ja-JP" dirty="0"/>
+              <a:t>2</a:t>
+            </a:r>
+            <a:r>
+              <a:rPr kumimoji="1" lang="ja-JP" altLang="en-US"/>
+              <a:t>段目のブロッキング行列の品質が向上することが期待できます．</a:t>
+            </a:r>
+            <a:endParaRPr kumimoji="1" lang="en-US" altLang="ja-JP" dirty="0"/>
+          </a:p>
+          <a:p>
+            <a:r>
+              <a:rPr kumimoji="1" lang="ja-JP" altLang="en-US"/>
+              <a:t>また多入力キャンセラを用いて，固定ビームフォーマの出力からブロッキング行列出力に相関のある成分を除去することによって強調音声を得ます．</a:t>
+            </a:r>
+            <a:endParaRPr kumimoji="1" lang="en-US" altLang="ja-JP" dirty="0"/>
+          </a:p>
+          <a:p>
+            <a:r>
+              <a:rPr kumimoji="1" lang="ja-JP" altLang="en-US"/>
+              <a:t>以上が提案法についての説明です．</a:t>
+            </a:r>
+            <a:endParaRPr kumimoji="1" lang="en-US" altLang="ja-JP" dirty="0"/>
           </a:p>
         </p:txBody>
       </p:sp>
@@ -1301,6 +1824,175 @@
               <a:pPr>
                 <a:defRPr/>
               </a:pPr>
+              <a:t>6</a:t>
+            </a:fld>
+            <a:endParaRPr lang="ja-JP" altLang="en-US"/>
+          </a:p>
+        </p:txBody>
+      </p:sp>
+    </p:spTree>
+    <p:extLst>
+      <p:ext uri="{BB962C8B-B14F-4D97-AF65-F5344CB8AC3E}">
+        <p14:creationId xmlns:p14="http://schemas.microsoft.com/office/powerpoint/2010/main" val="2809891559"/>
+      </p:ext>
+    </p:extLst>
+  </p:cSld>
+  <p:clrMapOvr>
+    <a:masterClrMapping/>
+  </p:clrMapOvr>
+</p:notes>
+</file>
+
+<file path=ppt/notesSlides/notesSlide7.xml><?xml version="1.0" encoding="utf-8"?>
+<p:notes xmlns:a="http://schemas.openxmlformats.org/drawingml/2006/main" xmlns:r="http://schemas.openxmlformats.org/officeDocument/2006/relationships" xmlns:p="http://schemas.openxmlformats.org/presentationml/2006/main">
+  <p:cSld>
+    <p:spTree>
+      <p:nvGrpSpPr>
+        <p:cNvPr id="1" name=""/>
+        <p:cNvGrpSpPr/>
+        <p:nvPr/>
+      </p:nvGrpSpPr>
+      <p:grpSpPr>
+        <a:xfrm>
+          <a:off x="0" y="0"/>
+          <a:ext cx="0" cy="0"/>
+          <a:chOff x="0" y="0"/>
+          <a:chExt cx="0" cy="0"/>
+        </a:xfrm>
+      </p:grpSpPr>
+      <p:sp>
+        <p:nvSpPr>
+          <p:cNvPr id="2" name="スライド イメージ プレースホルダー 1"/>
+          <p:cNvSpPr>
+            <a:spLocks noGrp="1" noRot="1" noChangeAspect="1"/>
+          </p:cNvSpPr>
+          <p:nvPr>
+            <p:ph type="sldImg"/>
+          </p:nvPr>
+        </p:nvSpPr>
+        <p:spPr/>
+      </p:sp>
+      <p:sp>
+        <p:nvSpPr>
+          <p:cNvPr id="3" name="ノート プレースホルダー 2"/>
+          <p:cNvSpPr>
+            <a:spLocks noGrp="1"/>
+          </p:cNvSpPr>
+          <p:nvPr>
+            <p:ph type="body" idx="1"/>
+          </p:nvPr>
+        </p:nvSpPr>
+        <p:spPr/>
+        <p:txBody>
+          <a:bodyPr/>
+          <a:lstStyle/>
+          <a:p>
+            <a:r>
+              <a:rPr kumimoji="1" lang="ja-JP" altLang="en-US"/>
+              <a:t>この提案法を用いた実験を行いました．</a:t>
+            </a:r>
+            <a:endParaRPr kumimoji="1" lang="en-US" altLang="ja-JP" dirty="0"/>
+          </a:p>
+          <a:p>
+            <a:r>
+              <a:rPr kumimoji="1" lang="ja-JP" altLang="en-US"/>
+              <a:t>右図に示すような残響のある部屋環境を，</a:t>
+            </a:r>
+            <a:r>
+              <a:rPr kumimoji="1" lang="en-US" altLang="ja-JP" dirty="0" err="1"/>
+              <a:t>pyroom</a:t>
+            </a:r>
+            <a:r>
+              <a:rPr kumimoji="1" lang="en-US" altLang="ja-JP" dirty="0"/>
+              <a:t> acoustics</a:t>
+            </a:r>
+            <a:r>
+              <a:rPr kumimoji="1" lang="ja-JP" altLang="en-US"/>
+              <a:t>というツールを用いてシミュレーションしました．</a:t>
+            </a:r>
+            <a:r>
+              <a:rPr kumimoji="1" lang="en-US" altLang="ja-JP" dirty="0"/>
+              <a:t>4m</a:t>
+            </a:r>
+            <a:r>
+              <a:rPr kumimoji="1" lang="ja-JP" altLang="en-US"/>
+              <a:t>かけ</a:t>
+            </a:r>
+            <a:r>
+              <a:rPr kumimoji="1" lang="en-US" altLang="ja-JP" dirty="0"/>
+              <a:t>5m</a:t>
+            </a:r>
+            <a:r>
+              <a:rPr kumimoji="1" lang="ja-JP" altLang="en-US"/>
+              <a:t>の空間に主音声，音声雑音の</a:t>
+            </a:r>
+            <a:r>
+              <a:rPr kumimoji="1" lang="en-US" altLang="ja-JP" dirty="0"/>
+              <a:t>2</a:t>
+            </a:r>
+            <a:r>
+              <a:rPr kumimoji="1" lang="ja-JP" altLang="en-US"/>
+              <a:t>音源があり，それを直線上に</a:t>
+            </a:r>
+            <a:r>
+              <a:rPr kumimoji="1" lang="en-US" altLang="ja-JP" dirty="0"/>
+              <a:t>8</a:t>
+            </a:r>
+            <a:r>
+              <a:rPr kumimoji="1" lang="ja-JP" altLang="en-US"/>
+              <a:t>つ並んだ</a:t>
+            </a:r>
+            <a:endParaRPr kumimoji="1" lang="en-US" altLang="ja-JP" dirty="0"/>
+          </a:p>
+          <a:p>
+            <a:r>
+              <a:rPr kumimoji="1" lang="ja-JP" altLang="en-US"/>
+              <a:t>マイクロフォンアレーによって集音するという構成になっています．</a:t>
+            </a:r>
+            <a:endParaRPr kumimoji="1" lang="en-US" altLang="ja-JP" dirty="0"/>
+          </a:p>
+          <a:p>
+            <a:r>
+              <a:rPr kumimoji="1" lang="ja-JP" altLang="en-US"/>
+              <a:t>実験条件はこのようになりました．</a:t>
+            </a:r>
+            <a:endParaRPr kumimoji="1" lang="en-US" altLang="ja-JP" dirty="0"/>
+          </a:p>
+          <a:p>
+            <a:endParaRPr kumimoji="1" lang="en-US" altLang="ja-JP" dirty="0"/>
+          </a:p>
+          <a:p>
+            <a:r>
+              <a:rPr kumimoji="1" lang="ja-JP" altLang="en-US"/>
+              <a:t>今回は厳密に定量評価を行うところまでいけなかったので，実験結果の図だけ示したいと思います．</a:t>
+            </a:r>
+            <a:endParaRPr kumimoji="1" lang="ja-JP" altLang="en-US" dirty="0"/>
+          </a:p>
+        </p:txBody>
+      </p:sp>
+      <p:sp>
+        <p:nvSpPr>
+          <p:cNvPr id="4" name="スライド番号プレースホルダー 3"/>
+          <p:cNvSpPr>
+            <a:spLocks noGrp="1"/>
+          </p:cNvSpPr>
+          <p:nvPr>
+            <p:ph type="sldNum" sz="quarter" idx="10"/>
+          </p:nvPr>
+        </p:nvSpPr>
+        <p:spPr/>
+        <p:txBody>
+          <a:bodyPr/>
+          <a:lstStyle/>
+          <a:p>
+            <a:pPr>
+              <a:defRPr/>
+            </a:pPr>
+            <a:fld id="{2BB3785E-ADFB-4344-9AC9-F2027923815D}" type="slidenum">
+              <a:rPr lang="ja-JP" altLang="en-US" smtClean="0"/>
+              <a:pPr>
+                <a:defRPr/>
+              </a:pPr>
               <a:t>7</a:t>
             </a:fld>
             <a:endParaRPr lang="ja-JP" altLang="en-US"/>
@@ -1320,7 +2012,159 @@
 </p:notes>
 </file>
 
-<file path=ppt/notesSlides/notesSlide6.xml><?xml version="1.0" encoding="utf-8"?>
+<file path=ppt/notesSlides/notesSlide8.xml><?xml version="1.0" encoding="utf-8"?>
+<p:notes xmlns:a="http://schemas.openxmlformats.org/drawingml/2006/main" xmlns:r="http://schemas.openxmlformats.org/officeDocument/2006/relationships" xmlns:p="http://schemas.openxmlformats.org/presentationml/2006/main">
+  <p:cSld>
+    <p:spTree>
+      <p:nvGrpSpPr>
+        <p:cNvPr id="1" name=""/>
+        <p:cNvGrpSpPr/>
+        <p:nvPr/>
+      </p:nvGrpSpPr>
+      <p:grpSpPr>
+        <a:xfrm>
+          <a:off x="0" y="0"/>
+          <a:ext cx="0" cy="0"/>
+          <a:chOff x="0" y="0"/>
+          <a:chExt cx="0" cy="0"/>
+        </a:xfrm>
+      </p:grpSpPr>
+      <p:sp>
+        <p:nvSpPr>
+          <p:cNvPr id="2" name="スライド イメージ プレースホルダー 1"/>
+          <p:cNvSpPr>
+            <a:spLocks noGrp="1" noRot="1" noChangeAspect="1"/>
+          </p:cNvSpPr>
+          <p:nvPr>
+            <p:ph type="sldImg"/>
+          </p:nvPr>
+        </p:nvSpPr>
+        <p:spPr/>
+      </p:sp>
+      <p:sp>
+        <p:nvSpPr>
+          <p:cNvPr id="3" name="ノート プレースホルダー 2"/>
+          <p:cNvSpPr>
+            <a:spLocks noGrp="1"/>
+          </p:cNvSpPr>
+          <p:nvPr>
+            <p:ph type="body" idx="1"/>
+          </p:nvPr>
+        </p:nvSpPr>
+        <p:spPr/>
+        <p:txBody>
+          <a:bodyPr/>
+          <a:lstStyle/>
+          <a:p>
+            <a:r>
+              <a:rPr lang="ja-JP" altLang="en-US"/>
+              <a:t>では壁面の吸収率が</a:t>
+            </a:r>
+            <a:r>
+              <a:rPr lang="en-US" altLang="ja-JP" dirty="0"/>
+              <a:t>0.7</a:t>
+            </a:r>
+            <a:r>
+              <a:rPr lang="ja-JP" altLang="en-US"/>
+              <a:t>，つまり残響が少しだけ存在する場合での出力を比較しました．</a:t>
+            </a:r>
+            <a:endParaRPr lang="en-US" altLang="ja-JP" dirty="0"/>
+          </a:p>
+          <a:p>
+            <a:r>
+              <a:rPr lang="ja-JP" altLang="en-US"/>
+              <a:t>提案法と従来法，そして</a:t>
+            </a:r>
+            <a:r>
+              <a:rPr lang="en-US" altLang="ja-JP" dirty="0"/>
+              <a:t>ILRMA</a:t>
+            </a:r>
+            <a:r>
+              <a:rPr lang="ja-JP" altLang="en-US"/>
+              <a:t>という非線形の最新手法を用いたものを比較しました．</a:t>
+            </a:r>
+            <a:endParaRPr lang="en-US" altLang="ja-JP" dirty="0"/>
+          </a:p>
+          <a:p>
+            <a:endParaRPr lang="en-US" dirty="0"/>
+          </a:p>
+          <a:p>
+            <a:r>
+              <a:rPr lang="ja-JP" altLang="en-US"/>
+              <a:t>右図に示すのが音声波形なのですが，これを見ると，残響のある環境下で，提案法の方が従来法よりも雑音を低減できていることが確認できます．</a:t>
+            </a:r>
+            <a:endParaRPr lang="en-US" altLang="ja-JP" dirty="0"/>
+          </a:p>
+          <a:p>
+            <a:r>
+              <a:rPr lang="ja-JP" altLang="en-US"/>
+              <a:t>では音声を聞いていただきます．</a:t>
+            </a:r>
+            <a:endParaRPr lang="en-US" altLang="ja-JP" dirty="0"/>
+          </a:p>
+          <a:p>
+            <a:endParaRPr lang="en-US" dirty="0"/>
+          </a:p>
+          <a:p>
+            <a:r>
+              <a:rPr lang="ja-JP" altLang="en-US"/>
+              <a:t>雑音の除去性能では</a:t>
+            </a:r>
+            <a:r>
+              <a:rPr lang="en-US" altLang="ja-JP" dirty="0"/>
+              <a:t>ILRMA</a:t>
+            </a:r>
+            <a:r>
+              <a:rPr lang="ja-JP" altLang="en-US"/>
+              <a:t>が圧倒的ですが，音声の歪みやミュージカルノイズがあり，やはり線形の方が音声自体の品質は良いと考えられます．</a:t>
+            </a:r>
+            <a:endParaRPr lang="en-US" dirty="0"/>
+          </a:p>
+        </p:txBody>
+      </p:sp>
+      <p:sp>
+        <p:nvSpPr>
+          <p:cNvPr id="4" name="スライド番号プレースホルダー 3"/>
+          <p:cNvSpPr>
+            <a:spLocks noGrp="1"/>
+          </p:cNvSpPr>
+          <p:nvPr>
+            <p:ph type="sldNum" sz="quarter" idx="5"/>
+          </p:nvPr>
+        </p:nvSpPr>
+        <p:spPr/>
+        <p:txBody>
+          <a:bodyPr/>
+          <a:lstStyle/>
+          <a:p>
+            <a:pPr>
+              <a:defRPr/>
+            </a:pPr>
+            <a:fld id="{2BB3785E-ADFB-4344-9AC9-F2027923815D}" type="slidenum">
+              <a:rPr lang="ja-JP" altLang="en-US" smtClean="0"/>
+              <a:pPr>
+                <a:defRPr/>
+              </a:pPr>
+              <a:t>8</a:t>
+            </a:fld>
+            <a:endParaRPr lang="ja-JP" altLang="en-US"/>
+          </a:p>
+        </p:txBody>
+      </p:sp>
+    </p:spTree>
+    <p:extLst>
+      <p:ext uri="{BB962C8B-B14F-4D97-AF65-F5344CB8AC3E}">
+        <p14:creationId xmlns:p14="http://schemas.microsoft.com/office/powerpoint/2010/main" val="1175685873"/>
+      </p:ext>
+    </p:extLst>
+  </p:cSld>
+  <p:clrMapOvr>
+    <a:masterClrMapping/>
+  </p:clrMapOvr>
+</p:notes>
+</file>
+
+<file path=ppt/notesSlides/notesSlide9.xml><?xml version="1.0" encoding="utf-8"?>
 <p:notes xmlns:a="http://schemas.openxmlformats.org/drawingml/2006/main" xmlns:r="http://schemas.openxmlformats.org/officeDocument/2006/relationships" xmlns:p="http://schemas.openxmlformats.org/presentationml/2006/main">
   <p:cSld>
     <p:spTree>
@@ -5792,7 +6636,7 @@
               <a:defRPr/>
             </a:pPr>
             <a:r>
-              <a:rPr lang="ja-JP" altLang="en-US" sz="4400" dirty="0" smtClean="0">
+              <a:rPr lang="ja-JP" altLang="en-US" sz="4400" dirty="0">
                 <a:solidFill>
                   <a:schemeClr val="tx1">
                     <a:lumMod val="75000"/>
@@ -5805,22 +6649,8 @@
               </a:rPr>
               <a:t>音響データ抽出</a:t>
             </a:r>
-            <a:r>
-              <a:rPr lang="en-US" altLang="ja-JP" sz="4400" dirty="0" smtClean="0">
-                <a:solidFill>
-                  <a:schemeClr val="tx1">
-                    <a:lumMod val="75000"/>
-                    <a:lumOff val="25000"/>
-                  </a:schemeClr>
-                </a:solidFill>
-                <a:effectLst/>
-                <a:latin typeface="Algerian" panose="04020705040A02060702" pitchFamily="82" charset="0"/>
-                <a:cs typeface="Arial" panose="020B0604020202020204" pitchFamily="34" charset="0"/>
-              </a:rPr>
-              <a:t/>
-            </a:r>
             <a:br>
-              <a:rPr lang="en-US" altLang="ja-JP" sz="4400" dirty="0" smtClean="0">
+              <a:rPr lang="en-US" altLang="ja-JP" sz="4400" dirty="0">
                 <a:solidFill>
                   <a:schemeClr val="tx1">
                     <a:lumMod val="75000"/>
@@ -5833,7 +6663,7 @@
               </a:rPr>
             </a:br>
             <a:r>
-              <a:rPr lang="ja-JP" altLang="en-US" sz="3600" b="0" dirty="0" smtClean="0">
+              <a:rPr lang="ja-JP" altLang="en-US" sz="3600" b="0" dirty="0">
                 <a:latin typeface="Algerian" panose="04020705040A02060702" pitchFamily="82" charset="0"/>
                 <a:cs typeface="Arial" panose="020B0604020202020204" pitchFamily="34" charset="0"/>
               </a:rPr>
@@ -5863,8 +6693,8 @@
         </p:nvSpPr>
         <p:spPr bwMode="auto">
           <a:xfrm>
-            <a:off x="1552162" y="4437112"/>
-            <a:ext cx="6039671" cy="1872208"/>
+            <a:off x="1552164" y="4149080"/>
+            <a:ext cx="6039671" cy="2588205"/>
           </a:xfrm>
           <a:prstGeom prst="rect">
             <a:avLst/>
@@ -5891,7 +6721,7 @@
               <a:defRPr/>
             </a:pPr>
             <a:r>
-              <a:rPr lang="ja-JP" altLang="en-US" sz="2400" b="1" dirty="0" smtClean="0">
+              <a:rPr lang="ja-JP" altLang="en-US" sz="2400" b="1" dirty="0">
                 <a:solidFill>
                   <a:schemeClr val="tx1">
                     <a:lumMod val="75000"/>
@@ -5904,7 +6734,7 @@
               </a:rPr>
               <a:t>佐伯高明</a:t>
             </a:r>
-            <a:endParaRPr lang="en-US" altLang="ja-JP" sz="2400" dirty="0" smtClean="0">
+            <a:endParaRPr lang="en-US" altLang="ja-JP" sz="2400" dirty="0">
               <a:solidFill>
                 <a:schemeClr val="tx1">
                   <a:lumMod val="75000"/>
@@ -5927,7 +6757,7 @@
               <a:defRPr/>
             </a:pPr>
             <a:r>
-              <a:rPr lang="ja-JP" altLang="en-US" sz="2400" dirty="0" smtClean="0">
+              <a:rPr lang="ja-JP" altLang="en-US" sz="2400" dirty="0">
                 <a:solidFill>
                   <a:schemeClr val="tx1">
                     <a:lumMod val="75000"/>
@@ -5941,7 +6771,7 @@
               <a:t>東大院・情報理工</a:t>
             </a:r>
             <a:r>
-              <a:rPr lang="en-US" altLang="ja-JP" sz="2400" dirty="0" smtClean="0">
+              <a:rPr lang="en-US" altLang="ja-JP" sz="2400" dirty="0">
                 <a:solidFill>
                   <a:schemeClr val="tx1">
                     <a:lumMod val="75000"/>
@@ -5966,7 +6796,7 @@
               <a:defRPr/>
             </a:pPr>
             <a:r>
-              <a:rPr lang="ja-JP" altLang="en-US" sz="2400" dirty="0" smtClean="0">
+              <a:rPr lang="ja-JP" altLang="en-US" sz="2400" dirty="0">
                 <a:solidFill>
                   <a:schemeClr val="tx1">
                     <a:lumMod val="75000"/>
@@ -5979,7 +6809,7 @@
               </a:rPr>
               <a:t>猿渡・小山研究室</a:t>
             </a:r>
-            <a:endParaRPr lang="en-US" altLang="ja-JP" sz="2400" dirty="0" smtClean="0">
+            <a:endParaRPr lang="en-US" altLang="ja-JP" sz="2400" dirty="0">
               <a:solidFill>
                 <a:schemeClr val="tx1">
                   <a:lumMod val="75000"/>
@@ -6002,7 +6832,7 @@
               <a:defRPr/>
             </a:pPr>
             <a:r>
-              <a:rPr lang="ja-JP" altLang="en-US" sz="2400" dirty="0" smtClean="0">
+              <a:rPr lang="ja-JP" altLang="en-US" sz="2400" dirty="0">
                 <a:solidFill>
                   <a:schemeClr val="tx1">
                     <a:lumMod val="75000"/>
@@ -6016,7 +6846,7 @@
               <a:t>研究分野</a:t>
             </a:r>
             <a:r>
-              <a:rPr lang="en-US" altLang="ja-JP" sz="2400" dirty="0" smtClean="0">
+              <a:rPr lang="en-US" altLang="ja-JP" sz="2400" dirty="0">
                 <a:solidFill>
                   <a:schemeClr val="tx1">
                     <a:lumMod val="75000"/>
@@ -6030,7 +6860,7 @@
               <a:t>: </a:t>
             </a:r>
             <a:r>
-              <a:rPr lang="ja-JP" altLang="en-US" sz="2400" dirty="0" smtClean="0">
+              <a:rPr lang="ja-JP" altLang="en-US" sz="2400">
                 <a:solidFill>
                   <a:schemeClr val="tx1">
                     <a:lumMod val="75000"/>
@@ -6041,7 +6871,135 @@
                 <a:ea typeface="+mn-ea"/>
                 <a:cs typeface="Arial" panose="020B0604020202020204" pitchFamily="34" charset="0"/>
               </a:rPr>
-              <a:t>音声変換</a:t>
+              <a:t>声質変換</a:t>
+            </a:r>
+            <a:endParaRPr lang="en-US" altLang="ja-JP" sz="2400" dirty="0">
+              <a:solidFill>
+                <a:schemeClr val="tx1">
+                  <a:lumMod val="75000"/>
+                  <a:lumOff val="25000"/>
+                </a:schemeClr>
+              </a:solidFill>
+              <a:latin typeface="+mn-ea"/>
+              <a:ea typeface="+mn-ea"/>
+              <a:cs typeface="Arial" panose="020B0604020202020204" pitchFamily="34" charset="0"/>
+            </a:endParaRPr>
+          </a:p>
+          <a:p>
+            <a:pPr algn="ctr" fontAlgn="auto">
+              <a:spcBef>
+                <a:spcPct val="20000"/>
+              </a:spcBef>
+              <a:spcAft>
+                <a:spcPts val="0"/>
+              </a:spcAft>
+              <a:defRPr/>
+            </a:pPr>
+            <a:r>
+              <a:rPr lang="ja-JP" altLang="en-US" sz="2400">
+                <a:solidFill>
+                  <a:schemeClr val="tx1">
+                    <a:lumMod val="75000"/>
+                    <a:lumOff val="25000"/>
+                  </a:schemeClr>
+                </a:solidFill>
+                <a:latin typeface="+mn-ea"/>
+                <a:ea typeface="+mn-ea"/>
+                <a:cs typeface="Arial" panose="020B0604020202020204" pitchFamily="34" charset="0"/>
+              </a:rPr>
+              <a:t>指導研究員</a:t>
+            </a:r>
+            <a:r>
+              <a:rPr lang="en-US" altLang="ja-JP" sz="2400" dirty="0">
+                <a:solidFill>
+                  <a:schemeClr val="tx1">
+                    <a:lumMod val="75000"/>
+                    <a:lumOff val="25000"/>
+                  </a:schemeClr>
+                </a:solidFill>
+                <a:latin typeface="+mn-ea"/>
+                <a:ea typeface="+mn-ea"/>
+                <a:cs typeface="Arial" panose="020B0604020202020204" pitchFamily="34" charset="0"/>
+              </a:rPr>
+              <a:t>: </a:t>
+            </a:r>
+            <a:r>
+              <a:rPr lang="ja-JP" altLang="en-US" sz="2400">
+                <a:solidFill>
+                  <a:schemeClr val="tx1">
+                    <a:lumMod val="75000"/>
+                    <a:lumOff val="25000"/>
+                  </a:schemeClr>
+                </a:solidFill>
+                <a:latin typeface="+mn-ea"/>
+                <a:ea typeface="+mn-ea"/>
+                <a:cs typeface="Arial" panose="020B0604020202020204" pitchFamily="34" charset="0"/>
+              </a:rPr>
+              <a:t>宝珠山主幹研究員</a:t>
+            </a:r>
+            <a:endParaRPr lang="en-US" altLang="ja-JP" sz="2400" dirty="0">
+              <a:solidFill>
+                <a:schemeClr val="tx1">
+                  <a:lumMod val="75000"/>
+                  <a:lumOff val="25000"/>
+                </a:schemeClr>
+              </a:solidFill>
+              <a:latin typeface="+mn-ea"/>
+              <a:ea typeface="+mn-ea"/>
+              <a:cs typeface="Arial" panose="020B0604020202020204" pitchFamily="34" charset="0"/>
+            </a:endParaRPr>
+          </a:p>
+          <a:p>
+            <a:pPr algn="ctr" fontAlgn="auto">
+              <a:spcBef>
+                <a:spcPct val="20000"/>
+              </a:spcBef>
+              <a:spcAft>
+                <a:spcPts val="0"/>
+              </a:spcAft>
+              <a:defRPr/>
+            </a:pPr>
+            <a:r>
+              <a:rPr lang="ja-JP" altLang="en-US" sz="2400">
+                <a:solidFill>
+                  <a:schemeClr val="tx1">
+                    <a:lumMod val="75000"/>
+                    <a:lumOff val="25000"/>
+                  </a:schemeClr>
+                </a:solidFill>
+                <a:latin typeface="+mn-ea"/>
+                <a:ea typeface="+mn-ea"/>
+                <a:cs typeface="Arial" panose="020B0604020202020204" pitchFamily="34" charset="0"/>
+              </a:rPr>
+              <a:t>参加日数</a:t>
+            </a:r>
+            <a:r>
+              <a:rPr lang="en-US" altLang="ja-JP" sz="2400" dirty="0">
+                <a:solidFill>
+                  <a:schemeClr val="tx1">
+                    <a:lumMod val="75000"/>
+                    <a:lumOff val="25000"/>
+                  </a:schemeClr>
+                </a:solidFill>
+                <a:latin typeface="+mn-ea"/>
+                <a:ea typeface="+mn-ea"/>
+                <a:cs typeface="Arial" panose="020B0604020202020204" pitchFamily="34" charset="0"/>
+              </a:rPr>
+              <a:t>: 19</a:t>
+            </a:r>
+            <a:r>
+              <a:rPr lang="ja-JP" altLang="en-US" sz="2400">
+                <a:solidFill>
+                  <a:schemeClr val="tx1">
+                    <a:lumMod val="75000"/>
+                    <a:lumOff val="25000"/>
+                  </a:schemeClr>
+                </a:solidFill>
+                <a:latin typeface="+mn-ea"/>
+                <a:ea typeface="+mn-ea"/>
+                <a:cs typeface="Arial" panose="020B0604020202020204" pitchFamily="34" charset="0"/>
+              </a:rPr>
+              <a:t>日</a:t>
             </a:r>
             <a:endParaRPr lang="en-US" altLang="ja-JP" sz="2400" dirty="0">
               <a:solidFill>
@@ -6163,13 +7121,6 @@
   <p:clrMapOvr>
     <a:masterClrMapping/>
   </p:clrMapOvr>
-  <p:timing>
-    <p:tnLst>
-      <p:par>
-        <p:cTn id="1" dur="indefinite" restart="never" nodeType="tmRoot"/>
-      </p:par>
-    </p:tnLst>
-  </p:timing>
 </p:sld>
 </file>
 
@@ -6246,15 +7197,11 @@
           <a:lstStyle/>
           <a:p>
             <a:r>
-              <a:rPr lang="ja-JP" altLang="en-US" dirty="0" smtClean="0"/>
-              <a:t>研究</a:t>
-            </a:r>
-            <a:r>
               <a:rPr lang="ja-JP" altLang="en-US" dirty="0"/>
-              <a:t>内容</a:t>
-            </a:r>
-            <a:r>
-              <a:rPr lang="en-US" altLang="ja-JP" dirty="0" smtClean="0"/>
+              <a:t>研究内容</a:t>
+            </a:r>
+            <a:r>
+              <a:rPr lang="en-US" altLang="ja-JP" dirty="0"/>
               <a:t>:</a:t>
             </a:r>
             <a:r>
@@ -6262,7 +7209,7 @@
               <a:t> </a:t>
             </a:r>
             <a:r>
-              <a:rPr lang="ja-JP" altLang="en-US" dirty="0" smtClean="0">
+              <a:rPr lang="ja-JP" altLang="en-US" dirty="0">
                 <a:solidFill>
                   <a:schemeClr val="accent2">
                     <a:lumMod val="75000"/>
@@ -6271,7 +7218,7 @@
               </a:rPr>
               <a:t>多段適応型ビームフォーマ</a:t>
             </a:r>
-            <a:endParaRPr lang="en-US" altLang="ja-JP" dirty="0" smtClean="0">
+            <a:endParaRPr lang="en-US" altLang="ja-JP" dirty="0">
               <a:solidFill>
                 <a:schemeClr val="accent2">
                   <a:lumMod val="75000"/>
@@ -6282,38 +7229,30 @@
           <a:p>
             <a:pPr lvl="1"/>
             <a:r>
-              <a:rPr lang="ja-JP" altLang="en-US" dirty="0" smtClean="0"/>
+              <a:rPr lang="ja-JP" altLang="en-US" dirty="0"/>
               <a:t>前段で強調した音声を固定ビームフォーマ出力に置き換え，多段化</a:t>
             </a:r>
             <a:endParaRPr lang="en-US" altLang="ja-JP" dirty="0"/>
           </a:p>
           <a:p>
             <a:pPr lvl="1"/>
-            <a:endParaRPr lang="en-US" altLang="ja-JP" sz="1800" dirty="0" smtClean="0"/>
-          </a:p>
-          <a:p>
-            <a:r>
-              <a:rPr lang="ja-JP" altLang="en-US" dirty="0" smtClean="0"/>
+            <a:endParaRPr lang="en-US" altLang="ja-JP" sz="1800" dirty="0"/>
+          </a:p>
+          <a:p>
+            <a:r>
+              <a:rPr lang="ja-JP" altLang="en-US" dirty="0"/>
               <a:t>実験結果</a:t>
             </a:r>
             <a:r>
-              <a:rPr lang="en-US" altLang="ja-JP" dirty="0" smtClean="0"/>
+              <a:rPr lang="en-US" altLang="ja-JP" dirty="0"/>
               <a:t>:</a:t>
             </a:r>
           </a:p>
           <a:p>
             <a:pPr lvl="1"/>
             <a:r>
-              <a:rPr lang="ja-JP" altLang="en-US" dirty="0" smtClean="0"/>
-              <a:t>ブロッキング</a:t>
-            </a:r>
-            <a:r>
               <a:rPr lang="ja-JP" altLang="en-US" dirty="0"/>
-              <a:t>行列</a:t>
-            </a:r>
-            <a:r>
-              <a:rPr lang="ja-JP" altLang="en-US" dirty="0" smtClean="0"/>
-              <a:t>の品質改善が示唆</a:t>
+              <a:t>ブロッキング行列の品質改善が示唆</a:t>
             </a:r>
             <a:endParaRPr lang="en-US" altLang="ja-JP" dirty="0"/>
           </a:p>
@@ -6325,26 +7264,30 @@
           </a:p>
           <a:p>
             <a:r>
-              <a:rPr lang="ja-JP" altLang="en-US" dirty="0" smtClean="0"/>
+              <a:rPr lang="ja-JP" altLang="en-US" dirty="0"/>
               <a:t>今後の展望</a:t>
             </a:r>
             <a:r>
-              <a:rPr lang="en-US" altLang="ja-JP" dirty="0" smtClean="0"/>
+              <a:rPr lang="en-US" altLang="ja-JP" dirty="0"/>
               <a:t>: </a:t>
             </a:r>
           </a:p>
           <a:p>
             <a:pPr lvl="1"/>
             <a:r>
-              <a:rPr lang="en-US" altLang="ja-JP" dirty="0" smtClean="0"/>
+              <a:rPr lang="en-US" altLang="ja-JP" dirty="0"/>
               <a:t>MIC</a:t>
             </a:r>
             <a:r>
-              <a:rPr lang="ja-JP" altLang="en-US" dirty="0" smtClean="0"/>
-              <a:t>のタップ長を長くすれば，従来法よりも残響を低減可能</a:t>
-            </a:r>
-            <a:r>
-              <a:rPr lang="en-US" altLang="ja-JP" dirty="0" smtClean="0"/>
+              <a:rPr lang="ja-JP" altLang="en-US" dirty="0"/>
+              <a:t>のタップ長</a:t>
+            </a:r>
+            <a:r>
+              <a:rPr lang="ja-JP" altLang="en-US"/>
+              <a:t>を長くすれば，残響下でも高性能になる</a:t>
+            </a:r>
+            <a:r>
+              <a:rPr lang="en-US" altLang="ja-JP" dirty="0"/>
               <a:t>…?</a:t>
             </a:r>
           </a:p>
@@ -6360,25 +7303,41 @@
               <a:t>感想</a:t>
             </a:r>
             <a:r>
-              <a:rPr lang="en-US" altLang="ja-JP" dirty="0" smtClean="0"/>
+              <a:rPr lang="en-US" altLang="ja-JP" dirty="0"/>
               <a:t>: </a:t>
             </a:r>
-            <a:r>
-              <a:rPr lang="ja-JP" altLang="en-US" dirty="0" smtClean="0"/>
-              <a:t>ここはもう少し付け足します</a:t>
-            </a:r>
-            <a:endParaRPr lang="en-US" altLang="ja-JP" dirty="0" smtClean="0"/>
           </a:p>
           <a:p>
             <a:pPr lvl="1"/>
             <a:r>
-              <a:rPr lang="ja-JP" altLang="en-US" dirty="0" smtClean="0"/>
-              <a:t>ブロッキング行列の品質改善を定量評価できなかった</a:t>
-            </a:r>
-            <a:endParaRPr lang="en-US" altLang="ja-JP" dirty="0" smtClean="0"/>
-          </a:p>
-          <a:p>
-            <a:endParaRPr lang="en-US" altLang="ja-JP" dirty="0" smtClean="0"/>
+              <a:rPr lang="ja-JP" altLang="en-US"/>
+              <a:t>パラメータチューニングがめちゃくちゃ大変だった．</a:t>
+            </a:r>
+            <a:endParaRPr lang="en-US" altLang="ja-JP" dirty="0"/>
+          </a:p>
+          <a:p>
+            <a:pPr lvl="1"/>
+            <a:r>
+              <a:rPr lang="en-US" altLang="ja-JP" dirty="0"/>
+              <a:t>PBL</a:t>
+            </a:r>
+            <a:r>
+              <a:rPr lang="ja-JP" altLang="en-US"/>
+              <a:t>期間中に定量評価まで行けず非常に残念だったが，今後何らかの形で発表できるようまとめていきたい．</a:t>
+            </a:r>
+            <a:endParaRPr lang="en-US" altLang="ja-JP" dirty="0"/>
+          </a:p>
+          <a:p>
+            <a:pPr lvl="1"/>
+            <a:r>
+              <a:rPr lang="ja-JP" altLang="en-US"/>
+              <a:t>うまくいかないパターンにことごとくハマったが，そのおかげでかなり勉強になったと思う．</a:t>
+            </a:r>
+            <a:endParaRPr lang="en-US" altLang="ja-JP" dirty="0"/>
+          </a:p>
+          <a:p>
+            <a:pPr lvl="1"/>
+            <a:endParaRPr lang="en-US" altLang="ja-JP" dirty="0"/>
           </a:p>
           <a:p>
             <a:endParaRPr lang="en-US" altLang="ja-JP" dirty="0"/>
@@ -6434,13 +7393,6 @@
   <p:clrMapOvr>
     <a:masterClrMapping/>
   </p:clrMapOvr>
-  <p:timing>
-    <p:tnLst>
-      <p:par>
-        <p:cTn id="1" dur="indefinite" restart="never" nodeType="tmRoot"/>
-      </p:par>
-    </p:tnLst>
-  </p:timing>
 </p:sld>
 </file>
 
@@ -6487,7 +7439,7 @@
               <a:t>PBL</a:t>
             </a:r>
             <a:r>
-              <a:rPr lang="ja-JP" altLang="en-US" dirty="0" smtClean="0"/>
+              <a:rPr lang="ja-JP" altLang="en-US" dirty="0"/>
               <a:t>参加の背景</a:t>
             </a:r>
             <a:endParaRPr lang="en-US" dirty="0"/>
@@ -6521,8 +7473,12 @@
           <a:lstStyle/>
           <a:p>
             <a:r>
+              <a:rPr lang="ja-JP" altLang="en-US"/>
+              <a:t>大学で声質変換</a:t>
+            </a:r>
+            <a:r>
               <a:rPr lang="ja-JP" altLang="en-US" dirty="0"/>
-              <a:t>大学で音声変換の研究</a:t>
+              <a:t>の研究</a:t>
             </a:r>
             <a:endParaRPr lang="en-US" altLang="ja-JP" dirty="0"/>
           </a:p>
@@ -6587,11 +7543,7 @@
             </a:r>
             <a:r>
               <a:rPr lang="ja-JP" altLang="en-US" dirty="0"/>
-              <a:t>を紹</a:t>
-            </a:r>
-            <a:r>
-              <a:rPr lang="ja-JP" altLang="en-US" dirty="0"/>
-              <a:t>介してもらう</a:t>
+              <a:t>を紹介してもらう</a:t>
             </a:r>
             <a:endParaRPr lang="en-US" altLang="ja-JP" dirty="0"/>
           </a:p>
@@ -6618,41 +7570,7 @@
                   </a:schemeClr>
                 </a:solidFill>
               </a:rPr>
-              <a:t>線形ビームフォーマによる音声強調の限界に</a:t>
-            </a:r>
-            <a:r>
-              <a:rPr lang="ja-JP" altLang="en-US" dirty="0" smtClean="0">
-                <a:solidFill>
-                  <a:schemeClr val="accent2">
-                    <a:lumMod val="75000"/>
-                  </a:schemeClr>
-                </a:solidFill>
-              </a:rPr>
-              <a:t>挑戦</a:t>
-            </a:r>
-            <a:r>
-              <a:rPr lang="ja-JP" altLang="en-US" dirty="0" smtClean="0">
-                <a:solidFill>
-                  <a:schemeClr val="accent2">
-                    <a:lumMod val="75000"/>
-                  </a:schemeClr>
-                </a:solidFill>
-              </a:rPr>
-              <a:t>す</a:t>
-            </a:r>
-            <a:r>
-              <a:rPr lang="ja-JP" altLang="en-US" dirty="0">
-                <a:solidFill>
-                  <a:schemeClr val="accent2">
-                    <a:lumMod val="75000"/>
-                  </a:schemeClr>
-                </a:solidFill>
-              </a:rPr>
-              <a:t>る</a:t>
-            </a:r>
-            <a:r>
-              <a:rPr lang="en-US" altLang="ja-JP" dirty="0"/>
-              <a:t/>
+              <a:t>線形ビームフォーマによる音声強調の限界に挑戦する</a:t>
             </a:r>
             <a:br>
               <a:rPr lang="en-US" altLang="ja-JP" dirty="0"/>
@@ -6717,13 +7635,6 @@
   <p:clrMapOvr>
     <a:masterClrMapping/>
   </p:clrMapOvr>
-  <p:timing>
-    <p:tnLst>
-      <p:par>
-        <p:cTn id="1" dur="indefinite" restart="never" nodeType="tmRoot"/>
-      </p:par>
-    </p:tnLst>
-  </p:timing>
 </p:sld>
 </file>
 
@@ -6815,23 +7726,15 @@
           <a:p>
             <a:pPr lvl="1"/>
             <a:r>
-              <a:rPr lang="ja-JP" altLang="en-US" dirty="0" smtClean="0"/>
-              <a:t>マイクロフォン</a:t>
-            </a:r>
-            <a:r>
               <a:rPr lang="ja-JP" altLang="en-US" dirty="0"/>
-              <a:t>アレ</a:t>
-            </a:r>
-            <a:r>
-              <a:rPr lang="ja-JP" altLang="en-US" dirty="0" smtClean="0"/>
-              <a:t>ーを用いた指向性合成による音声強調</a:t>
-            </a:r>
-            <a:endParaRPr lang="en-US" altLang="ja-JP" dirty="0" smtClean="0"/>
+              <a:t>マイクロフォンアレーを用いた指向性合成による音声強調</a:t>
+            </a:r>
+            <a:endParaRPr lang="en-US" altLang="ja-JP" dirty="0"/>
           </a:p>
           <a:p>
             <a:pPr lvl="1"/>
             <a:r>
-              <a:rPr lang="ja-JP" altLang="en-US" dirty="0" smtClean="0"/>
+              <a:rPr lang="ja-JP" altLang="en-US" dirty="0"/>
               <a:t>歪が小さく，計算コストの低い線形ビームフォーマを高性能化</a:t>
             </a:r>
             <a:endParaRPr lang="en-US" altLang="ja-JP" dirty="0"/>
@@ -6858,12 +7761,24 @@
               <a:t>: </a:t>
             </a:r>
             <a:r>
-              <a:rPr lang="ja-JP" altLang="en-US" dirty="0">
+              <a:rPr lang="ja-JP" altLang="en-US">
                 <a:solidFill>
                   <a:srgbClr val="C00000"/>
                 </a:solidFill>
               </a:rPr>
               <a:t>適応型ビームフォーマ</a:t>
+            </a:r>
+            <a:r>
+              <a:rPr lang="en-US" altLang="ja-JP" dirty="0">
+                <a:solidFill>
+                  <a:srgbClr val="C00000"/>
+                </a:solidFill>
+              </a:rPr>
+              <a:t> </a:t>
+            </a:r>
+            <a:r>
+              <a:rPr lang="en-US" altLang="ja-JP" sz="1600" b="0" dirty="0"/>
+              <a:t>[Hoshuyama1999]</a:t>
             </a:r>
             <a:endParaRPr lang="en-US" altLang="ja-JP" sz="1600" b="0" dirty="0">
               <a:solidFill>
@@ -6944,13 +7859,9 @@
             <a:pPr lvl="1"/>
             <a:r>
               <a:rPr lang="ja-JP" altLang="en-US" dirty="0"/>
-              <a:t>残響のある環境下でも鋭い指向性を</a:t>
-            </a:r>
-            <a:r>
-              <a:rPr lang="ja-JP" altLang="en-US" dirty="0" smtClean="0"/>
-              <a:t>得る</a:t>
-            </a:r>
-            <a:endParaRPr lang="en-US" altLang="ja-JP" dirty="0" smtClean="0"/>
+              <a:t>残響のある環境下でも鋭い指向性を得る</a:t>
+            </a:r>
+            <a:endParaRPr lang="en-US" altLang="ja-JP" dirty="0"/>
           </a:p>
           <a:p>
             <a:pPr marL="538162" lvl="1" indent="0">
@@ -6970,17 +7881,6 @@
           </a:p>
           <a:p>
             <a:pPr lvl="1"/>
-            <a:r>
-              <a:rPr lang="ja-JP" altLang="en-US" dirty="0" smtClean="0">
-                <a:solidFill>
-                  <a:schemeClr val="tx1">
-                    <a:lumMod val="65000"/>
-                    <a:lumOff val="35000"/>
-                  </a:schemeClr>
-                </a:solidFill>
-              </a:rPr>
-              <a:t>ブロッキング</a:t>
-            </a:r>
             <a:r>
               <a:rPr lang="ja-JP" altLang="en-US" dirty="0">
                 <a:solidFill>
@@ -6990,7 +7890,7 @@
                   </a:schemeClr>
                 </a:solidFill>
               </a:rPr>
-              <a:t>行列の品質改善が示唆</a:t>
+              <a:t>ブロッキング行列の品質改善が示唆</a:t>
             </a:r>
             <a:endParaRPr lang="en-US" altLang="ja-JP" dirty="0">
               <a:solidFill>
@@ -7048,13 +7948,6 @@
   <p:clrMapOvr>
     <a:masterClrMapping/>
   </p:clrMapOvr>
-  <p:timing>
-    <p:tnLst>
-      <p:par>
-        <p:cTn id="1" dur="indefinite" restart="never" nodeType="tmRoot"/>
-      </p:par>
-    </p:tnLst>
-  </p:timing>
 </p:sld>
 </file>
 
@@ -7177,19 +8070,23 @@
           <a:lstStyle/>
           <a:p>
             <a:r>
-              <a:rPr lang="ja-JP" altLang="en-US" dirty="0" smtClean="0"/>
+              <a:rPr lang="ja-JP" altLang="en-US" dirty="0"/>
               <a:t>従来法</a:t>
             </a:r>
             <a:r>
-              <a:rPr lang="en-US" altLang="ja-JP" dirty="0" smtClean="0"/>
+              <a:rPr lang="en-US" altLang="ja-JP" dirty="0"/>
               <a:t>:</a:t>
             </a:r>
             <a:r>
-              <a:rPr lang="ja-JP" altLang="en-US" dirty="0" smtClean="0"/>
-              <a:t> 適応型ビームフォーマ </a:t>
-            </a:r>
-            <a:r>
-              <a:rPr lang="en-US" altLang="ja-JP" sz="2200" b="0" dirty="0" smtClean="0"/>
+              <a:rPr lang="ja-JP" altLang="en-US" dirty="0"/>
+              <a:t> 適応型</a:t>
+            </a:r>
+            <a:r>
+              <a:rPr lang="ja-JP" altLang="en-US"/>
+              <a:t>ビームフォーマ </a:t>
+            </a:r>
+            <a:r>
+              <a:rPr lang="en-US" altLang="ja-JP" sz="2200" b="0" dirty="0"/>
               <a:t>[Hoshuyama1999]</a:t>
             </a:r>
             <a:endParaRPr lang="en-US" sz="2200" b="0" dirty="0"/>
@@ -7261,7 +8158,7 @@
           <a:lstStyle/>
           <a:p>
             <a:pPr algn="ctr"/>
-            <a:endParaRPr kumimoji="1" lang="ja-JP" altLang="en-US" sz="2000" dirty="0" smtClean="0">
+            <a:endParaRPr kumimoji="1" lang="ja-JP" altLang="en-US" sz="2000" dirty="0">
               <a:solidFill>
                 <a:schemeClr val="tx1">
                   <a:lumMod val="75000"/>
@@ -7473,8 +8370,8 @@
           </a:fontRef>
         </p:style>
       </p:cxnSp>
-      <mc:AlternateContent xmlns:mc="http://schemas.openxmlformats.org/markup-compatibility/2006">
-        <mc:Choice xmlns:a14="http://schemas.microsoft.com/office/drawing/2010/main" Requires="a14">
+      <mc:AlternateContent xmlns:mc="http://schemas.openxmlformats.org/markup-compatibility/2006" xmlns:a14="http://schemas.microsoft.com/office/drawing/2010/main">
+        <mc:Choice Requires="a14">
           <p:sp>
             <p:nvSpPr>
               <p:cNvPr id="31" name="テキスト ボックス 30"/>
@@ -7497,6 +8394,7 @@
               </a:bodyPr>
               <a:lstStyle/>
               <a:p>
+                <a:pPr/>
                 <a14:m>
                   <m:oMathPara xmlns:m="http://schemas.openxmlformats.org/officeDocument/2006/math">
                     <m:oMathParaPr>
@@ -7519,7 +8417,7 @@
                     </m:oMath>
                   </m:oMathPara>
                 </a14:m>
-                <a:endParaRPr kumimoji="1" lang="ja-JP" altLang="en-US" sz="2000" dirty="0" smtClean="0">
+                <a:endParaRPr kumimoji="1" lang="ja-JP" altLang="en-US" sz="2000" dirty="0">
                   <a:solidFill>
                     <a:schemeClr val="tx1">
                       <a:lumMod val="75000"/>
@@ -7533,7 +8431,7 @@
             </p:txBody>
           </p:sp>
         </mc:Choice>
-        <mc:Fallback>
+        <mc:Fallback xmlns="">
           <p:sp>
             <p:nvSpPr>
               <p:cNvPr id="31" name="テキスト ボックス 30"/>
@@ -7551,7 +8449,7 @@
                 <a:avLst/>
               </a:prstGeom>
               <a:blipFill>
-                <a:blip r:embed="rId2"/>
+                <a:blip r:embed="rId3"/>
                 <a:stretch>
                   <a:fillRect l="-28000" r="-30000" b="-23077"/>
                 </a:stretch>
@@ -7595,7 +8493,7 @@
           <a:lstStyle/>
           <a:p>
             <a:r>
-              <a:rPr kumimoji="1" lang="en-US" altLang="ja-JP" sz="2000" dirty="0" smtClean="0">
+              <a:rPr kumimoji="1" lang="en-US" altLang="ja-JP" sz="2000" dirty="0">
                 <a:solidFill>
                   <a:srgbClr val="00B050"/>
                 </a:solidFill>
@@ -7604,7 +8502,7 @@
               </a:rPr>
               <a:t>FBF</a:t>
             </a:r>
-            <a:endParaRPr kumimoji="1" lang="ja-JP" altLang="en-US" sz="2000" dirty="0" smtClean="0">
+            <a:endParaRPr kumimoji="1" lang="ja-JP" altLang="en-US" sz="2000" dirty="0">
               <a:solidFill>
                 <a:srgbClr val="00B050"/>
               </a:solidFill>
@@ -7614,8 +8512,8 @@
           </a:p>
         </p:txBody>
       </p:sp>
-      <mc:AlternateContent xmlns:mc="http://schemas.openxmlformats.org/markup-compatibility/2006">
-        <mc:Choice xmlns:a14="http://schemas.microsoft.com/office/drawing/2010/main" Requires="a14">
+      <mc:AlternateContent xmlns:mc="http://schemas.openxmlformats.org/markup-compatibility/2006" xmlns:a14="http://schemas.microsoft.com/office/drawing/2010/main">
+        <mc:Choice Requires="a14">
           <p:sp>
             <p:nvSpPr>
               <p:cNvPr id="35" name="正方形/長方形 34"/>
@@ -7717,7 +8615,7 @@
                     </m:oMath>
                   </m:oMathPara>
                 </a14:m>
-                <a:endParaRPr kumimoji="1" lang="ja-JP" altLang="en-US" sz="2000" dirty="0" smtClean="0">
+                <a:endParaRPr kumimoji="1" lang="ja-JP" altLang="en-US" sz="2000" dirty="0">
                   <a:solidFill>
                     <a:schemeClr val="tx1">
                       <a:lumMod val="75000"/>
@@ -7731,7 +8629,7 @@
             </p:txBody>
           </p:sp>
         </mc:Choice>
-        <mc:Fallback>
+        <mc:Fallback xmlns="">
           <p:sp>
             <p:nvSpPr>
               <p:cNvPr id="35" name="正方形/長方形 34"/>
@@ -7749,7 +8647,7 @@
                 <a:avLst/>
               </a:prstGeom>
               <a:blipFill>
-                <a:blip r:embed="rId3"/>
+                <a:blip r:embed="rId4"/>
                 <a:stretch>
                   <a:fillRect r="-2326"/>
                 </a:stretch>
@@ -7778,8 +8676,8 @@
           </p:sp>
         </mc:Fallback>
       </mc:AlternateContent>
-      <mc:AlternateContent xmlns:mc="http://schemas.openxmlformats.org/markup-compatibility/2006">
-        <mc:Choice xmlns:a14="http://schemas.microsoft.com/office/drawing/2010/main" Requires="a14">
+      <mc:AlternateContent xmlns:mc="http://schemas.openxmlformats.org/markup-compatibility/2006" xmlns:a14="http://schemas.microsoft.com/office/drawing/2010/main">
+        <mc:Choice Requires="a14">
           <p:sp>
             <p:nvSpPr>
               <p:cNvPr id="36" name="正方形/長方形 35"/>
@@ -7881,7 +8779,7 @@
                     </m:oMath>
                   </m:oMathPara>
                 </a14:m>
-                <a:endParaRPr kumimoji="1" lang="ja-JP" altLang="en-US" sz="2000" dirty="0" smtClean="0">
+                <a:endParaRPr kumimoji="1" lang="ja-JP" altLang="en-US" sz="2000" dirty="0">
                   <a:solidFill>
                     <a:schemeClr val="tx1">
                       <a:lumMod val="75000"/>
@@ -7895,7 +8793,7 @@
             </p:txBody>
           </p:sp>
         </mc:Choice>
-        <mc:Fallback>
+        <mc:Fallback xmlns="">
           <p:sp>
             <p:nvSpPr>
               <p:cNvPr id="36" name="正方形/長方形 35"/>
@@ -7913,7 +8811,7 @@
                 <a:avLst/>
               </a:prstGeom>
               <a:blipFill>
-                <a:blip r:embed="rId4"/>
+                <a:blip r:embed="rId5"/>
                 <a:stretch>
                   <a:fillRect r="-2326"/>
                 </a:stretch>
@@ -7942,8 +8840,8 @@
           </p:sp>
         </mc:Fallback>
       </mc:AlternateContent>
-      <mc:AlternateContent xmlns:mc="http://schemas.openxmlformats.org/markup-compatibility/2006">
-        <mc:Choice xmlns:a14="http://schemas.microsoft.com/office/drawing/2010/main" Requires="a14">
+      <mc:AlternateContent xmlns:mc="http://schemas.openxmlformats.org/markup-compatibility/2006" xmlns:a14="http://schemas.microsoft.com/office/drawing/2010/main">
+        <mc:Choice Requires="a14">
           <p:sp>
             <p:nvSpPr>
               <p:cNvPr id="37" name="テキスト ボックス 36"/>
@@ -7966,6 +8864,7 @@
               </a:bodyPr>
               <a:lstStyle/>
               <a:p>
+                <a:pPr/>
                 <a14:m>
                   <m:oMathPara xmlns:m="http://schemas.openxmlformats.org/officeDocument/2006/math">
                     <m:oMathParaPr>
@@ -7988,7 +8887,7 @@
                     </m:oMath>
                   </m:oMathPara>
                 </a14:m>
-                <a:endParaRPr kumimoji="1" lang="ja-JP" altLang="en-US" sz="2000" dirty="0" smtClean="0">
+                <a:endParaRPr kumimoji="1" lang="ja-JP" altLang="en-US" sz="2000" dirty="0">
                   <a:solidFill>
                     <a:schemeClr val="tx1">
                       <a:lumMod val="75000"/>
@@ -8002,7 +8901,7 @@
             </p:txBody>
           </p:sp>
         </mc:Choice>
-        <mc:Fallback>
+        <mc:Fallback xmlns="">
           <p:sp>
             <p:nvSpPr>
               <p:cNvPr id="37" name="テキスト ボックス 36"/>
@@ -8020,7 +8919,7 @@
                 <a:avLst/>
               </a:prstGeom>
               <a:blipFill>
-                <a:blip r:embed="rId5"/>
+                <a:blip r:embed="rId6"/>
                 <a:stretch>
                   <a:fillRect l="-28000" t="-1961" r="-30000" b="-23529"/>
                 </a:stretch>
@@ -8041,8 +8940,8 @@
           </p:sp>
         </mc:Fallback>
       </mc:AlternateContent>
-      <mc:AlternateContent xmlns:mc="http://schemas.openxmlformats.org/markup-compatibility/2006">
-        <mc:Choice xmlns:a14="http://schemas.microsoft.com/office/drawing/2010/main" Requires="a14">
+      <mc:AlternateContent xmlns:mc="http://schemas.openxmlformats.org/markup-compatibility/2006" xmlns:a14="http://schemas.microsoft.com/office/drawing/2010/main">
+        <mc:Choice Requires="a14">
           <p:sp>
             <p:nvSpPr>
               <p:cNvPr id="46" name="正方形/長方形 45"/>
@@ -8144,7 +9043,7 @@
                     </m:oMath>
                   </m:oMathPara>
                 </a14:m>
-                <a:endParaRPr kumimoji="1" lang="ja-JP" altLang="en-US" sz="2000" dirty="0" smtClean="0">
+                <a:endParaRPr kumimoji="1" lang="ja-JP" altLang="en-US" sz="2000" dirty="0">
                   <a:solidFill>
                     <a:schemeClr val="tx1">
                       <a:lumMod val="75000"/>
@@ -8158,7 +9057,7 @@
             </p:txBody>
           </p:sp>
         </mc:Choice>
-        <mc:Fallback>
+        <mc:Fallback xmlns="">
           <p:sp>
             <p:nvSpPr>
               <p:cNvPr id="46" name="正方形/長方形 45"/>
@@ -8176,7 +9075,7 @@
                 <a:avLst/>
               </a:prstGeom>
               <a:blipFill>
-                <a:blip r:embed="rId6"/>
+                <a:blip r:embed="rId7"/>
                 <a:stretch>
                   <a:fillRect r="-5814"/>
                 </a:stretch>
@@ -8239,7 +9138,7 @@
           <a:p>
             <a:pPr algn="ctr"/>
             <a:r>
-              <a:rPr kumimoji="1" lang="en-US" altLang="ja-JP" sz="2000" dirty="0" smtClean="0">
+              <a:rPr kumimoji="1" lang="en-US" altLang="ja-JP" sz="2000" dirty="0">
                 <a:solidFill>
                   <a:schemeClr val="tx1">
                     <a:lumMod val="75000"/>
@@ -8251,7 +9150,7 @@
               </a:rPr>
               <a:t>CCAF</a:t>
             </a:r>
-            <a:endParaRPr kumimoji="1" lang="ja-JP" altLang="en-US" sz="2000" dirty="0" smtClean="0">
+            <a:endParaRPr kumimoji="1" lang="ja-JP" altLang="en-US" sz="2000" dirty="0">
               <a:solidFill>
                 <a:schemeClr val="tx1">
                   <a:lumMod val="75000"/>
@@ -8558,7 +9457,7 @@
               <a:t>N</a:t>
             </a:r>
             <a:r>
-              <a:rPr kumimoji="1" lang="en-US" altLang="ja-JP" sz="2000" dirty="0" smtClean="0">
+              <a:rPr kumimoji="1" lang="en-US" altLang="ja-JP" sz="2000" dirty="0">
                 <a:solidFill>
                   <a:schemeClr val="tx1">
                     <a:lumMod val="75000"/>
@@ -8570,7 +9469,7 @@
               </a:rPr>
               <a:t>CAF</a:t>
             </a:r>
-            <a:endParaRPr kumimoji="1" lang="ja-JP" altLang="en-US" sz="2000" dirty="0" smtClean="0">
+            <a:endParaRPr kumimoji="1" lang="ja-JP" altLang="en-US" sz="2000" dirty="0">
               <a:solidFill>
                 <a:schemeClr val="tx1">
                   <a:lumMod val="75000"/>
@@ -8583,8 +9482,8 @@
           </a:p>
         </p:txBody>
       </p:sp>
-      <mc:AlternateContent xmlns:mc="http://schemas.openxmlformats.org/markup-compatibility/2006">
-        <mc:Choice xmlns:a14="http://schemas.microsoft.com/office/drawing/2010/main" Requires="a14">
+      <mc:AlternateContent xmlns:mc="http://schemas.openxmlformats.org/markup-compatibility/2006" xmlns:a14="http://schemas.microsoft.com/office/drawing/2010/main">
+        <mc:Choice Requires="a14">
           <p:sp>
             <p:nvSpPr>
               <p:cNvPr id="85" name="テキスト ボックス 84"/>
@@ -8607,6 +9506,7 @@
               </a:bodyPr>
               <a:lstStyle/>
               <a:p>
+                <a:pPr/>
                 <a14:m>
                   <m:oMathPara xmlns:m="http://schemas.openxmlformats.org/officeDocument/2006/math">
                     <m:oMathParaPr>
@@ -8629,7 +9529,7 @@
                     </m:oMath>
                   </m:oMathPara>
                 </a14:m>
-                <a:endParaRPr kumimoji="1" lang="ja-JP" altLang="en-US" sz="2000" dirty="0" smtClean="0">
+                <a:endParaRPr kumimoji="1" lang="ja-JP" altLang="en-US" sz="2000" dirty="0">
                   <a:solidFill>
                     <a:schemeClr val="tx1">
                       <a:lumMod val="75000"/>
@@ -8643,7 +9543,7 @@
             </p:txBody>
           </p:sp>
         </mc:Choice>
-        <mc:Fallback>
+        <mc:Fallback xmlns="">
           <p:sp>
             <p:nvSpPr>
               <p:cNvPr id="85" name="テキスト ボックス 84"/>
@@ -8661,7 +9561,7 @@
                 <a:avLst/>
               </a:prstGeom>
               <a:blipFill>
-                <a:blip r:embed="rId7"/>
+                <a:blip r:embed="rId8"/>
                 <a:stretch>
                   <a:fillRect l="-28000" r="-30000" b="-23077"/>
                 </a:stretch>
@@ -8842,8 +9742,8 @@
           </a:fontRef>
         </p:style>
       </p:cxnSp>
-      <mc:AlternateContent xmlns:mc="http://schemas.openxmlformats.org/markup-compatibility/2006">
-        <mc:Choice xmlns:a14="http://schemas.microsoft.com/office/drawing/2010/main" Requires="a14">
+      <mc:AlternateContent xmlns:mc="http://schemas.openxmlformats.org/markup-compatibility/2006" xmlns:a14="http://schemas.microsoft.com/office/drawing/2010/main">
+        <mc:Choice Requires="a14">
           <p:sp>
             <p:nvSpPr>
               <p:cNvPr id="101" name="テキスト ボックス 100"/>
@@ -8866,6 +9766,7 @@
               </a:bodyPr>
               <a:lstStyle/>
               <a:p>
+                <a:pPr/>
                 <a14:m>
                   <m:oMathPara xmlns:m="http://schemas.openxmlformats.org/officeDocument/2006/math">
                     <m:oMathParaPr>
@@ -8888,7 +9789,7 @@
                     </m:oMath>
                   </m:oMathPara>
                 </a14:m>
-                <a:endParaRPr kumimoji="1" lang="ja-JP" altLang="en-US" sz="2000" dirty="0" smtClean="0">
+                <a:endParaRPr kumimoji="1" lang="ja-JP" altLang="en-US" sz="2000" dirty="0">
                   <a:solidFill>
                     <a:schemeClr val="tx1">
                       <a:lumMod val="75000"/>
@@ -8902,7 +9803,7 @@
             </p:txBody>
           </p:sp>
         </mc:Choice>
-        <mc:Fallback>
+        <mc:Fallback xmlns="">
           <p:sp>
             <p:nvSpPr>
               <p:cNvPr id="101" name="テキスト ボックス 100"/>
@@ -8920,7 +9821,7 @@
                 <a:avLst/>
               </a:prstGeom>
               <a:blipFill>
-                <a:blip r:embed="rId8"/>
+                <a:blip r:embed="rId9"/>
                 <a:stretch>
                   <a:fillRect l="-28000" r="-30000" b="-23077"/>
                 </a:stretch>
@@ -9066,7 +9967,7 @@
               <a:t>N</a:t>
             </a:r>
             <a:r>
-              <a:rPr kumimoji="1" lang="en-US" altLang="ja-JP" sz="2000" dirty="0" smtClean="0">
+              <a:rPr kumimoji="1" lang="en-US" altLang="ja-JP" sz="2000" dirty="0">
                 <a:solidFill>
                   <a:schemeClr val="tx1">
                     <a:lumMod val="75000"/>
@@ -9078,7 +9979,7 @@
               </a:rPr>
               <a:t>CAF</a:t>
             </a:r>
-            <a:endParaRPr kumimoji="1" lang="ja-JP" altLang="en-US" sz="2000" dirty="0" smtClean="0">
+            <a:endParaRPr kumimoji="1" lang="ja-JP" altLang="en-US" sz="2000" dirty="0">
               <a:solidFill>
                 <a:schemeClr val="tx1">
                   <a:lumMod val="75000"/>
@@ -9246,7 +10147,7 @@
           <a:p>
             <a:pPr algn="ctr"/>
             <a:r>
-              <a:rPr kumimoji="1" lang="en-US" altLang="ja-JP" sz="2000" dirty="0" smtClean="0">
+              <a:rPr kumimoji="1" lang="en-US" altLang="ja-JP" sz="2000" dirty="0">
                 <a:solidFill>
                   <a:schemeClr val="tx1">
                     <a:lumMod val="75000"/>
@@ -9258,7 +10159,7 @@
               </a:rPr>
               <a:t>CCAF</a:t>
             </a:r>
-            <a:endParaRPr kumimoji="1" lang="ja-JP" altLang="en-US" sz="2000" dirty="0" smtClean="0">
+            <a:endParaRPr kumimoji="1" lang="ja-JP" altLang="en-US" sz="2000" dirty="0">
               <a:solidFill>
                 <a:schemeClr val="tx1">
                   <a:lumMod val="75000"/>
@@ -9418,7 +10319,7 @@
           <a:lstStyle/>
           <a:p>
             <a:r>
-              <a:rPr kumimoji="1" lang="ja-JP" altLang="en-US" dirty="0" smtClean="0">
+              <a:rPr kumimoji="1" lang="ja-JP" altLang="en-US" dirty="0">
                 <a:solidFill>
                   <a:schemeClr val="tx1">
                     <a:lumMod val="75000"/>
@@ -9430,16 +10331,6 @@
               </a:rPr>
               <a:t>・・・</a:t>
             </a:r>
-            <a:endParaRPr kumimoji="1" lang="ja-JP" altLang="en-US" dirty="0" smtClean="0">
-              <a:solidFill>
-                <a:schemeClr val="tx1">
-                  <a:lumMod val="75000"/>
-                  <a:lumOff val="25000"/>
-                </a:schemeClr>
-              </a:solidFill>
-              <a:latin typeface="+mj-lt"/>
-              <a:ea typeface="+mj-ea"/>
-            </a:endParaRPr>
           </a:p>
         </p:txBody>
       </p:sp>
@@ -9466,7 +10357,7 @@
           <a:lstStyle/>
           <a:p>
             <a:r>
-              <a:rPr kumimoji="1" lang="ja-JP" altLang="en-US" dirty="0" smtClean="0">
+              <a:rPr kumimoji="1" lang="ja-JP" altLang="en-US" dirty="0">
                 <a:solidFill>
                   <a:schemeClr val="tx1">
                     <a:lumMod val="75000"/>
@@ -9478,21 +10369,11 @@
               </a:rPr>
               <a:t>・・・</a:t>
             </a:r>
-            <a:endParaRPr kumimoji="1" lang="ja-JP" altLang="en-US" dirty="0" smtClean="0">
-              <a:solidFill>
-                <a:schemeClr val="tx1">
-                  <a:lumMod val="75000"/>
-                  <a:lumOff val="25000"/>
-                </a:schemeClr>
-              </a:solidFill>
-              <a:latin typeface="+mj-lt"/>
-              <a:ea typeface="+mj-ea"/>
-            </a:endParaRPr>
           </a:p>
         </p:txBody>
       </p:sp>
-      <mc:AlternateContent xmlns:mc="http://schemas.openxmlformats.org/markup-compatibility/2006">
-        <mc:Choice xmlns:a14="http://schemas.microsoft.com/office/drawing/2010/main" Requires="a14">
+      <mc:AlternateContent xmlns:mc="http://schemas.openxmlformats.org/markup-compatibility/2006" xmlns:a14="http://schemas.microsoft.com/office/drawing/2010/main">
+        <mc:Choice Requires="a14">
           <p:sp>
             <p:nvSpPr>
               <p:cNvPr id="140" name="テキスト ボックス 139"/>
@@ -9515,6 +10396,7 @@
               </a:bodyPr>
               <a:lstStyle/>
               <a:p>
+                <a:pPr/>
                 <a14:m>
                   <m:oMathPara xmlns:m="http://schemas.openxmlformats.org/officeDocument/2006/math">
                     <m:oMathParaPr>
@@ -9602,7 +10484,7 @@
                     </m:oMath>
                   </m:oMathPara>
                 </a14:m>
-                <a:endParaRPr kumimoji="1" lang="ja-JP" altLang="en-US" sz="2000" dirty="0" smtClean="0">
+                <a:endParaRPr kumimoji="1" lang="ja-JP" altLang="en-US" sz="2000" dirty="0">
                   <a:solidFill>
                     <a:schemeClr val="tx1">
                       <a:lumMod val="75000"/>
@@ -9616,7 +10498,7 @@
             </p:txBody>
           </p:sp>
         </mc:Choice>
-        <mc:Fallback>
+        <mc:Fallback xmlns="">
           <p:sp>
             <p:nvSpPr>
               <p:cNvPr id="140" name="テキスト ボックス 139"/>
@@ -9634,7 +10516,7 @@
                 <a:avLst/>
               </a:prstGeom>
               <a:blipFill>
-                <a:blip r:embed="rId9"/>
+                <a:blip r:embed="rId10"/>
                 <a:stretch>
                   <a:fillRect l="-2151" r="-4301" b="-4225"/>
                 </a:stretch>
@@ -9655,8 +10537,8 @@
           </p:sp>
         </mc:Fallback>
       </mc:AlternateContent>
-      <mc:AlternateContent xmlns:mc="http://schemas.openxmlformats.org/markup-compatibility/2006">
-        <mc:Choice xmlns:a14="http://schemas.microsoft.com/office/drawing/2010/main" Requires="a14">
+      <mc:AlternateContent xmlns:mc="http://schemas.openxmlformats.org/markup-compatibility/2006" xmlns:a14="http://schemas.microsoft.com/office/drawing/2010/main">
+        <mc:Choice Requires="a14">
           <p:sp>
             <p:nvSpPr>
               <p:cNvPr id="141" name="テキスト ボックス 140"/>
@@ -9679,6 +10561,7 @@
               </a:bodyPr>
               <a:lstStyle/>
               <a:p>
+                <a:pPr/>
                 <a14:m>
                   <m:oMathPara xmlns:m="http://schemas.openxmlformats.org/officeDocument/2006/math">
                     <m:oMathParaPr>
@@ -9773,7 +10656,7 @@
                     </m:oMath>
                   </m:oMathPara>
                 </a14:m>
-                <a:endParaRPr kumimoji="1" lang="ja-JP" altLang="en-US" sz="2000" dirty="0" smtClean="0">
+                <a:endParaRPr kumimoji="1" lang="ja-JP" altLang="en-US" sz="2000" dirty="0">
                   <a:solidFill>
                     <a:schemeClr val="tx1">
                       <a:lumMod val="75000"/>
@@ -9787,7 +10670,7 @@
             </p:txBody>
           </p:sp>
         </mc:Choice>
-        <mc:Fallback>
+        <mc:Fallback xmlns="">
           <p:sp>
             <p:nvSpPr>
               <p:cNvPr id="141" name="テキスト ボックス 140"/>
@@ -9805,7 +10688,7 @@
                 <a:avLst/>
               </a:prstGeom>
               <a:blipFill>
-                <a:blip r:embed="rId10"/>
+                <a:blip r:embed="rId11"/>
                 <a:stretch>
                   <a:fillRect r="-7438" b="-4286"/>
                 </a:stretch>
@@ -9826,8 +10709,8 @@
           </p:sp>
         </mc:Fallback>
       </mc:AlternateContent>
-      <mc:AlternateContent xmlns:mc="http://schemas.openxmlformats.org/markup-compatibility/2006">
-        <mc:Choice xmlns:a14="http://schemas.microsoft.com/office/drawing/2010/main" Requires="a14">
+      <mc:AlternateContent xmlns:mc="http://schemas.openxmlformats.org/markup-compatibility/2006" xmlns:a14="http://schemas.microsoft.com/office/drawing/2010/main">
+        <mc:Choice Requires="a14">
           <p:sp>
             <p:nvSpPr>
               <p:cNvPr id="144" name="テキスト ボックス 143"/>
@@ -9850,6 +10733,7 @@
               </a:bodyPr>
               <a:lstStyle/>
               <a:p>
+                <a:pPr/>
                 <a14:m>
                   <m:oMathPara xmlns:m="http://schemas.openxmlformats.org/officeDocument/2006/math">
                     <m:oMathParaPr>
@@ -9957,7 +10841,7 @@
                     </m:oMath>
                   </m:oMathPara>
                 </a14:m>
-                <a:endParaRPr kumimoji="1" lang="ja-JP" altLang="en-US" sz="2000" dirty="0" smtClean="0">
+                <a:endParaRPr kumimoji="1" lang="ja-JP" altLang="en-US" sz="2000" dirty="0">
                   <a:solidFill>
                     <a:schemeClr val="tx1">
                       <a:lumMod val="75000"/>
@@ -9971,7 +10855,7 @@
             </p:txBody>
           </p:sp>
         </mc:Choice>
-        <mc:Fallback>
+        <mc:Fallback xmlns="">
           <p:sp>
             <p:nvSpPr>
               <p:cNvPr id="144" name="テキスト ボックス 143"/>
@@ -9989,7 +10873,7 @@
                 <a:avLst/>
               </a:prstGeom>
               <a:blipFill>
-                <a:blip r:embed="rId11"/>
+                <a:blip r:embed="rId12"/>
                 <a:stretch>
                   <a:fillRect l="-3279" r="-43443" b="-4225"/>
                 </a:stretch>
@@ -10010,8 +10894,8 @@
           </p:sp>
         </mc:Fallback>
       </mc:AlternateContent>
-      <mc:AlternateContent xmlns:mc="http://schemas.openxmlformats.org/markup-compatibility/2006">
-        <mc:Choice xmlns:a14="http://schemas.microsoft.com/office/drawing/2010/main" Requires="a14">
+      <mc:AlternateContent xmlns:mc="http://schemas.openxmlformats.org/markup-compatibility/2006" xmlns:a14="http://schemas.microsoft.com/office/drawing/2010/main">
+        <mc:Choice Requires="a14">
           <p:sp>
             <p:nvSpPr>
               <p:cNvPr id="152" name="テキスト ボックス 151"/>
@@ -10034,6 +10918,7 @@
               </a:bodyPr>
               <a:lstStyle/>
               <a:p>
+                <a:pPr/>
                 <a14:m>
                   <m:oMathPara xmlns:m="http://schemas.openxmlformats.org/officeDocument/2006/math">
                     <m:oMathParaPr>
@@ -10128,7 +11013,7 @@
                     </m:oMath>
                   </m:oMathPara>
                 </a14:m>
-                <a:endParaRPr kumimoji="1" lang="ja-JP" altLang="en-US" sz="2000" dirty="0" smtClean="0">
+                <a:endParaRPr kumimoji="1" lang="ja-JP" altLang="en-US" sz="2000" dirty="0">
                   <a:solidFill>
                     <a:schemeClr val="tx1">
                       <a:lumMod val="75000"/>
@@ -10142,7 +11027,7 @@
             </p:txBody>
           </p:sp>
         </mc:Choice>
-        <mc:Fallback>
+        <mc:Fallback xmlns="">
           <p:sp>
             <p:nvSpPr>
               <p:cNvPr id="152" name="テキスト ボックス 151"/>
@@ -10160,7 +11045,7 @@
                 <a:avLst/>
               </a:prstGeom>
               <a:blipFill>
-                <a:blip r:embed="rId12"/>
+                <a:blip r:embed="rId13"/>
                 <a:stretch>
                   <a:fillRect l="-3279" r="-7377" b="-4225"/>
                 </a:stretch>
@@ -10181,8 +11066,8 @@
           </p:sp>
         </mc:Fallback>
       </mc:AlternateContent>
-      <mc:AlternateContent xmlns:mc="http://schemas.openxmlformats.org/markup-compatibility/2006">
-        <mc:Choice xmlns:a14="http://schemas.microsoft.com/office/drawing/2010/main" Requires="a14">
+      <mc:AlternateContent xmlns:mc="http://schemas.openxmlformats.org/markup-compatibility/2006" xmlns:a14="http://schemas.microsoft.com/office/drawing/2010/main">
+        <mc:Choice Requires="a14">
           <p:sp>
             <p:nvSpPr>
               <p:cNvPr id="153" name="テキスト ボックス 152"/>
@@ -10205,6 +11090,7 @@
               </a:bodyPr>
               <a:lstStyle/>
               <a:p>
+                <a:pPr/>
                 <a14:m>
                   <m:oMathPara xmlns:m="http://schemas.openxmlformats.org/officeDocument/2006/math">
                     <m:oMathParaPr>
@@ -10312,7 +11198,7 @@
                     </m:oMath>
                   </m:oMathPara>
                 </a14:m>
-                <a:endParaRPr kumimoji="1" lang="ja-JP" altLang="en-US" sz="2000" dirty="0" smtClean="0">
+                <a:endParaRPr kumimoji="1" lang="ja-JP" altLang="en-US" sz="2000" dirty="0">
                   <a:solidFill>
                     <a:schemeClr val="tx1">
                       <a:lumMod val="75000"/>
@@ -10326,7 +11212,7 @@
             </p:txBody>
           </p:sp>
         </mc:Choice>
-        <mc:Fallback>
+        <mc:Fallback xmlns="">
           <p:sp>
             <p:nvSpPr>
               <p:cNvPr id="153" name="テキスト ボックス 152"/>
@@ -10344,7 +11230,7 @@
                 <a:avLst/>
               </a:prstGeom>
               <a:blipFill>
-                <a:blip r:embed="rId13"/>
+                <a:blip r:embed="rId14"/>
                 <a:stretch>
                   <a:fillRect l="-7377" r="-44262" b="-4225"/>
                 </a:stretch>
@@ -10365,8 +11251,8 @@
           </p:sp>
         </mc:Fallback>
       </mc:AlternateContent>
-      <mc:AlternateContent xmlns:mc="http://schemas.openxmlformats.org/markup-compatibility/2006">
-        <mc:Choice xmlns:a14="http://schemas.microsoft.com/office/drawing/2010/main" Requires="a14">
+      <mc:AlternateContent xmlns:mc="http://schemas.openxmlformats.org/markup-compatibility/2006" xmlns:a14="http://schemas.microsoft.com/office/drawing/2010/main">
+        <mc:Choice Requires="a14">
           <p:sp>
             <p:nvSpPr>
               <p:cNvPr id="154" name="テキスト ボックス 153"/>
@@ -10389,6 +11275,7 @@
               </a:bodyPr>
               <a:lstStyle/>
               <a:p>
+                <a:pPr/>
                 <a14:m>
                   <m:oMathPara xmlns:m="http://schemas.openxmlformats.org/officeDocument/2006/math">
                     <m:oMathParaPr>
@@ -10411,7 +11298,7 @@
                     </m:oMath>
                   </m:oMathPara>
                 </a14:m>
-                <a:endParaRPr kumimoji="1" lang="ja-JP" altLang="en-US" sz="2000" dirty="0" smtClean="0">
+                <a:endParaRPr kumimoji="1" lang="ja-JP" altLang="en-US" sz="2000" dirty="0">
                   <a:solidFill>
                     <a:schemeClr val="tx1">
                       <a:lumMod val="75000"/>
@@ -10425,7 +11312,7 @@
             </p:txBody>
           </p:sp>
         </mc:Choice>
-        <mc:Fallback>
+        <mc:Fallback xmlns="">
           <p:sp>
             <p:nvSpPr>
               <p:cNvPr id="154" name="テキスト ボックス 153"/>
@@ -10443,7 +11330,7 @@
                 <a:avLst/>
               </a:prstGeom>
               <a:blipFill>
-                <a:blip r:embed="rId14"/>
+                <a:blip r:embed="rId15"/>
                 <a:stretch>
                   <a:fillRect l="-12766" r="-12766" b="-25581"/>
                 </a:stretch>
@@ -10464,8 +11351,8 @@
           </p:sp>
         </mc:Fallback>
       </mc:AlternateContent>
-      <mc:AlternateContent xmlns:mc="http://schemas.openxmlformats.org/markup-compatibility/2006">
-        <mc:Choice xmlns:a14="http://schemas.microsoft.com/office/drawing/2010/main" Requires="a14">
+      <mc:AlternateContent xmlns:mc="http://schemas.openxmlformats.org/markup-compatibility/2006" xmlns:a14="http://schemas.microsoft.com/office/drawing/2010/main">
+        <mc:Choice Requires="a14">
           <p:sp>
             <p:nvSpPr>
               <p:cNvPr id="155" name="テキスト ボックス 154"/>
@@ -10488,6 +11375,7 @@
               </a:bodyPr>
               <a:lstStyle/>
               <a:p>
+                <a:pPr/>
                 <a14:m>
                   <m:oMathPara xmlns:m="http://schemas.openxmlformats.org/officeDocument/2006/math">
                     <m:oMathParaPr>
@@ -10510,7 +11398,7 @@
                     </m:oMath>
                   </m:oMathPara>
                 </a14:m>
-                <a:endParaRPr kumimoji="1" lang="ja-JP" altLang="en-US" sz="2000" dirty="0" smtClean="0">
+                <a:endParaRPr kumimoji="1" lang="ja-JP" altLang="en-US" sz="2000" dirty="0">
                   <a:solidFill>
                     <a:schemeClr val="tx1">
                       <a:lumMod val="75000"/>
@@ -10524,7 +11412,7 @@
             </p:txBody>
           </p:sp>
         </mc:Choice>
-        <mc:Fallback>
+        <mc:Fallback xmlns="">
           <p:sp>
             <p:nvSpPr>
               <p:cNvPr id="155" name="テキスト ボックス 154"/>
@@ -10542,7 +11430,7 @@
                 <a:avLst/>
               </a:prstGeom>
               <a:blipFill>
-                <a:blip r:embed="rId15"/>
+                <a:blip r:embed="rId16"/>
                 <a:stretch>
                   <a:fillRect b="-4545"/>
                 </a:stretch>
@@ -10563,8 +11451,8 @@
           </p:sp>
         </mc:Fallback>
       </mc:AlternateContent>
-      <mc:AlternateContent xmlns:mc="http://schemas.openxmlformats.org/markup-compatibility/2006">
-        <mc:Choice xmlns:a14="http://schemas.microsoft.com/office/drawing/2010/main" Requires="a14">
+      <mc:AlternateContent xmlns:mc="http://schemas.openxmlformats.org/markup-compatibility/2006" xmlns:a14="http://schemas.microsoft.com/office/drawing/2010/main">
+        <mc:Choice Requires="a14">
           <p:sp>
             <p:nvSpPr>
               <p:cNvPr id="156" name="テキスト ボックス 155"/>
@@ -10587,6 +11475,7 @@
               </a:bodyPr>
               <a:lstStyle/>
               <a:p>
+                <a:pPr/>
                 <a14:m>
                   <m:oMathPara xmlns:m="http://schemas.openxmlformats.org/officeDocument/2006/math">
                     <m:oMathParaPr>
@@ -10609,7 +11498,7 @@
                     </m:oMath>
                   </m:oMathPara>
                 </a14:m>
-                <a:endParaRPr kumimoji="1" lang="ja-JP" altLang="en-US" sz="2000" dirty="0" smtClean="0">
+                <a:endParaRPr kumimoji="1" lang="ja-JP" altLang="en-US" sz="2000" dirty="0">
                   <a:solidFill>
                     <a:schemeClr val="tx1">
                       <a:lumMod val="75000"/>
@@ -10623,7 +11512,7 @@
             </p:txBody>
           </p:sp>
         </mc:Choice>
-        <mc:Fallback>
+        <mc:Fallback xmlns="">
           <p:sp>
             <p:nvSpPr>
               <p:cNvPr id="156" name="テキスト ボックス 155"/>
@@ -10641,7 +11530,7 @@
                 <a:avLst/>
               </a:prstGeom>
               <a:blipFill>
-                <a:blip r:embed="rId16"/>
+                <a:blip r:embed="rId17"/>
                 <a:stretch>
                   <a:fillRect l="-12500" r="-10417" b="-22727"/>
                 </a:stretch>
@@ -10662,8 +11551,8 @@
           </p:sp>
         </mc:Fallback>
       </mc:AlternateContent>
-      <mc:AlternateContent xmlns:mc="http://schemas.openxmlformats.org/markup-compatibility/2006">
-        <mc:Choice xmlns:a14="http://schemas.microsoft.com/office/drawing/2010/main" Requires="a14">
+      <mc:AlternateContent xmlns:mc="http://schemas.openxmlformats.org/markup-compatibility/2006" xmlns:a14="http://schemas.microsoft.com/office/drawing/2010/main">
+        <mc:Choice Requires="a14">
           <p:sp>
             <p:nvSpPr>
               <p:cNvPr id="157" name="テキスト ボックス 156"/>
@@ -10686,6 +11575,7 @@
               </a:bodyPr>
               <a:lstStyle/>
               <a:p>
+                <a:pPr/>
                 <a14:m>
                   <m:oMathPara xmlns:m="http://schemas.openxmlformats.org/officeDocument/2006/math">
                     <m:oMathParaPr>
@@ -10708,7 +11598,7 @@
                     </m:oMath>
                   </m:oMathPara>
                 </a14:m>
-                <a:endParaRPr kumimoji="1" lang="ja-JP" altLang="en-US" sz="2000" dirty="0" smtClean="0">
+                <a:endParaRPr kumimoji="1" lang="ja-JP" altLang="en-US" sz="2000" dirty="0">
                   <a:solidFill>
                     <a:schemeClr val="tx1">
                       <a:lumMod val="75000"/>
@@ -10722,7 +11612,7 @@
             </p:txBody>
           </p:sp>
         </mc:Choice>
-        <mc:Fallback>
+        <mc:Fallback xmlns="">
           <p:sp>
             <p:nvSpPr>
               <p:cNvPr id="157" name="テキスト ボックス 156"/>
@@ -10740,7 +11630,7 @@
                 <a:avLst/>
               </a:prstGeom>
               <a:blipFill>
-                <a:blip r:embed="rId17"/>
+                <a:blip r:embed="rId18"/>
                 <a:stretch>
                   <a:fillRect b="-6818"/>
                 </a:stretch>
@@ -10761,8 +11651,8 @@
           </p:sp>
         </mc:Fallback>
       </mc:AlternateContent>
-      <mc:AlternateContent xmlns:mc="http://schemas.openxmlformats.org/markup-compatibility/2006">
-        <mc:Choice xmlns:a14="http://schemas.microsoft.com/office/drawing/2010/main" Requires="a14">
+      <mc:AlternateContent xmlns:mc="http://schemas.openxmlformats.org/markup-compatibility/2006" xmlns:a14="http://schemas.microsoft.com/office/drawing/2010/main">
+        <mc:Choice Requires="a14">
           <p:sp>
             <p:nvSpPr>
               <p:cNvPr id="158" name="テキスト ボックス 157"/>
@@ -10785,6 +11675,7 @@
               </a:bodyPr>
               <a:lstStyle/>
               <a:p>
+                <a:pPr/>
                 <a14:m>
                   <m:oMathPara xmlns:m="http://schemas.openxmlformats.org/officeDocument/2006/math">
                     <m:oMathParaPr>
@@ -10846,7 +11737,7 @@
                     </m:oMath>
                   </m:oMathPara>
                 </a14:m>
-                <a:endParaRPr kumimoji="1" lang="ja-JP" altLang="en-US" sz="2000" dirty="0" smtClean="0">
+                <a:endParaRPr kumimoji="1" lang="ja-JP" altLang="en-US" sz="2000" dirty="0">
                   <a:solidFill>
                     <a:schemeClr val="tx1">
                       <a:lumMod val="75000"/>
@@ -10860,7 +11751,7 @@
             </p:txBody>
           </p:sp>
         </mc:Choice>
-        <mc:Fallback>
+        <mc:Fallback xmlns="">
           <p:sp>
             <p:nvSpPr>
               <p:cNvPr id="158" name="テキスト ボックス 157"/>
@@ -10878,7 +11769,7 @@
                 <a:avLst/>
               </a:prstGeom>
               <a:blipFill>
-                <a:blip r:embed="rId18"/>
+                <a:blip r:embed="rId19"/>
                 <a:stretch>
                   <a:fillRect r="-1754" b="-4225"/>
                 </a:stretch>
@@ -10937,7 +11828,7 @@
           <a:lstStyle/>
           <a:p>
             <a:pPr algn="ctr"/>
-            <a:endParaRPr kumimoji="1" lang="ja-JP" altLang="en-US" sz="2000" dirty="0" smtClean="0">
+            <a:endParaRPr kumimoji="1" lang="ja-JP" altLang="en-US" sz="2000" dirty="0">
               <a:solidFill>
                 <a:schemeClr val="tx1">
                   <a:lumMod val="75000"/>
@@ -10992,7 +11883,7 @@
           <a:lstStyle/>
           <a:p>
             <a:pPr algn="ctr"/>
-            <a:endParaRPr kumimoji="1" lang="ja-JP" altLang="en-US" sz="2000" dirty="0" smtClean="0">
+            <a:endParaRPr kumimoji="1" lang="ja-JP" altLang="en-US" sz="2000" dirty="0">
               <a:solidFill>
                 <a:schemeClr val="tx1">
                   <a:lumMod val="75000"/>
@@ -11028,7 +11919,7 @@
           <a:lstStyle/>
           <a:p>
             <a:r>
-              <a:rPr kumimoji="1" lang="en-US" altLang="ja-JP" sz="2000" dirty="0" smtClean="0">
+              <a:rPr kumimoji="1" lang="en-US" altLang="ja-JP" sz="2000" dirty="0">
                 <a:solidFill>
                   <a:schemeClr val="accent2">
                     <a:lumMod val="75000"/>
@@ -11039,7 +11930,7 @@
               </a:rPr>
               <a:t>Blocking Matrix (BM)</a:t>
             </a:r>
-            <a:endParaRPr kumimoji="1" lang="ja-JP" altLang="en-US" sz="2000" dirty="0" smtClean="0">
+            <a:endParaRPr kumimoji="1" lang="ja-JP" altLang="en-US" sz="2000" dirty="0">
               <a:solidFill>
                 <a:schemeClr val="accent2">
                   <a:lumMod val="75000"/>
@@ -11074,7 +11965,7 @@
           <a:lstStyle/>
           <a:p>
             <a:r>
-              <a:rPr lang="en-US" altLang="ja-JP" sz="2000" dirty="0" smtClean="0">
+              <a:rPr lang="en-US" altLang="ja-JP" sz="2000" dirty="0">
                 <a:solidFill>
                   <a:srgbClr val="FF0000"/>
                 </a:solidFill>
@@ -11083,7 +11974,7 @@
               </a:rPr>
               <a:t>Multi Input Canceller (MIC)</a:t>
             </a:r>
-            <a:endParaRPr kumimoji="1" lang="ja-JP" altLang="en-US" sz="2000" dirty="0" smtClean="0">
+            <a:endParaRPr kumimoji="1" lang="ja-JP" altLang="en-US" sz="2000" dirty="0">
               <a:solidFill>
                 <a:srgbClr val="FF0000"/>
               </a:solidFill>
@@ -11116,7 +12007,7 @@
           <a:lstStyle/>
           <a:p>
             <a:r>
-              <a:rPr kumimoji="1" lang="en-US" altLang="ja-JP" sz="1600" dirty="0" smtClean="0">
+              <a:rPr kumimoji="1" lang="en-US" altLang="ja-JP" sz="1600" dirty="0">
                 <a:solidFill>
                   <a:schemeClr val="tx1">
                     <a:lumMod val="75000"/>
@@ -11131,7 +12022,7 @@
           </a:p>
           <a:p>
             <a:r>
-              <a:rPr lang="en-US" altLang="ja-JP" sz="1600" dirty="0" smtClean="0">
+              <a:rPr lang="en-US" altLang="ja-JP" sz="1600" dirty="0">
                 <a:solidFill>
                   <a:schemeClr val="tx1">
                     <a:lumMod val="75000"/>
@@ -11146,7 +12037,7 @@
           </a:p>
           <a:p>
             <a:r>
-              <a:rPr kumimoji="1" lang="en-US" altLang="ja-JP" sz="1600" dirty="0" smtClean="0">
+              <a:rPr kumimoji="1" lang="en-US" altLang="ja-JP" sz="1600" dirty="0">
                 <a:solidFill>
                   <a:schemeClr val="tx1">
                     <a:lumMod val="75000"/>
@@ -11158,7 +12049,7 @@
               </a:rPr>
               <a:t>NCAF: Norm-constrained Adaptive Filter</a:t>
             </a:r>
-            <a:endParaRPr kumimoji="1" lang="ja-JP" altLang="en-US" sz="1600" dirty="0" smtClean="0">
+            <a:endParaRPr kumimoji="1" lang="ja-JP" altLang="en-US" sz="1600" dirty="0">
               <a:solidFill>
                 <a:schemeClr val="tx1">
                   <a:lumMod val="75000"/>
@@ -11194,7 +12085,7 @@
           <a:lstStyle/>
           <a:p>
             <a:r>
-              <a:rPr kumimoji="1" lang="en-US" altLang="ja-JP" sz="2200" b="1" dirty="0" smtClean="0">
+              <a:rPr kumimoji="1" lang="en-US" altLang="ja-JP" sz="2200" b="1" dirty="0">
                 <a:solidFill>
                   <a:schemeClr val="tx1">
                     <a:lumMod val="75000"/>
@@ -11207,7 +12098,7 @@
               <a:t>BM</a:t>
             </a:r>
             <a:r>
-              <a:rPr kumimoji="1" lang="ja-JP" altLang="en-US" sz="2200" b="1" dirty="0" smtClean="0">
+              <a:rPr kumimoji="1" lang="ja-JP" altLang="en-US" sz="2200" b="1" dirty="0">
                 <a:solidFill>
                   <a:schemeClr val="tx1">
                     <a:lumMod val="75000"/>
@@ -11220,7 +12111,7 @@
               <a:t>で目標信号を除去し，</a:t>
             </a:r>
             <a:r>
-              <a:rPr kumimoji="1" lang="en-US" altLang="ja-JP" sz="2200" b="1" dirty="0" smtClean="0">
+              <a:rPr kumimoji="1" lang="en-US" altLang="ja-JP" sz="2200" b="1" dirty="0">
                 <a:solidFill>
                   <a:schemeClr val="tx1">
                     <a:lumMod val="75000"/>
@@ -11233,7 +12124,7 @@
               <a:t>MIC</a:t>
             </a:r>
             <a:r>
-              <a:rPr kumimoji="1" lang="ja-JP" altLang="en-US" sz="2200" b="1" dirty="0" smtClean="0">
+              <a:rPr kumimoji="1" lang="ja-JP" altLang="en-US" sz="2200" b="1" dirty="0">
                 <a:solidFill>
                   <a:schemeClr val="tx1">
                     <a:lumMod val="75000"/>
@@ -11245,21 +12136,8 @@
               </a:rPr>
               <a:t>で</a:t>
             </a:r>
-            <a:r>
-              <a:rPr kumimoji="1" lang="en-US" altLang="ja-JP" sz="2200" b="1" dirty="0" smtClean="0">
-                <a:solidFill>
-                  <a:schemeClr val="tx1">
-                    <a:lumMod val="75000"/>
-                    <a:lumOff val="25000"/>
-                  </a:schemeClr>
-                </a:solidFill>
-                <a:latin typeface="+mj-lt"/>
-                <a:ea typeface="+mj-ea"/>
-              </a:rPr>
-              <a:t/>
-            </a:r>
             <a:br>
-              <a:rPr kumimoji="1" lang="en-US" altLang="ja-JP" sz="2200" b="1" dirty="0" smtClean="0">
+              <a:rPr kumimoji="1" lang="en-US" altLang="ja-JP" sz="2200" b="1" dirty="0">
                 <a:solidFill>
                   <a:schemeClr val="tx1">
                     <a:lumMod val="75000"/>
@@ -11271,7 +12149,7 @@
               </a:rPr>
             </a:br>
             <a:r>
-              <a:rPr kumimoji="1" lang="en-US" altLang="ja-JP" sz="2200" b="1" dirty="0" smtClean="0">
+              <a:rPr kumimoji="1" lang="en-US" altLang="ja-JP" sz="2200" b="1" dirty="0">
                 <a:solidFill>
                   <a:schemeClr val="tx1">
                     <a:lumMod val="75000"/>
@@ -11284,7 +12162,7 @@
               <a:t>BM</a:t>
             </a:r>
             <a:r>
-              <a:rPr kumimoji="1" lang="ja-JP" altLang="en-US" sz="2200" b="1" dirty="0" smtClean="0">
+              <a:rPr kumimoji="1" lang="ja-JP" altLang="en-US" sz="2200" b="1" dirty="0">
                 <a:solidFill>
                   <a:schemeClr val="tx1">
                     <a:lumMod val="75000"/>
@@ -11296,21 +12174,11 @@
               </a:rPr>
               <a:t>出力に相関のある成分を除去</a:t>
             </a:r>
-            <a:endParaRPr kumimoji="1" lang="ja-JP" altLang="en-US" sz="2200" b="1" dirty="0" smtClean="0">
-              <a:solidFill>
-                <a:schemeClr val="tx1">
-                  <a:lumMod val="75000"/>
-                  <a:lumOff val="25000"/>
-                </a:schemeClr>
-              </a:solidFill>
-              <a:latin typeface="+mj-lt"/>
-              <a:ea typeface="+mj-ea"/>
-            </a:endParaRPr>
           </a:p>
         </p:txBody>
       </p:sp>
-      <mc:AlternateContent xmlns:mc="http://schemas.openxmlformats.org/markup-compatibility/2006">
-        <mc:Choice xmlns:a14="http://schemas.microsoft.com/office/drawing/2010/main" Requires="a14">
+      <mc:AlternateContent xmlns:mc="http://schemas.openxmlformats.org/markup-compatibility/2006" xmlns:a14="http://schemas.microsoft.com/office/drawing/2010/main">
+        <mc:Choice Requires="a14">
           <p:sp>
             <p:nvSpPr>
               <p:cNvPr id="169" name="テキスト ボックス 168"/>
@@ -11333,6 +12201,7 @@
               </a:bodyPr>
               <a:lstStyle/>
               <a:p>
+                <a:pPr/>
                 <a14:m>
                   <m:oMathPara xmlns:m="http://schemas.openxmlformats.org/officeDocument/2006/math">
                     <m:oMathParaPr>
@@ -11394,7 +12263,7 @@
                     </m:oMath>
                   </m:oMathPara>
                 </a14:m>
-                <a:endParaRPr kumimoji="1" lang="ja-JP" altLang="en-US" sz="2000" dirty="0" smtClean="0">
+                <a:endParaRPr kumimoji="1" lang="ja-JP" altLang="en-US" sz="2000" dirty="0">
                   <a:solidFill>
                     <a:schemeClr val="tx1">
                       <a:lumMod val="75000"/>
@@ -11408,7 +12277,7 @@
             </p:txBody>
           </p:sp>
         </mc:Choice>
-        <mc:Fallback>
+        <mc:Fallback xmlns="">
           <p:sp>
             <p:nvSpPr>
               <p:cNvPr id="169" name="テキスト ボックス 168"/>
@@ -11426,7 +12295,7 @@
                 <a:avLst/>
               </a:prstGeom>
               <a:blipFill>
-                <a:blip r:embed="rId19"/>
+                <a:blip r:embed="rId20"/>
                 <a:stretch>
                   <a:fillRect l="-9677" r="-18280" b="-4225"/>
                 </a:stretch>
@@ -11470,7 +12339,7 @@
           <a:lstStyle/>
           <a:p>
             <a:r>
-              <a:rPr lang="en-US" altLang="ja-JP" sz="2000" dirty="0" smtClean="0">
+              <a:rPr lang="en-US" altLang="ja-JP" sz="2000" dirty="0">
                 <a:solidFill>
                   <a:schemeClr val="tx1">
                     <a:lumMod val="75000"/>
@@ -11482,7 +12351,7 @@
               </a:rPr>
               <a:t>Microphone</a:t>
             </a:r>
-            <a:endParaRPr kumimoji="1" lang="ja-JP" altLang="en-US" sz="2000" dirty="0" smtClean="0">
+            <a:endParaRPr kumimoji="1" lang="ja-JP" altLang="en-US" sz="2000" dirty="0">
               <a:solidFill>
                 <a:schemeClr val="tx1">
                   <a:lumMod val="75000"/>
@@ -11505,13 +12374,6 @@
   <p:clrMapOvr>
     <a:masterClrMapping/>
   </p:clrMapOvr>
-  <p:timing>
-    <p:tnLst>
-      <p:par>
-        <p:cTn id="1" dur="indefinite" restart="never" nodeType="tmRoot"/>
-      </p:par>
-    </p:tnLst>
-  </p:timing>
 </p:sld>
 </file>
 
@@ -11554,7 +12416,7 @@
           <a:lstStyle/>
           <a:p>
             <a:r>
-              <a:rPr lang="ja-JP" altLang="en-US" dirty="0" smtClean="0"/>
+              <a:rPr lang="ja-JP" altLang="en-US" dirty="0"/>
               <a:t>従来法の課題</a:t>
             </a:r>
             <a:endParaRPr lang="en-US" dirty="0"/>
@@ -11588,121 +12450,50 @@
           <a:lstStyle/>
           <a:p>
             <a:r>
-              <a:rPr lang="ja-JP" altLang="en-US" dirty="0" smtClean="0"/>
-              <a:t>強調</a:t>
-            </a:r>
-            <a:r>
               <a:rPr lang="ja-JP" altLang="en-US" dirty="0"/>
-              <a:t>音声</a:t>
-            </a:r>
-            <a:r>
-              <a:rPr lang="ja-JP" altLang="en-US" dirty="0" smtClean="0"/>
-              <a:t>の</a:t>
-            </a:r>
-            <a:r>
-              <a:rPr lang="en-US" altLang="ja-JP" dirty="0" smtClean="0"/>
+              <a:t>強調音声の</a:t>
+            </a:r>
+            <a:r>
+              <a:rPr lang="en-US" altLang="ja-JP" dirty="0"/>
               <a:t>SN</a:t>
             </a:r>
             <a:r>
-              <a:rPr lang="ja-JP" altLang="en-US" dirty="0" smtClean="0"/>
+              <a:rPr lang="ja-JP" altLang="en-US" dirty="0"/>
               <a:t>比は，</a:t>
             </a:r>
             <a:r>
-              <a:rPr lang="en-US" altLang="ja-JP" dirty="0" smtClean="0"/>
+              <a:rPr lang="en-US" altLang="ja-JP" dirty="0"/>
               <a:t>BM</a:t>
             </a:r>
             <a:r>
-              <a:rPr lang="ja-JP" altLang="en-US" dirty="0" smtClean="0"/>
+              <a:rPr lang="ja-JP" altLang="en-US" dirty="0"/>
               <a:t>の品質に強く依存</a:t>
             </a:r>
-            <a:endParaRPr lang="en-US" altLang="ja-JP" dirty="0" smtClean="0"/>
+            <a:endParaRPr lang="en-US" altLang="ja-JP" dirty="0"/>
           </a:p>
           <a:p>
             <a:pPr lvl="1"/>
             <a:r>
-              <a:rPr lang="en-US" altLang="ja-JP" dirty="0" smtClean="0"/>
+              <a:rPr lang="en-US" altLang="ja-JP" dirty="0"/>
               <a:t>BM</a:t>
             </a:r>
             <a:r>
               <a:rPr lang="ja-JP" altLang="en-US" dirty="0"/>
-              <a:t>出力</a:t>
-            </a:r>
-            <a:r>
-              <a:rPr lang="ja-JP" altLang="en-US" dirty="0" smtClean="0"/>
-              <a:t>に目標音声がリークすると，出力で目標音声が除去される</a:t>
-            </a:r>
-            <a:endParaRPr lang="en-US" altLang="ja-JP" dirty="0" smtClean="0"/>
+              <a:t>出力に目標音声がリークすると，出力で目標音声が除去される</a:t>
+            </a:r>
+            <a:endParaRPr lang="en-US" altLang="ja-JP" dirty="0"/>
           </a:p>
           <a:p>
             <a:pPr lvl="1"/>
             <a:r>
-              <a:rPr lang="en-US" altLang="ja-JP" dirty="0" smtClean="0"/>
+              <a:rPr lang="en-US" altLang="ja-JP" dirty="0"/>
               <a:t>BM</a:t>
             </a:r>
             <a:r>
-              <a:rPr lang="ja-JP" altLang="en-US" dirty="0" smtClean="0"/>
+              <a:rPr lang="ja-JP" altLang="en-US" dirty="0"/>
               <a:t>出力に入る雑音が少ないと，出力で雑音が十分に除去されない</a:t>
             </a:r>
             <a:endParaRPr lang="en-US" altLang="ja-JP" dirty="0"/>
-          </a:p>
-          <a:p>
-            <a:pPr lvl="1"/>
-            <a:endParaRPr lang="en-US" altLang="ja-JP" dirty="0" smtClean="0"/>
-          </a:p>
-          <a:p>
-            <a:r>
-              <a:rPr lang="ja-JP" altLang="en-US" dirty="0" smtClean="0"/>
-              <a:t>従来法では，</a:t>
-            </a:r>
-            <a:r>
-              <a:rPr lang="en-US" altLang="ja-JP" dirty="0" smtClean="0"/>
-              <a:t>BM</a:t>
-            </a:r>
-            <a:r>
-              <a:rPr lang="ja-JP" altLang="en-US" dirty="0" smtClean="0"/>
-              <a:t>の品質に改善の余地</a:t>
-            </a:r>
-            <a:endParaRPr lang="en-US" altLang="ja-JP" dirty="0" smtClean="0"/>
-          </a:p>
-          <a:p>
-            <a:pPr lvl="1"/>
-            <a:r>
-              <a:rPr lang="en-US" altLang="ja-JP" dirty="0" smtClean="0"/>
-              <a:t>BM</a:t>
-            </a:r>
-            <a:r>
-              <a:rPr lang="ja-JP" altLang="en-US" dirty="0" smtClean="0"/>
-              <a:t>を作るときに，固定ビームフォーマの出力を用いている</a:t>
-            </a:r>
-            <a:endParaRPr lang="en-US" altLang="ja-JP" dirty="0" smtClean="0"/>
-          </a:p>
-          <a:p>
-            <a:pPr lvl="1"/>
-            <a:r>
-              <a:rPr lang="ja-JP" altLang="en-US" dirty="0" smtClean="0"/>
-              <a:t>固定ビームフォーマの</a:t>
-            </a:r>
-            <a:r>
-              <a:rPr lang="en-US" altLang="ja-JP" dirty="0" smtClean="0"/>
-              <a:t>SN</a:t>
-            </a:r>
-            <a:r>
-              <a:rPr lang="ja-JP" altLang="en-US" dirty="0" smtClean="0"/>
-              <a:t>が悪いと，</a:t>
-            </a:r>
-            <a:r>
-              <a:rPr lang="en-US" altLang="ja-JP" dirty="0" smtClean="0"/>
-              <a:t>BM</a:t>
-            </a:r>
-            <a:r>
-              <a:rPr lang="ja-JP" altLang="en-US" dirty="0" smtClean="0"/>
-              <a:t>の品質が悪化</a:t>
-            </a:r>
-            <a:endParaRPr lang="en-US" altLang="ja-JP" dirty="0" smtClean="0"/>
-          </a:p>
-          <a:p>
-            <a:pPr lvl="1"/>
-            <a:endParaRPr lang="en-US" altLang="ja-JP" dirty="0" smtClean="0"/>
           </a:p>
           <a:p>
             <a:pPr lvl="1"/>
@@ -11710,7 +12501,66 @@
           </a:p>
           <a:p>
             <a:r>
-              <a:rPr lang="ja-JP" altLang="en-US" dirty="0" smtClean="0">
+              <a:rPr lang="ja-JP" altLang="en-US" dirty="0"/>
+              <a:t>従来法では，</a:t>
+            </a:r>
+            <a:r>
+              <a:rPr lang="en-US" altLang="ja-JP" dirty="0"/>
+              <a:t>BM</a:t>
+            </a:r>
+            <a:r>
+              <a:rPr lang="ja-JP" altLang="en-US" dirty="0"/>
+              <a:t>の品質に改善の余地</a:t>
+            </a:r>
+            <a:endParaRPr lang="en-US" altLang="ja-JP" dirty="0"/>
+          </a:p>
+          <a:p>
+            <a:pPr lvl="1"/>
+            <a:r>
+              <a:rPr lang="en-US" altLang="ja-JP" dirty="0"/>
+              <a:t>BM</a:t>
+            </a:r>
+            <a:r>
+              <a:rPr lang="ja-JP" altLang="en-US" dirty="0"/>
+              <a:t>を作るときに，固定ビームフォーマの出力を用いている</a:t>
+            </a:r>
+            <a:endParaRPr lang="en-US" altLang="ja-JP" dirty="0"/>
+          </a:p>
+          <a:p>
+            <a:pPr lvl="1"/>
+            <a:r>
+              <a:rPr lang="ja-JP" altLang="en-US" dirty="0"/>
+              <a:t>固定ビームフォーマの</a:t>
+            </a:r>
+            <a:r>
+              <a:rPr lang="en-US" altLang="ja-JP" dirty="0"/>
+              <a:t>SN</a:t>
+            </a:r>
+            <a:r>
+              <a:rPr lang="ja-JP" altLang="en-US" dirty="0"/>
+              <a:t>が悪いと，</a:t>
+            </a:r>
+            <a:r>
+              <a:rPr lang="en-US" altLang="ja-JP" dirty="0"/>
+              <a:t>BM</a:t>
+            </a:r>
+            <a:r>
+              <a:rPr lang="ja-JP" altLang="en-US" dirty="0"/>
+              <a:t>の品質が悪化</a:t>
+            </a:r>
+            <a:endParaRPr lang="en-US" altLang="ja-JP" dirty="0"/>
+          </a:p>
+          <a:p>
+            <a:pPr lvl="1"/>
+            <a:endParaRPr lang="en-US" altLang="ja-JP" dirty="0"/>
+          </a:p>
+          <a:p>
+            <a:pPr lvl="1"/>
+            <a:endParaRPr lang="en-US" altLang="ja-JP" dirty="0"/>
+          </a:p>
+          <a:p>
+            <a:r>
+              <a:rPr lang="ja-JP" altLang="en-US" dirty="0">
                 <a:solidFill>
                   <a:schemeClr val="accent2">
                     <a:lumMod val="75000"/>
@@ -11720,7 +12570,7 @@
               <a:t>提案法</a:t>
             </a:r>
             <a:r>
-              <a:rPr lang="en-US" altLang="ja-JP" dirty="0" smtClean="0">
+              <a:rPr lang="en-US" altLang="ja-JP" dirty="0">
                 <a:solidFill>
                   <a:schemeClr val="accent2">
                     <a:lumMod val="75000"/>
@@ -11740,19 +12590,9 @@
                   </a:schemeClr>
                 </a:solidFill>
               </a:rPr>
-              <a:t>前段</a:t>
-            </a:r>
-            <a:r>
-              <a:rPr lang="ja-JP" altLang="en-US" dirty="0" smtClean="0">
-                <a:solidFill>
-                  <a:schemeClr val="accent2">
-                    <a:lumMod val="75000"/>
-                  </a:schemeClr>
-                </a:solidFill>
-              </a:rPr>
-              <a:t>で強調した音声を固定ビームフォーマ出力に置き換える</a:t>
-            </a:r>
-            <a:endParaRPr lang="en-US" altLang="ja-JP" dirty="0" smtClean="0">
+              <a:t>前段で強調した音声を固定ビームフォーマ出力に置き換える</a:t>
+            </a:r>
+            <a:endParaRPr lang="en-US" altLang="ja-JP" dirty="0">
               <a:solidFill>
                 <a:schemeClr val="accent2">
                   <a:lumMod val="75000"/>
@@ -11763,7 +12603,7 @@
           <a:p>
             <a:pPr lvl="1"/>
             <a:r>
-              <a:rPr lang="ja-JP" altLang="en-US" dirty="0" smtClean="0">
+              <a:rPr lang="ja-JP" altLang="en-US" dirty="0">
                 <a:solidFill>
                   <a:schemeClr val="accent2">
                     <a:lumMod val="75000"/>
@@ -11773,7 +12613,7 @@
               <a:t>多段化により，段階的に</a:t>
             </a:r>
             <a:r>
-              <a:rPr lang="en-US" altLang="ja-JP" dirty="0" smtClean="0">
+              <a:rPr lang="en-US" altLang="ja-JP" dirty="0">
                 <a:solidFill>
                   <a:schemeClr val="accent2">
                     <a:lumMod val="75000"/>
@@ -11783,7 +12623,7 @@
               <a:t>BM</a:t>
             </a:r>
             <a:r>
-              <a:rPr lang="ja-JP" altLang="en-US" dirty="0" smtClean="0">
+              <a:rPr lang="ja-JP" altLang="en-US" dirty="0">
                 <a:solidFill>
                   <a:schemeClr val="accent2">
                     <a:lumMod val="75000"/>
@@ -11801,7 +12641,7 @@
             </a:endParaRPr>
           </a:p>
           <a:p>
-            <a:endParaRPr lang="en-US" altLang="ja-JP" dirty="0" smtClean="0"/>
+            <a:endParaRPr lang="en-US" altLang="ja-JP" dirty="0"/>
           </a:p>
         </p:txBody>
       </p:sp>
@@ -11850,13 +12690,6 @@
   <p:clrMapOvr>
     <a:masterClrMapping/>
   </p:clrMapOvr>
-  <p:timing>
-    <p:tnLst>
-      <p:par>
-        <p:cTn id="1" dur="indefinite" restart="never" nodeType="tmRoot"/>
-      </p:par>
-    </p:tnLst>
-  </p:timing>
 </p:sld>
 </file>
 
@@ -11893,18 +12726,17 @@
           <a:lstStyle/>
           <a:p>
             <a:r>
-              <a:rPr kumimoji="1" lang="ja-JP" altLang="en-US" dirty="0" smtClean="0"/>
+              <a:rPr kumimoji="1" lang="ja-JP" altLang="en-US" dirty="0"/>
               <a:t>提案法</a:t>
             </a:r>
             <a:r>
-              <a:rPr kumimoji="1" lang="en-US" altLang="ja-JP" dirty="0" smtClean="0"/>
+              <a:rPr kumimoji="1" lang="en-US" altLang="ja-JP" dirty="0"/>
               <a:t>: </a:t>
             </a:r>
             <a:r>
-              <a:rPr kumimoji="1" lang="ja-JP" altLang="en-US" dirty="0" smtClean="0"/>
+              <a:rPr kumimoji="1" lang="ja-JP" altLang="en-US" dirty="0"/>
               <a:t>多段適応型ビームフォーマ</a:t>
             </a:r>
-            <a:endParaRPr kumimoji="1" lang="ja-JP" altLang="en-US" dirty="0"/>
           </a:p>
         </p:txBody>
       </p:sp>
@@ -12175,8 +13007,8 @@
           </a:fontRef>
         </p:style>
       </p:cxnSp>
-      <mc:AlternateContent xmlns:mc="http://schemas.openxmlformats.org/markup-compatibility/2006">
-        <mc:Choice xmlns:a14="http://schemas.microsoft.com/office/drawing/2010/main" Requires="a14">
+      <mc:AlternateContent xmlns:mc="http://schemas.openxmlformats.org/markup-compatibility/2006" xmlns:a14="http://schemas.microsoft.com/office/drawing/2010/main">
+        <mc:Choice Requires="a14">
           <p:sp>
             <p:nvSpPr>
               <p:cNvPr id="13" name="テキスト ボックス 12"/>
@@ -12199,6 +13031,7 @@
               </a:bodyPr>
               <a:lstStyle/>
               <a:p>
+                <a:pPr/>
                 <a14:m>
                   <m:oMathPara xmlns:m="http://schemas.openxmlformats.org/officeDocument/2006/math">
                     <m:oMathParaPr>
@@ -12221,7 +13054,7 @@
                     </m:oMath>
                   </m:oMathPara>
                 </a14:m>
-                <a:endParaRPr kumimoji="1" lang="ja-JP" altLang="en-US" sz="2000" dirty="0" smtClean="0">
+                <a:endParaRPr kumimoji="1" lang="ja-JP" altLang="en-US" sz="2000" dirty="0">
                   <a:solidFill>
                     <a:schemeClr val="tx1">
                       <a:lumMod val="75000"/>
@@ -12235,7 +13068,7 @@
             </p:txBody>
           </p:sp>
         </mc:Choice>
-        <mc:Fallback>
+        <mc:Fallback xmlns="">
           <p:sp>
             <p:nvSpPr>
               <p:cNvPr id="13" name="テキスト ボックス 12"/>
@@ -12274,8 +13107,8 @@
           </p:sp>
         </mc:Fallback>
       </mc:AlternateContent>
-      <mc:AlternateContent xmlns:mc="http://schemas.openxmlformats.org/markup-compatibility/2006">
-        <mc:Choice xmlns:a14="http://schemas.microsoft.com/office/drawing/2010/main" Requires="a14">
+      <mc:AlternateContent xmlns:mc="http://schemas.openxmlformats.org/markup-compatibility/2006" xmlns:a14="http://schemas.microsoft.com/office/drawing/2010/main">
+        <mc:Choice Requires="a14">
           <p:sp>
             <p:nvSpPr>
               <p:cNvPr id="15" name="正方形/長方形 14"/>
@@ -12377,7 +13210,7 @@
                     </m:oMath>
                   </m:oMathPara>
                 </a14:m>
-                <a:endParaRPr kumimoji="1" lang="ja-JP" altLang="en-US" sz="2000" dirty="0" smtClean="0">
+                <a:endParaRPr kumimoji="1" lang="ja-JP" altLang="en-US" sz="2000" dirty="0">
                   <a:solidFill>
                     <a:schemeClr val="tx1">
                       <a:lumMod val="75000"/>
@@ -12391,7 +13224,7 @@
             </p:txBody>
           </p:sp>
         </mc:Choice>
-        <mc:Fallback>
+        <mc:Fallback xmlns="">
           <p:sp>
             <p:nvSpPr>
               <p:cNvPr id="15" name="正方形/長方形 14"/>
@@ -12438,8 +13271,8 @@
           </p:sp>
         </mc:Fallback>
       </mc:AlternateContent>
-      <mc:AlternateContent xmlns:mc="http://schemas.openxmlformats.org/markup-compatibility/2006">
-        <mc:Choice xmlns:a14="http://schemas.microsoft.com/office/drawing/2010/main" Requires="a14">
+      <mc:AlternateContent xmlns:mc="http://schemas.openxmlformats.org/markup-compatibility/2006" xmlns:a14="http://schemas.microsoft.com/office/drawing/2010/main">
+        <mc:Choice Requires="a14">
           <p:sp>
             <p:nvSpPr>
               <p:cNvPr id="16" name="正方形/長方形 15"/>
@@ -12541,7 +13374,7 @@
                     </m:oMath>
                   </m:oMathPara>
                 </a14:m>
-                <a:endParaRPr kumimoji="1" lang="ja-JP" altLang="en-US" sz="2000" dirty="0" smtClean="0">
+                <a:endParaRPr kumimoji="1" lang="ja-JP" altLang="en-US" sz="2000" dirty="0">
                   <a:solidFill>
                     <a:schemeClr val="tx1">
                       <a:lumMod val="75000"/>
@@ -12555,7 +13388,7 @@
             </p:txBody>
           </p:sp>
         </mc:Choice>
-        <mc:Fallback>
+        <mc:Fallback xmlns="">
           <p:sp>
             <p:nvSpPr>
               <p:cNvPr id="16" name="正方形/長方形 15"/>
@@ -12602,8 +13435,8 @@
           </p:sp>
         </mc:Fallback>
       </mc:AlternateContent>
-      <mc:AlternateContent xmlns:mc="http://schemas.openxmlformats.org/markup-compatibility/2006">
-        <mc:Choice xmlns:a14="http://schemas.microsoft.com/office/drawing/2010/main" Requires="a14">
+      <mc:AlternateContent xmlns:mc="http://schemas.openxmlformats.org/markup-compatibility/2006" xmlns:a14="http://schemas.microsoft.com/office/drawing/2010/main">
+        <mc:Choice Requires="a14">
           <p:sp>
             <p:nvSpPr>
               <p:cNvPr id="17" name="テキスト ボックス 16"/>
@@ -12626,6 +13459,7 @@
               </a:bodyPr>
               <a:lstStyle/>
               <a:p>
+                <a:pPr/>
                 <a14:m>
                   <m:oMathPara xmlns:m="http://schemas.openxmlformats.org/officeDocument/2006/math">
                     <m:oMathParaPr>
@@ -12648,7 +13482,7 @@
                     </m:oMath>
                   </m:oMathPara>
                 </a14:m>
-                <a:endParaRPr kumimoji="1" lang="ja-JP" altLang="en-US" sz="2000" dirty="0" smtClean="0">
+                <a:endParaRPr kumimoji="1" lang="ja-JP" altLang="en-US" sz="2000" dirty="0">
                   <a:solidFill>
                     <a:schemeClr val="tx1">
                       <a:lumMod val="75000"/>
@@ -12662,7 +13496,7 @@
             </p:txBody>
           </p:sp>
         </mc:Choice>
-        <mc:Fallback>
+        <mc:Fallback xmlns="">
           <p:sp>
             <p:nvSpPr>
               <p:cNvPr id="17" name="テキスト ボックス 16"/>
@@ -12735,7 +13569,7 @@
           <a:p>
             <a:pPr algn="ctr"/>
             <a:r>
-              <a:rPr kumimoji="1" lang="en-US" altLang="ja-JP" sz="2000" dirty="0" smtClean="0">
+              <a:rPr kumimoji="1" lang="en-US" altLang="ja-JP" sz="2000" dirty="0">
                 <a:solidFill>
                   <a:schemeClr val="tx1">
                     <a:lumMod val="75000"/>
@@ -12747,7 +13581,7 @@
               </a:rPr>
               <a:t>CCAF</a:t>
             </a:r>
-            <a:endParaRPr kumimoji="1" lang="ja-JP" altLang="en-US" sz="2000" dirty="0" smtClean="0">
+            <a:endParaRPr kumimoji="1" lang="ja-JP" altLang="en-US" sz="2000" dirty="0">
               <a:solidFill>
                 <a:schemeClr val="tx1">
                   <a:lumMod val="75000"/>
@@ -13054,7 +13888,7 @@
               <a:t>N</a:t>
             </a:r>
             <a:r>
-              <a:rPr kumimoji="1" lang="en-US" altLang="ja-JP" sz="2000" dirty="0" smtClean="0">
+              <a:rPr kumimoji="1" lang="en-US" altLang="ja-JP" sz="2000" dirty="0">
                 <a:solidFill>
                   <a:schemeClr val="tx1">
                     <a:lumMod val="75000"/>
@@ -13066,7 +13900,7 @@
               </a:rPr>
               <a:t>CAF</a:t>
             </a:r>
-            <a:endParaRPr kumimoji="1" lang="ja-JP" altLang="en-US" sz="2000" dirty="0" smtClean="0">
+            <a:endParaRPr kumimoji="1" lang="ja-JP" altLang="en-US" sz="2000" dirty="0">
               <a:solidFill>
                 <a:schemeClr val="tx1">
                   <a:lumMod val="75000"/>
@@ -13079,8 +13913,8 @@
           </a:p>
         </p:txBody>
       </p:sp>
-      <mc:AlternateContent xmlns:mc="http://schemas.openxmlformats.org/markup-compatibility/2006">
-        <mc:Choice xmlns:a14="http://schemas.microsoft.com/office/drawing/2010/main" Requires="a14">
+      <mc:AlternateContent xmlns:mc="http://schemas.openxmlformats.org/markup-compatibility/2006" xmlns:a14="http://schemas.microsoft.com/office/drawing/2010/main">
+        <mc:Choice Requires="a14">
           <p:sp>
             <p:nvSpPr>
               <p:cNvPr id="27" name="テキスト ボックス 26"/>
@@ -13103,6 +13937,7 @@
               </a:bodyPr>
               <a:lstStyle/>
               <a:p>
+                <a:pPr/>
                 <a14:m>
                   <m:oMathPara xmlns:m="http://schemas.openxmlformats.org/officeDocument/2006/math">
                     <m:oMathParaPr>
@@ -13125,7 +13960,7 @@
                     </m:oMath>
                   </m:oMathPara>
                 </a14:m>
-                <a:endParaRPr kumimoji="1" lang="ja-JP" altLang="en-US" sz="2000" dirty="0" smtClean="0">
+                <a:endParaRPr kumimoji="1" lang="ja-JP" altLang="en-US" sz="2000" dirty="0">
                   <a:solidFill>
                     <a:schemeClr val="tx1">
                       <a:lumMod val="75000"/>
@@ -13139,7 +13974,7 @@
             </p:txBody>
           </p:sp>
         </mc:Choice>
-        <mc:Fallback>
+        <mc:Fallback xmlns="">
           <p:sp>
             <p:nvSpPr>
               <p:cNvPr id="27" name="テキスト ボックス 26"/>
@@ -13338,8 +14173,8 @@
           </a:fontRef>
         </p:style>
       </p:cxnSp>
-      <mc:AlternateContent xmlns:mc="http://schemas.openxmlformats.org/markup-compatibility/2006">
-        <mc:Choice xmlns:a14="http://schemas.microsoft.com/office/drawing/2010/main" Requires="a14">
+      <mc:AlternateContent xmlns:mc="http://schemas.openxmlformats.org/markup-compatibility/2006" xmlns:a14="http://schemas.microsoft.com/office/drawing/2010/main">
+        <mc:Choice Requires="a14">
           <p:sp>
             <p:nvSpPr>
               <p:cNvPr id="32" name="テキスト ボックス 31"/>
@@ -13362,6 +14197,7 @@
               </a:bodyPr>
               <a:lstStyle/>
               <a:p>
+                <a:pPr/>
                 <a14:m>
                   <m:oMathPara xmlns:m="http://schemas.openxmlformats.org/officeDocument/2006/math">
                     <m:oMathParaPr>
@@ -13384,7 +14220,7 @@
                     </m:oMath>
                   </m:oMathPara>
                 </a14:m>
-                <a:endParaRPr kumimoji="1" lang="ja-JP" altLang="en-US" sz="2000" dirty="0" smtClean="0">
+                <a:endParaRPr kumimoji="1" lang="ja-JP" altLang="en-US" sz="2000" dirty="0">
                   <a:solidFill>
                     <a:schemeClr val="tx1">
                       <a:lumMod val="75000"/>
@@ -13398,7 +14234,7 @@
             </p:txBody>
           </p:sp>
         </mc:Choice>
-        <mc:Fallback>
+        <mc:Fallback xmlns="">
           <p:sp>
             <p:nvSpPr>
               <p:cNvPr id="32" name="テキスト ボックス 31"/>
@@ -13563,7 +14399,7 @@
               <a:t>N</a:t>
             </a:r>
             <a:r>
-              <a:rPr kumimoji="1" lang="en-US" altLang="ja-JP" sz="2000" dirty="0" smtClean="0">
+              <a:rPr kumimoji="1" lang="en-US" altLang="ja-JP" sz="2000" dirty="0">
                 <a:solidFill>
                   <a:schemeClr val="tx1">
                     <a:lumMod val="75000"/>
@@ -13575,7 +14411,7 @@
               </a:rPr>
               <a:t>CAF</a:t>
             </a:r>
-            <a:endParaRPr kumimoji="1" lang="ja-JP" altLang="en-US" sz="2000" dirty="0" smtClean="0">
+            <a:endParaRPr kumimoji="1" lang="ja-JP" altLang="en-US" sz="2000" dirty="0">
               <a:solidFill>
                 <a:schemeClr val="tx1">
                   <a:lumMod val="75000"/>
@@ -13743,7 +14579,7 @@
           <a:p>
             <a:pPr algn="ctr"/>
             <a:r>
-              <a:rPr kumimoji="1" lang="en-US" altLang="ja-JP" sz="2000" dirty="0" smtClean="0">
+              <a:rPr kumimoji="1" lang="en-US" altLang="ja-JP" sz="2000" dirty="0">
                 <a:solidFill>
                   <a:schemeClr val="tx1">
                     <a:lumMod val="75000"/>
@@ -13755,7 +14591,7 @@
               </a:rPr>
               <a:t>CCAF</a:t>
             </a:r>
-            <a:endParaRPr kumimoji="1" lang="ja-JP" altLang="en-US" sz="2000" dirty="0" smtClean="0">
+            <a:endParaRPr kumimoji="1" lang="ja-JP" altLang="en-US" sz="2000" dirty="0">
               <a:solidFill>
                 <a:schemeClr val="tx1">
                   <a:lumMod val="75000"/>
@@ -13915,7 +14751,7 @@
           <a:lstStyle/>
           <a:p>
             <a:r>
-              <a:rPr kumimoji="1" lang="ja-JP" altLang="en-US" dirty="0" smtClean="0">
+              <a:rPr kumimoji="1" lang="ja-JP" altLang="en-US" dirty="0">
                 <a:solidFill>
                   <a:schemeClr val="tx1">
                     <a:lumMod val="75000"/>
@@ -13927,16 +14763,6 @@
               </a:rPr>
               <a:t>・・・</a:t>
             </a:r>
-            <a:endParaRPr kumimoji="1" lang="ja-JP" altLang="en-US" dirty="0" smtClean="0">
-              <a:solidFill>
-                <a:schemeClr val="tx1">
-                  <a:lumMod val="75000"/>
-                  <a:lumOff val="25000"/>
-                </a:schemeClr>
-              </a:solidFill>
-              <a:latin typeface="+mj-lt"/>
-              <a:ea typeface="+mj-ea"/>
-            </a:endParaRPr>
           </a:p>
         </p:txBody>
       </p:sp>
@@ -13963,7 +14789,7 @@
           <a:lstStyle/>
           <a:p>
             <a:r>
-              <a:rPr kumimoji="1" lang="ja-JP" altLang="en-US" dirty="0" smtClean="0">
+              <a:rPr kumimoji="1" lang="ja-JP" altLang="en-US" dirty="0">
                 <a:solidFill>
                   <a:schemeClr val="tx1">
                     <a:lumMod val="75000"/>
@@ -13975,21 +14801,11 @@
               </a:rPr>
               <a:t>・・・</a:t>
             </a:r>
-            <a:endParaRPr kumimoji="1" lang="ja-JP" altLang="en-US" dirty="0" smtClean="0">
-              <a:solidFill>
-                <a:schemeClr val="tx1">
-                  <a:lumMod val="75000"/>
-                  <a:lumOff val="25000"/>
-                </a:schemeClr>
-              </a:solidFill>
-              <a:latin typeface="+mj-lt"/>
-              <a:ea typeface="+mj-ea"/>
-            </a:endParaRPr>
           </a:p>
         </p:txBody>
       </p:sp>
-      <mc:AlternateContent xmlns:mc="http://schemas.openxmlformats.org/markup-compatibility/2006">
-        <mc:Choice xmlns:a14="http://schemas.microsoft.com/office/drawing/2010/main" Requires="a14">
+      <mc:AlternateContent xmlns:mc="http://schemas.openxmlformats.org/markup-compatibility/2006" xmlns:a14="http://schemas.microsoft.com/office/drawing/2010/main">
+        <mc:Choice Requires="a14">
           <p:sp>
             <p:nvSpPr>
               <p:cNvPr id="46" name="テキスト ボックス 45"/>
@@ -14012,6 +14828,7 @@
               </a:bodyPr>
               <a:lstStyle/>
               <a:p>
+                <a:pPr/>
                 <a14:m>
                   <m:oMathPara xmlns:m="http://schemas.openxmlformats.org/officeDocument/2006/math">
                     <m:oMathParaPr>
@@ -14106,7 +14923,7 @@
                     </m:oMath>
                   </m:oMathPara>
                 </a14:m>
-                <a:endParaRPr kumimoji="1" lang="ja-JP" altLang="en-US" sz="2000" dirty="0" smtClean="0">
+                <a:endParaRPr kumimoji="1" lang="ja-JP" altLang="en-US" sz="2000" dirty="0">
                   <a:solidFill>
                     <a:schemeClr val="tx1">
                       <a:lumMod val="75000"/>
@@ -14120,7 +14937,7 @@
             </p:txBody>
           </p:sp>
         </mc:Choice>
-        <mc:Fallback>
+        <mc:Fallback xmlns="">
           <p:sp>
             <p:nvSpPr>
               <p:cNvPr id="46" name="テキスト ボックス 45"/>
@@ -14159,8 +14976,8 @@
           </p:sp>
         </mc:Fallback>
       </mc:AlternateContent>
-      <mc:AlternateContent xmlns:mc="http://schemas.openxmlformats.org/markup-compatibility/2006">
-        <mc:Choice xmlns:a14="http://schemas.microsoft.com/office/drawing/2010/main" Requires="a14">
+      <mc:AlternateContent xmlns:mc="http://schemas.openxmlformats.org/markup-compatibility/2006" xmlns:a14="http://schemas.microsoft.com/office/drawing/2010/main">
+        <mc:Choice Requires="a14">
           <p:sp>
             <p:nvSpPr>
               <p:cNvPr id="47" name="テキスト ボックス 46"/>
@@ -14183,6 +15000,7 @@
               </a:bodyPr>
               <a:lstStyle/>
               <a:p>
+                <a:pPr/>
                 <a14:m>
                   <m:oMathPara xmlns:m="http://schemas.openxmlformats.org/officeDocument/2006/math">
                     <m:oMathParaPr>
@@ -14290,7 +15108,7 @@
                     </m:oMath>
                   </m:oMathPara>
                 </a14:m>
-                <a:endParaRPr kumimoji="1" lang="ja-JP" altLang="en-US" sz="2000" dirty="0" smtClean="0">
+                <a:endParaRPr kumimoji="1" lang="ja-JP" altLang="en-US" sz="2000" dirty="0">
                   <a:solidFill>
                     <a:schemeClr val="tx1">
                       <a:lumMod val="75000"/>
@@ -14304,7 +15122,7 @@
             </p:txBody>
           </p:sp>
         </mc:Choice>
-        <mc:Fallback>
+        <mc:Fallback xmlns="">
           <p:sp>
             <p:nvSpPr>
               <p:cNvPr id="47" name="テキスト ボックス 46"/>
@@ -14343,8 +15161,8 @@
           </p:sp>
         </mc:Fallback>
       </mc:AlternateContent>
-      <mc:AlternateContent xmlns:mc="http://schemas.openxmlformats.org/markup-compatibility/2006">
-        <mc:Choice xmlns:a14="http://schemas.microsoft.com/office/drawing/2010/main" Requires="a14">
+      <mc:AlternateContent xmlns:mc="http://schemas.openxmlformats.org/markup-compatibility/2006" xmlns:a14="http://schemas.microsoft.com/office/drawing/2010/main">
+        <mc:Choice Requires="a14">
           <p:sp>
             <p:nvSpPr>
               <p:cNvPr id="48" name="テキスト ボックス 47"/>
@@ -14367,6 +15185,7 @@
               </a:bodyPr>
               <a:lstStyle/>
               <a:p>
+                <a:pPr/>
                 <a14:m>
                   <m:oMathPara xmlns:m="http://schemas.openxmlformats.org/officeDocument/2006/math">
                     <m:oMathParaPr>
@@ -14461,7 +15280,7 @@
                     </m:oMath>
                   </m:oMathPara>
                 </a14:m>
-                <a:endParaRPr kumimoji="1" lang="ja-JP" altLang="en-US" sz="2000" dirty="0" smtClean="0">
+                <a:endParaRPr kumimoji="1" lang="ja-JP" altLang="en-US" sz="2000" dirty="0">
                   <a:solidFill>
                     <a:schemeClr val="tx1">
                       <a:lumMod val="75000"/>
@@ -14475,7 +15294,7 @@
             </p:txBody>
           </p:sp>
         </mc:Choice>
-        <mc:Fallback>
+        <mc:Fallback xmlns="">
           <p:sp>
             <p:nvSpPr>
               <p:cNvPr id="48" name="テキスト ボックス 47"/>
@@ -14514,8 +15333,8 @@
           </p:sp>
         </mc:Fallback>
       </mc:AlternateContent>
-      <mc:AlternateContent xmlns:mc="http://schemas.openxmlformats.org/markup-compatibility/2006">
-        <mc:Choice xmlns:a14="http://schemas.microsoft.com/office/drawing/2010/main" Requires="a14">
+      <mc:AlternateContent xmlns:mc="http://schemas.openxmlformats.org/markup-compatibility/2006" xmlns:a14="http://schemas.microsoft.com/office/drawing/2010/main">
+        <mc:Choice Requires="a14">
           <p:sp>
             <p:nvSpPr>
               <p:cNvPr id="49" name="テキスト ボックス 48"/>
@@ -14538,6 +15357,7 @@
               </a:bodyPr>
               <a:lstStyle/>
               <a:p>
+                <a:pPr/>
                 <a14:m>
                   <m:oMathPara xmlns:m="http://schemas.openxmlformats.org/officeDocument/2006/math">
                     <m:oMathParaPr>
@@ -14645,7 +15465,7 @@
                     </m:oMath>
                   </m:oMathPara>
                 </a14:m>
-                <a:endParaRPr kumimoji="1" lang="ja-JP" altLang="en-US" sz="2000" dirty="0" smtClean="0">
+                <a:endParaRPr kumimoji="1" lang="ja-JP" altLang="en-US" sz="2000" dirty="0">
                   <a:solidFill>
                     <a:schemeClr val="tx1">
                       <a:lumMod val="75000"/>
@@ -14659,7 +15479,7 @@
             </p:txBody>
           </p:sp>
         </mc:Choice>
-        <mc:Fallback>
+        <mc:Fallback xmlns="">
           <p:sp>
             <p:nvSpPr>
               <p:cNvPr id="49" name="テキスト ボックス 48"/>
@@ -14698,8 +15518,8 @@
           </p:sp>
         </mc:Fallback>
       </mc:AlternateContent>
-      <mc:AlternateContent xmlns:mc="http://schemas.openxmlformats.org/markup-compatibility/2006">
-        <mc:Choice xmlns:a14="http://schemas.microsoft.com/office/drawing/2010/main" Requires="a14">
+      <mc:AlternateContent xmlns:mc="http://schemas.openxmlformats.org/markup-compatibility/2006" xmlns:a14="http://schemas.microsoft.com/office/drawing/2010/main">
+        <mc:Choice Requires="a14">
           <p:sp>
             <p:nvSpPr>
               <p:cNvPr id="50" name="テキスト ボックス 49"/>
@@ -14722,6 +15542,7 @@
               </a:bodyPr>
               <a:lstStyle/>
               <a:p>
+                <a:pPr/>
                 <a14:m>
                   <m:oMathPara xmlns:m="http://schemas.openxmlformats.org/officeDocument/2006/math">
                     <m:oMathParaPr>
@@ -14744,7 +15565,7 @@
                     </m:oMath>
                   </m:oMathPara>
                 </a14:m>
-                <a:endParaRPr kumimoji="1" lang="ja-JP" altLang="en-US" sz="2000" dirty="0" smtClean="0">
+                <a:endParaRPr kumimoji="1" lang="ja-JP" altLang="en-US" sz="2000" dirty="0">
                   <a:solidFill>
                     <a:schemeClr val="tx1">
                       <a:lumMod val="75000"/>
@@ -14758,7 +15579,7 @@
             </p:txBody>
           </p:sp>
         </mc:Choice>
-        <mc:Fallback>
+        <mc:Fallback xmlns="">
           <p:sp>
             <p:nvSpPr>
               <p:cNvPr id="50" name="テキスト ボックス 49"/>
@@ -14797,8 +15618,8 @@
           </p:sp>
         </mc:Fallback>
       </mc:AlternateContent>
-      <mc:AlternateContent xmlns:mc="http://schemas.openxmlformats.org/markup-compatibility/2006">
-        <mc:Choice xmlns:a14="http://schemas.microsoft.com/office/drawing/2010/main" Requires="a14">
+      <mc:AlternateContent xmlns:mc="http://schemas.openxmlformats.org/markup-compatibility/2006" xmlns:a14="http://schemas.microsoft.com/office/drawing/2010/main">
+        <mc:Choice Requires="a14">
           <p:sp>
             <p:nvSpPr>
               <p:cNvPr id="51" name="テキスト ボックス 50"/>
@@ -14821,6 +15642,7 @@
               </a:bodyPr>
               <a:lstStyle/>
               <a:p>
+                <a:pPr/>
                 <a14:m>
                   <m:oMathPara xmlns:m="http://schemas.openxmlformats.org/officeDocument/2006/math">
                     <m:oMathParaPr>
@@ -14843,7 +15665,7 @@
                     </m:oMath>
                   </m:oMathPara>
                 </a14:m>
-                <a:endParaRPr kumimoji="1" lang="ja-JP" altLang="en-US" sz="2000" dirty="0" smtClean="0">
+                <a:endParaRPr kumimoji="1" lang="ja-JP" altLang="en-US" sz="2000" dirty="0">
                   <a:solidFill>
                     <a:schemeClr val="tx1">
                       <a:lumMod val="75000"/>
@@ -14857,7 +15679,7 @@
             </p:txBody>
           </p:sp>
         </mc:Choice>
-        <mc:Fallback>
+        <mc:Fallback xmlns="">
           <p:sp>
             <p:nvSpPr>
               <p:cNvPr id="51" name="テキスト ボックス 50"/>
@@ -14896,8 +15718,8 @@
           </p:sp>
         </mc:Fallback>
       </mc:AlternateContent>
-      <mc:AlternateContent xmlns:mc="http://schemas.openxmlformats.org/markup-compatibility/2006">
-        <mc:Choice xmlns:a14="http://schemas.microsoft.com/office/drawing/2010/main" Requires="a14">
+      <mc:AlternateContent xmlns:mc="http://schemas.openxmlformats.org/markup-compatibility/2006" xmlns:a14="http://schemas.microsoft.com/office/drawing/2010/main">
+        <mc:Choice Requires="a14">
           <p:sp>
             <p:nvSpPr>
               <p:cNvPr id="52" name="テキスト ボックス 51"/>
@@ -14920,6 +15742,7 @@
               </a:bodyPr>
               <a:lstStyle/>
               <a:p>
+                <a:pPr/>
                 <a14:m>
                   <m:oMathPara xmlns:m="http://schemas.openxmlformats.org/officeDocument/2006/math">
                     <m:oMathParaPr>
@@ -14942,7 +15765,7 @@
                     </m:oMath>
                   </m:oMathPara>
                 </a14:m>
-                <a:endParaRPr kumimoji="1" lang="ja-JP" altLang="en-US" sz="2000" dirty="0" smtClean="0">
+                <a:endParaRPr kumimoji="1" lang="ja-JP" altLang="en-US" sz="2000" dirty="0">
                   <a:solidFill>
                     <a:schemeClr val="tx1">
                       <a:lumMod val="75000"/>
@@ -14956,7 +15779,7 @@
             </p:txBody>
           </p:sp>
         </mc:Choice>
-        <mc:Fallback>
+        <mc:Fallback xmlns="">
           <p:sp>
             <p:nvSpPr>
               <p:cNvPr id="52" name="テキスト ボックス 51"/>
@@ -14995,8 +15818,8 @@
           </p:sp>
         </mc:Fallback>
       </mc:AlternateContent>
-      <mc:AlternateContent xmlns:mc="http://schemas.openxmlformats.org/markup-compatibility/2006">
-        <mc:Choice xmlns:a14="http://schemas.microsoft.com/office/drawing/2010/main" Requires="a14">
+      <mc:AlternateContent xmlns:mc="http://schemas.openxmlformats.org/markup-compatibility/2006" xmlns:a14="http://schemas.microsoft.com/office/drawing/2010/main">
+        <mc:Choice Requires="a14">
           <p:sp>
             <p:nvSpPr>
               <p:cNvPr id="53" name="テキスト ボックス 52"/>
@@ -15019,6 +15842,7 @@
               </a:bodyPr>
               <a:lstStyle/>
               <a:p>
+                <a:pPr/>
                 <a14:m>
                   <m:oMathPara xmlns:m="http://schemas.openxmlformats.org/officeDocument/2006/math">
                     <m:oMathParaPr>
@@ -15041,7 +15865,7 @@
                     </m:oMath>
                   </m:oMathPara>
                 </a14:m>
-                <a:endParaRPr kumimoji="1" lang="ja-JP" altLang="en-US" sz="2000" dirty="0" smtClean="0">
+                <a:endParaRPr kumimoji="1" lang="ja-JP" altLang="en-US" sz="2000" dirty="0">
                   <a:solidFill>
                     <a:schemeClr val="tx1">
                       <a:lumMod val="75000"/>
@@ -15055,7 +15879,7 @@
             </p:txBody>
           </p:sp>
         </mc:Choice>
-        <mc:Fallback>
+        <mc:Fallback xmlns="">
           <p:sp>
             <p:nvSpPr>
               <p:cNvPr id="53" name="テキスト ボックス 52"/>
@@ -15094,8 +15918,8 @@
           </p:sp>
         </mc:Fallback>
       </mc:AlternateContent>
-      <mc:AlternateContent xmlns:mc="http://schemas.openxmlformats.org/markup-compatibility/2006">
-        <mc:Choice xmlns:a14="http://schemas.microsoft.com/office/drawing/2010/main" Requires="a14">
+      <mc:AlternateContent xmlns:mc="http://schemas.openxmlformats.org/markup-compatibility/2006" xmlns:a14="http://schemas.microsoft.com/office/drawing/2010/main">
+        <mc:Choice Requires="a14">
           <p:sp>
             <p:nvSpPr>
               <p:cNvPr id="54" name="テキスト ボックス 53"/>
@@ -15118,6 +15942,7 @@
               </a:bodyPr>
               <a:lstStyle/>
               <a:p>
+                <a:pPr/>
                 <a14:m>
                   <m:oMathPara xmlns:m="http://schemas.openxmlformats.org/officeDocument/2006/math">
                     <m:oMathParaPr>
@@ -15179,7 +16004,7 @@
                     </m:oMath>
                   </m:oMathPara>
                 </a14:m>
-                <a:endParaRPr kumimoji="1" lang="ja-JP" altLang="en-US" sz="2000" dirty="0" smtClean="0">
+                <a:endParaRPr kumimoji="1" lang="ja-JP" altLang="en-US" sz="2000" dirty="0">
                   <a:solidFill>
                     <a:schemeClr val="tx1">
                       <a:lumMod val="75000"/>
@@ -15193,7 +16018,7 @@
             </p:txBody>
           </p:sp>
         </mc:Choice>
-        <mc:Fallback>
+        <mc:Fallback xmlns="">
           <p:sp>
             <p:nvSpPr>
               <p:cNvPr id="54" name="テキスト ボックス 53"/>
@@ -15270,7 +16095,7 @@
           <a:lstStyle/>
           <a:p>
             <a:pPr algn="ctr"/>
-            <a:endParaRPr kumimoji="1" lang="ja-JP" altLang="en-US" sz="2000" dirty="0" smtClean="0">
+            <a:endParaRPr kumimoji="1" lang="ja-JP" altLang="en-US" sz="2000" dirty="0">
               <a:solidFill>
                 <a:schemeClr val="tx1">
                   <a:lumMod val="75000"/>
@@ -15325,7 +16150,7 @@
           <a:lstStyle/>
           <a:p>
             <a:pPr algn="ctr"/>
-            <a:endParaRPr kumimoji="1" lang="ja-JP" altLang="en-US" sz="2000" dirty="0" smtClean="0">
+            <a:endParaRPr kumimoji="1" lang="ja-JP" altLang="en-US" sz="2000" dirty="0">
               <a:solidFill>
                 <a:schemeClr val="tx1">
                   <a:lumMod val="75000"/>
@@ -15338,8 +16163,8 @@
           </a:p>
         </p:txBody>
       </p:sp>
-      <mc:AlternateContent xmlns:mc="http://schemas.openxmlformats.org/markup-compatibility/2006">
-        <mc:Choice xmlns:a14="http://schemas.microsoft.com/office/drawing/2010/main" Requires="a14">
+      <mc:AlternateContent xmlns:mc="http://schemas.openxmlformats.org/markup-compatibility/2006" xmlns:a14="http://schemas.microsoft.com/office/drawing/2010/main">
+        <mc:Choice Requires="a14">
           <p:sp>
             <p:nvSpPr>
               <p:cNvPr id="58" name="テキスト ボックス 57"/>
@@ -15362,6 +16187,7 @@
               </a:bodyPr>
               <a:lstStyle/>
               <a:p>
+                <a:pPr/>
                 <a14:m>
                   <m:oMathPara xmlns:m="http://schemas.openxmlformats.org/officeDocument/2006/math">
                     <m:oMathParaPr>
@@ -15423,7 +16249,7 @@
                     </m:oMath>
                   </m:oMathPara>
                 </a14:m>
-                <a:endParaRPr kumimoji="1" lang="ja-JP" altLang="en-US" sz="2000" dirty="0" smtClean="0">
+                <a:endParaRPr kumimoji="1" lang="ja-JP" altLang="en-US" sz="2000" dirty="0">
                   <a:solidFill>
                     <a:schemeClr val="tx1">
                       <a:lumMod val="75000"/>
@@ -15437,7 +16263,7 @@
             </p:txBody>
           </p:sp>
         </mc:Choice>
-        <mc:Fallback>
+        <mc:Fallback xmlns="">
           <p:sp>
             <p:nvSpPr>
               <p:cNvPr id="58" name="テキスト ボックス 57"/>
@@ -15511,8 +16337,8 @@
           </a:ln>
         </p:spPr>
       </p:pic>
-      <mc:AlternateContent xmlns:mc="http://schemas.openxmlformats.org/markup-compatibility/2006">
-        <mc:Choice xmlns:a14="http://schemas.microsoft.com/office/drawing/2010/main" Requires="a14">
+      <mc:AlternateContent xmlns:mc="http://schemas.openxmlformats.org/markup-compatibility/2006" xmlns:a14="http://schemas.microsoft.com/office/drawing/2010/main">
+        <mc:Choice Requires="a14">
           <p:sp>
             <p:nvSpPr>
               <p:cNvPr id="136" name="テキスト ボックス 135"/>
@@ -15535,6 +16361,7 @@
               </a:bodyPr>
               <a:lstStyle/>
               <a:p>
+                <a:pPr/>
                 <a14:m>
                   <m:oMathPara xmlns:m="http://schemas.openxmlformats.org/officeDocument/2006/math">
                     <m:oMathParaPr>
@@ -15629,7 +16456,7 @@
                     </m:oMath>
                   </m:oMathPara>
                 </a14:m>
-                <a:endParaRPr kumimoji="1" lang="ja-JP" altLang="en-US" sz="2000" dirty="0" smtClean="0">
+                <a:endParaRPr kumimoji="1" lang="ja-JP" altLang="en-US" sz="2000" dirty="0">
                   <a:solidFill>
                     <a:schemeClr val="tx1">
                       <a:lumMod val="75000"/>
@@ -15643,7 +16470,7 @@
             </p:txBody>
           </p:sp>
         </mc:Choice>
-        <mc:Fallback>
+        <mc:Fallback xmlns="">
           <p:sp>
             <p:nvSpPr>
               <p:cNvPr id="136" name="テキスト ボックス 135"/>
@@ -15682,8 +16509,8 @@
           </p:sp>
         </mc:Fallback>
       </mc:AlternateContent>
-      <mc:AlternateContent xmlns:mc="http://schemas.openxmlformats.org/markup-compatibility/2006">
-        <mc:Choice xmlns:a14="http://schemas.microsoft.com/office/drawing/2010/main" Requires="a14">
+      <mc:AlternateContent xmlns:mc="http://schemas.openxmlformats.org/markup-compatibility/2006" xmlns:a14="http://schemas.microsoft.com/office/drawing/2010/main">
+        <mc:Choice Requires="a14">
           <p:sp>
             <p:nvSpPr>
               <p:cNvPr id="137" name="テキスト ボックス 136"/>
@@ -15706,6 +16533,7 @@
               </a:bodyPr>
               <a:lstStyle/>
               <a:p>
+                <a:pPr/>
                 <a14:m>
                   <m:oMathPara xmlns:m="http://schemas.openxmlformats.org/officeDocument/2006/math">
                     <m:oMathParaPr>
@@ -15813,7 +16641,7 @@
                     </m:oMath>
                   </m:oMathPara>
                 </a14:m>
-                <a:endParaRPr kumimoji="1" lang="ja-JP" altLang="en-US" sz="2000" dirty="0" smtClean="0">
+                <a:endParaRPr kumimoji="1" lang="ja-JP" altLang="en-US" sz="2000" dirty="0">
                   <a:solidFill>
                     <a:schemeClr val="tx1">
                       <a:lumMod val="75000"/>
@@ -15827,7 +16655,7 @@
             </p:txBody>
           </p:sp>
         </mc:Choice>
-        <mc:Fallback>
+        <mc:Fallback xmlns="">
           <p:sp>
             <p:nvSpPr>
               <p:cNvPr id="137" name="テキスト ボックス 136"/>
@@ -15974,7 +16802,7 @@
           <a:lstStyle/>
           <a:p>
             <a:pPr algn="ctr"/>
-            <a:endParaRPr kumimoji="1" lang="ja-JP" altLang="en-US" sz="2000" dirty="0" smtClean="0">
+            <a:endParaRPr kumimoji="1" lang="ja-JP" altLang="en-US" sz="2000" dirty="0">
               <a:solidFill>
                 <a:schemeClr val="tx1">
                   <a:lumMod val="75000"/>
@@ -16010,7 +16838,7 @@
           <a:lstStyle/>
           <a:p>
             <a:r>
-              <a:rPr kumimoji="1" lang="en-US" altLang="ja-JP" sz="2000" dirty="0" smtClean="0">
+              <a:rPr kumimoji="1" lang="en-US" altLang="ja-JP" sz="2000" dirty="0">
                 <a:solidFill>
                   <a:srgbClr val="00B050"/>
                 </a:solidFill>
@@ -16019,7 +16847,7 @@
               </a:rPr>
               <a:t>FBF</a:t>
             </a:r>
-            <a:endParaRPr kumimoji="1" lang="ja-JP" altLang="en-US" sz="2000" dirty="0" smtClean="0">
+            <a:endParaRPr kumimoji="1" lang="ja-JP" altLang="en-US" sz="2000" dirty="0">
               <a:solidFill>
                 <a:srgbClr val="00B050"/>
               </a:solidFill>
@@ -16091,7 +16919,7 @@
           <a:lstStyle/>
           <a:p>
             <a:r>
-              <a:rPr kumimoji="1" lang="en-US" altLang="ja-JP" sz="2000" dirty="0" smtClean="0">
+              <a:rPr kumimoji="1" lang="en-US" altLang="ja-JP" sz="2000" dirty="0">
                 <a:solidFill>
                   <a:srgbClr val="00B050"/>
                 </a:solidFill>
@@ -16100,7 +16928,7 @@
               </a:rPr>
               <a:t>Adaptive Beam Former</a:t>
             </a:r>
-            <a:endParaRPr kumimoji="1" lang="ja-JP" altLang="en-US" sz="2000" dirty="0" smtClean="0">
+            <a:endParaRPr kumimoji="1" lang="ja-JP" altLang="en-US" sz="2000" dirty="0">
               <a:solidFill>
                 <a:srgbClr val="00B050"/>
               </a:solidFill>
@@ -16133,7 +16961,7 @@
           <a:lstStyle/>
           <a:p>
             <a:r>
-              <a:rPr kumimoji="1" lang="en-US" altLang="ja-JP" sz="2200" b="1" dirty="0" smtClean="0">
+              <a:rPr kumimoji="1" lang="en-US" altLang="ja-JP" sz="2200" b="1" dirty="0">
                 <a:solidFill>
                   <a:schemeClr val="tx1">
                     <a:lumMod val="75000"/>
@@ -16146,7 +16974,7 @@
               <a:t>BM</a:t>
             </a:r>
             <a:r>
-              <a:rPr kumimoji="1" lang="ja-JP" altLang="en-US" sz="2200" b="1" dirty="0" smtClean="0">
+              <a:rPr kumimoji="1" lang="ja-JP" altLang="en-US" sz="2200" b="1" dirty="0">
                 <a:solidFill>
                   <a:schemeClr val="tx1">
                     <a:lumMod val="75000"/>
@@ -16159,7 +16987,7 @@
               <a:t>に入る</a:t>
             </a:r>
             <a:r>
-              <a:rPr kumimoji="1" lang="en-US" altLang="ja-JP" sz="2200" b="1" dirty="0" smtClean="0">
+              <a:rPr kumimoji="1" lang="en-US" altLang="ja-JP" sz="2200" b="1" dirty="0">
                 <a:solidFill>
                   <a:schemeClr val="tx1">
                     <a:lumMod val="75000"/>
@@ -16172,7 +17000,7 @@
               <a:t>FBF</a:t>
             </a:r>
             <a:r>
-              <a:rPr kumimoji="1" lang="ja-JP" altLang="en-US" sz="2200" b="1" dirty="0" smtClean="0">
+              <a:rPr kumimoji="1" lang="ja-JP" altLang="en-US" sz="2200" b="1" dirty="0">
                 <a:solidFill>
                   <a:schemeClr val="tx1">
                     <a:lumMod val="75000"/>
@@ -16185,7 +17013,7 @@
               <a:t>の出力</a:t>
             </a:r>
             <a:r>
-              <a:rPr lang="ja-JP" altLang="en-US" sz="2200" b="1" dirty="0" smtClean="0">
+              <a:rPr lang="ja-JP" altLang="en-US" sz="2200" b="1" dirty="0">
                 <a:solidFill>
                   <a:schemeClr val="tx1">
                     <a:lumMod val="75000"/>
@@ -16197,7 +17025,7 @@
               </a:rPr>
               <a:t>を，前段で強調した音声に置き換える</a:t>
             </a:r>
-            <a:endParaRPr lang="en-US" altLang="ja-JP" sz="2200" b="1" dirty="0" smtClean="0">
+            <a:endParaRPr lang="en-US" altLang="ja-JP" sz="2200" b="1" dirty="0">
               <a:solidFill>
                 <a:schemeClr val="tx1">
                   <a:lumMod val="75000"/>
@@ -16220,13 +17048,6 @@
   <p:clrMapOvr>
     <a:masterClrMapping/>
   </p:clrMapOvr>
-  <p:timing>
-    <p:tnLst>
-      <p:par>
-        <p:cTn id="1" dur="indefinite" restart="never" nodeType="tmRoot"/>
-      </p:par>
-    </p:tnLst>
-  </p:timing>
 </p:sld>
 </file>
 
@@ -16269,7 +17090,7 @@
           <a:graphicData uri="http://schemas.openxmlformats.org/presentationml/2006/ole">
             <mc:AlternateContent xmlns:mc="http://schemas.openxmlformats.org/markup-compatibility/2006">
               <mc:Choice xmlns:v="urn:schemas-microsoft-com:vml" Requires="v">
-                <p:oleObj spid="_x0000_s1042" name="Acrobat Document" r:id="rId10" imgW="4390657" imgH="3276429" progId="AcroExch.Document.DC">
+                <p:oleObj spid="_x0000_s1046" name="Acrobat Document" r:id="rId10" imgW="4390657" imgH="3276429" progId="AcroExch.Document.DC">
                   <p:embed/>
                 </p:oleObj>
               </mc:Choice>
@@ -16320,10 +17141,9 @@
           <a:lstStyle/>
           <a:p>
             <a:r>
-              <a:rPr kumimoji="1" lang="ja-JP" altLang="en-US" dirty="0" smtClean="0"/>
+              <a:rPr kumimoji="1" lang="ja-JP" altLang="en-US" dirty="0"/>
               <a:t>実験の概要</a:t>
             </a:r>
-            <a:endParaRPr kumimoji="1" lang="ja-JP" altLang="en-US" dirty="0"/>
           </a:p>
         </p:txBody>
       </p:sp>
@@ -16379,19 +17199,6 @@
           <a:lstStyle/>
           <a:p>
             <a:r>
-              <a:rPr lang="ja-JP" altLang="en-US" sz="2000" dirty="0" smtClean="0">
-                <a:solidFill>
-                  <a:schemeClr val="tx1">
-                    <a:lumMod val="75000"/>
-                    <a:lumOff val="25000"/>
-                  </a:schemeClr>
-                </a:solidFill>
-                <a:latin typeface="+mj-lt"/>
-                <a:ea typeface="+mj-ea"/>
-              </a:rPr>
-              <a:t>主</a:t>
-            </a:r>
-            <a:r>
               <a:rPr lang="ja-JP" altLang="en-US" sz="2000" dirty="0">
                 <a:solidFill>
                   <a:schemeClr val="tx1">
@@ -16402,9 +17209,9 @@
                 <a:latin typeface="+mj-lt"/>
                 <a:ea typeface="+mj-ea"/>
               </a:rPr>
-              <a:t>信号</a:t>
-            </a:r>
-            <a:endParaRPr kumimoji="1" lang="ja-JP" altLang="en-US" sz="2000" dirty="0" smtClean="0">
+              <a:t>主信号</a:t>
+            </a:r>
+            <a:endParaRPr kumimoji="1" lang="ja-JP" altLang="en-US" sz="2000" dirty="0">
               <a:solidFill>
                 <a:schemeClr val="tx1">
                   <a:lumMod val="75000"/>
@@ -16452,7 +17259,7 @@
               </a:rPr>
               <a:t>雑音</a:t>
             </a:r>
-            <a:endParaRPr kumimoji="1" lang="ja-JP" altLang="en-US" sz="2000" dirty="0" smtClean="0">
+            <a:endParaRPr kumimoji="1" lang="ja-JP" altLang="en-US" sz="2000" dirty="0">
               <a:solidFill>
                 <a:schemeClr val="tx1">
                   <a:lumMod val="75000"/>
@@ -16488,7 +17295,7 @@
           <a:lstStyle/>
           <a:p>
             <a:r>
-              <a:rPr kumimoji="1" lang="ja-JP" altLang="en-US" sz="2000" dirty="0" smtClean="0">
+              <a:rPr kumimoji="1" lang="ja-JP" altLang="en-US" sz="2000" dirty="0">
                 <a:solidFill>
                   <a:schemeClr val="tx1">
                     <a:lumMod val="75000"/>
@@ -16500,7 +17307,7 @@
               </a:rPr>
               <a:t>マイクロ</a:t>
             </a:r>
-            <a:endParaRPr kumimoji="1" lang="en-US" altLang="ja-JP" sz="2000" dirty="0" smtClean="0">
+            <a:endParaRPr kumimoji="1" lang="en-US" altLang="ja-JP" sz="2000" dirty="0">
               <a:solidFill>
                 <a:schemeClr val="tx1">
                   <a:lumMod val="75000"/>
@@ -16513,7 +17320,7 @@
           </a:p>
           <a:p>
             <a:r>
-              <a:rPr kumimoji="1" lang="ja-JP" altLang="en-US" sz="2000" dirty="0" smtClean="0">
+              <a:rPr kumimoji="1" lang="ja-JP" altLang="en-US" sz="2000" dirty="0">
                 <a:solidFill>
                   <a:schemeClr val="tx1">
                     <a:lumMod val="75000"/>
@@ -16526,7 +17333,7 @@
               <a:t>フォン</a:t>
             </a:r>
             <a:r>
-              <a:rPr kumimoji="1" lang="en-US" altLang="ja-JP" sz="2000" dirty="0" smtClean="0">
+              <a:rPr kumimoji="1" lang="en-US" altLang="ja-JP" sz="2000" dirty="0">
                 <a:solidFill>
                   <a:schemeClr val="tx1">
                     <a:lumMod val="75000"/>
@@ -16539,7 +17346,7 @@
               <a:t>8</a:t>
             </a:r>
             <a:r>
-              <a:rPr kumimoji="1" lang="ja-JP" altLang="en-US" sz="2000" dirty="0" smtClean="0">
+              <a:rPr kumimoji="1" lang="ja-JP" altLang="en-US" sz="2000" dirty="0">
                 <a:solidFill>
                   <a:schemeClr val="tx1">
                     <a:lumMod val="75000"/>
@@ -16551,16 +17358,6 @@
               </a:rPr>
               <a:t>個</a:t>
             </a:r>
-            <a:endParaRPr kumimoji="1" lang="ja-JP" altLang="en-US" sz="2000" dirty="0" smtClean="0">
-              <a:solidFill>
-                <a:schemeClr val="tx1">
-                  <a:lumMod val="75000"/>
-                  <a:lumOff val="25000"/>
-                </a:schemeClr>
-              </a:solidFill>
-              <a:latin typeface="+mj-lt"/>
-              <a:ea typeface="+mj-ea"/>
-            </a:endParaRPr>
           </a:p>
         </p:txBody>
       </p:sp>
@@ -16592,51 +17389,43 @@
           <a:p>
             <a:r>
               <a:rPr lang="ja-JP" altLang="en-US" dirty="0"/>
-              <a:t>残響</a:t>
-            </a:r>
-            <a:r>
-              <a:rPr lang="ja-JP" altLang="en-US" dirty="0" smtClean="0"/>
-              <a:t>のある部屋環境をシミュレーション</a:t>
-            </a:r>
-            <a:endParaRPr lang="en-US" altLang="ja-JP" dirty="0" smtClean="0"/>
+              <a:t>残響のある部屋環境をシミュレーション</a:t>
+            </a:r>
+            <a:endParaRPr lang="en-US" altLang="ja-JP" dirty="0"/>
           </a:p>
           <a:p>
             <a:pPr lvl="1"/>
             <a:r>
-              <a:rPr lang="en-US" altLang="ja-JP" dirty="0" smtClean="0"/>
+              <a:rPr lang="en-US" altLang="ja-JP" dirty="0"/>
               <a:t>4 m × 5 m</a:t>
             </a:r>
             <a:r>
-              <a:rPr lang="ja-JP" altLang="en-US" dirty="0" smtClean="0"/>
+              <a:rPr lang="ja-JP" altLang="en-US" dirty="0"/>
               <a:t>の二次元空間</a:t>
             </a:r>
-            <a:endParaRPr lang="en-US" altLang="ja-JP" dirty="0" smtClean="0"/>
+            <a:endParaRPr lang="en-US" altLang="ja-JP" dirty="0"/>
           </a:p>
           <a:p>
             <a:pPr lvl="1"/>
             <a:r>
-              <a:rPr lang="ja-JP" altLang="en-US" sz="1800" dirty="0" smtClean="0"/>
-              <a:t>主信号，雑音，</a:t>
-            </a:r>
-            <a:r>
-              <a:rPr lang="ja-JP" altLang="en-US" sz="1800" dirty="0" smtClean="0"/>
-              <a:t>マイクロフォン</a:t>
-            </a:r>
-            <a:r>
-              <a:rPr lang="ja-JP" altLang="en-US" sz="1800" dirty="0" smtClean="0"/>
-              <a:t>アレーを配置</a:t>
+              <a:rPr lang="ja-JP" altLang="en-US" sz="1800"/>
+              <a:t>主音声，</a:t>
+            </a:r>
+            <a:r>
+              <a:rPr lang="ja-JP" altLang="en-US" sz="1800" dirty="0"/>
+              <a:t>雑音，マイクロフォンアレーを配置</a:t>
             </a:r>
             <a:endParaRPr lang="en-US" altLang="ja-JP" sz="1800" dirty="0"/>
           </a:p>
           <a:p>
             <a:pPr lvl="1"/>
-            <a:endParaRPr lang="en-US" altLang="ja-JP" sz="1800" dirty="0" smtClean="0"/>
-          </a:p>
-          <a:p>
-            <a:endParaRPr lang="en-US" altLang="ja-JP" sz="2000" dirty="0" smtClean="0"/>
-          </a:p>
-          <a:p>
-            <a:endParaRPr lang="en-US" altLang="ja-JP" dirty="0" smtClean="0"/>
+            <a:endParaRPr lang="en-US" altLang="ja-JP" sz="1800" dirty="0"/>
+          </a:p>
+          <a:p>
+            <a:endParaRPr lang="en-US" altLang="ja-JP" sz="2000" dirty="0"/>
+          </a:p>
+          <a:p>
+            <a:endParaRPr lang="en-US" altLang="ja-JP" dirty="0"/>
           </a:p>
           <a:p>
             <a:endParaRPr lang="en-US" altLang="ja-JP" dirty="0"/>
@@ -16658,14 +17447,14 @@
               <p:nvPr>
                 <p:extLst>
                   <p:ext uri="{D42A27DB-BD31-4B8C-83A1-F6EECF244321}">
-                    <p14:modId xmlns:p14="http://schemas.microsoft.com/office/powerpoint/2010/main" val="1247849726"/>
+                    <p14:modId xmlns:p14="http://schemas.microsoft.com/office/powerpoint/2010/main" val="2422998442"/>
                   </p:ext>
                 </p:extLst>
               </p:nvPr>
             </p:nvGraphicFramePr>
             <p:xfrm>
               <a:off x="251520" y="3094404"/>
-              <a:ext cx="4464496" cy="2961968"/>
+              <a:ext cx="4464496" cy="3520048"/>
             </p:xfrm>
             <a:graphic>
               <a:graphicData uri="http://schemas.openxmlformats.org/drawingml/2006/table">
@@ -16689,17 +17478,16 @@
                       </a:extLst>
                     </a:gridCol>
                   </a:tblGrid>
-                  <a:tr h="622538">
+                  <a:tr h="608872">
                     <a:tc>
                       <a:txBody>
                         <a:bodyPr/>
                         <a:lstStyle/>
                         <a:p>
                           <a:r>
-                            <a:rPr kumimoji="1" lang="ja-JP" altLang="en-US" b="0" dirty="0" smtClean="0"/>
+                            <a:rPr kumimoji="1" lang="ja-JP" altLang="en-US" b="0" dirty="0"/>
                             <a:t>主音声</a:t>
                           </a:r>
-                          <a:endParaRPr kumimoji="1" lang="ja-JP" altLang="en-US" b="0" dirty="0"/>
                         </a:p>
                       </a:txBody>
                       <a:tcPr/>
@@ -16710,23 +17498,23 @@
                         <a:lstStyle/>
                         <a:p>
                           <a:r>
-                            <a:rPr kumimoji="1" lang="en-US" altLang="ja-JP" b="0" dirty="0" smtClean="0"/>
+                            <a:rPr kumimoji="1" lang="en-US" altLang="ja-JP" b="0" dirty="0"/>
                             <a:t>VCTK</a:t>
                           </a:r>
                           <a:r>
-                            <a:rPr kumimoji="1" lang="ja-JP" altLang="en-US" b="0" baseline="0" dirty="0" smtClean="0"/>
+                            <a:rPr kumimoji="1" lang="ja-JP" altLang="en-US" b="0" baseline="0" dirty="0"/>
                             <a:t> </a:t>
                           </a:r>
                           <a:r>
-                            <a:rPr kumimoji="1" lang="en-US" altLang="ja-JP" b="0" baseline="0" dirty="0" smtClean="0"/>
+                            <a:rPr kumimoji="1" lang="en-US" altLang="ja-JP" b="0" baseline="0" dirty="0"/>
                             <a:t>corpus </a:t>
                           </a:r>
                           <a:r>
-                            <a:rPr kumimoji="1" lang="en-US" altLang="ja-JP" sz="1600" b="0" dirty="0" smtClean="0"/>
+                            <a:rPr kumimoji="1" lang="en-US" altLang="ja-JP" sz="1600" b="0" dirty="0"/>
                             <a:t>[</a:t>
                           </a:r>
                           <a:r>
-                            <a:rPr kumimoji="1" lang="en-US" altLang="ja-JP" sz="1600" b="0" i="0" kern="1200" dirty="0" smtClean="0">
+                            <a:rPr kumimoji="1" lang="en-US" altLang="ja-JP" sz="1600" b="0" i="0" kern="1200" dirty="0">
                               <a:solidFill>
                                 <a:schemeClr val="dk1"/>
                               </a:solidFill>
@@ -16738,16 +17526,15 @@
                             <a:t>Veaux17</a:t>
                           </a:r>
                           <a:r>
-                            <a:rPr kumimoji="1" lang="en-US" altLang="ja-JP" sz="1600" b="0" dirty="0" smtClean="0"/>
+                            <a:rPr kumimoji="1" lang="en-US" altLang="ja-JP" sz="1600" b="0" dirty="0"/>
                             <a:t>]</a:t>
                           </a:r>
                         </a:p>
                         <a:p>
                           <a:r>
-                            <a:rPr kumimoji="1" lang="ja-JP" altLang="en-US" b="0" dirty="0" smtClean="0"/>
+                            <a:rPr kumimoji="1" lang="ja-JP" altLang="en-US" b="0" dirty="0"/>
                             <a:t>の女性話者</a:t>
                           </a:r>
-                          <a:endParaRPr kumimoji="1" lang="ja-JP" altLang="en-US" b="0" dirty="0"/>
                         </a:p>
                       </a:txBody>
                       <a:tcPr/>
@@ -16758,17 +17545,16 @@
                       </a:ext>
                     </a:extLst>
                   </a:tr>
-                  <a:tr h="622538">
+                  <a:tr h="608872">
                     <a:tc>
                       <a:txBody>
                         <a:bodyPr/>
                         <a:lstStyle/>
                         <a:p>
                           <a:r>
-                            <a:rPr kumimoji="1" lang="ja-JP" altLang="en-US" dirty="0" smtClean="0"/>
+                            <a:rPr kumimoji="1" lang="ja-JP" altLang="en-US" dirty="0"/>
                             <a:t>雑音</a:t>
                           </a:r>
-                          <a:endParaRPr kumimoji="1" lang="ja-JP" altLang="en-US" dirty="0"/>
                         </a:p>
                       </a:txBody>
                       <a:tcPr/>
@@ -16796,23 +17582,23 @@
                             <a:defRPr/>
                           </a:pPr>
                           <a:r>
-                            <a:rPr kumimoji="1" lang="en-US" altLang="ja-JP" dirty="0" smtClean="0"/>
+                            <a:rPr kumimoji="1" lang="en-US" altLang="ja-JP" dirty="0"/>
                             <a:t>VCTK</a:t>
                           </a:r>
                           <a:r>
-                            <a:rPr kumimoji="1" lang="ja-JP" altLang="en-US" baseline="0" dirty="0" smtClean="0"/>
+                            <a:rPr kumimoji="1" lang="ja-JP" altLang="en-US" baseline="0" dirty="0"/>
                             <a:t> </a:t>
                           </a:r>
                           <a:r>
-                            <a:rPr kumimoji="1" lang="en-US" altLang="ja-JP" baseline="0" dirty="0" smtClean="0"/>
+                            <a:rPr kumimoji="1" lang="en-US" altLang="ja-JP" baseline="0" dirty="0"/>
                             <a:t>corpus </a:t>
                           </a:r>
                           <a:r>
-                            <a:rPr kumimoji="1" lang="en-US" altLang="ja-JP" sz="1600" b="0" dirty="0" smtClean="0"/>
+                            <a:rPr kumimoji="1" lang="en-US" altLang="ja-JP" sz="1600" b="0" dirty="0"/>
                             <a:t>[</a:t>
                           </a:r>
                           <a:r>
-                            <a:rPr kumimoji="1" lang="en-US" altLang="ja-JP" sz="1600" b="0" i="0" kern="1200" dirty="0" smtClean="0">
+                            <a:rPr kumimoji="1" lang="en-US" altLang="ja-JP" sz="1600" b="0" i="0" kern="1200" dirty="0">
                               <a:solidFill>
                                 <a:schemeClr val="dk1"/>
                               </a:solidFill>
@@ -16824,17 +17610,16 @@
                             <a:t>Veaux17</a:t>
                           </a:r>
                           <a:r>
-                            <a:rPr kumimoji="1" lang="en-US" altLang="ja-JP" sz="1600" b="0" dirty="0" smtClean="0"/>
+                            <a:rPr kumimoji="1" lang="en-US" altLang="ja-JP" sz="1600" b="0" dirty="0"/>
                             <a:t>]</a:t>
                           </a:r>
-                          <a:endParaRPr kumimoji="1" lang="en-US" altLang="ja-JP" sz="1600" dirty="0" smtClean="0"/>
+                          <a:endParaRPr kumimoji="1" lang="en-US" altLang="ja-JP" sz="1600" dirty="0"/>
                         </a:p>
                         <a:p>
                           <a:r>
-                            <a:rPr kumimoji="1" lang="ja-JP" altLang="en-US" dirty="0" smtClean="0"/>
+                            <a:rPr kumimoji="1" lang="ja-JP" altLang="en-US" dirty="0"/>
                             <a:t>の男性話者</a:t>
                           </a:r>
-                          <a:endParaRPr kumimoji="1" lang="ja-JP" altLang="en-US" dirty="0"/>
                         </a:p>
                       </a:txBody>
                       <a:tcPr/>
@@ -16845,14 +17630,49 @@
                       </a:ext>
                     </a:extLst>
                   </a:tr>
-                  <a:tr h="420452">
+                  <a:tr h="608872">
                     <a:tc>
                       <a:txBody>
                         <a:bodyPr/>
                         <a:lstStyle/>
                         <a:p>
                           <a:r>
-                            <a:rPr kumimoji="1" lang="ja-JP" altLang="en-US" dirty="0" smtClean="0"/>
+                            <a:rPr kumimoji="1" lang="ja-JP" altLang="en-US"/>
+                            <a:t>サンプリングレート</a:t>
+                          </a:r>
+                          <a:endParaRPr kumimoji="1" lang="ja-JP" altLang="en-US" dirty="0"/>
+                        </a:p>
+                      </a:txBody>
+                      <a:tcPr/>
+                    </a:tc>
+                    <a:tc>
+                      <a:txBody>
+                        <a:bodyPr/>
+                        <a:lstStyle/>
+                        <a:p>
+                          <a:r>
+                            <a:rPr kumimoji="1" lang="en-US" altLang="ja-JP" dirty="0"/>
+                            <a:t>16 kHz</a:t>
+                          </a:r>
+                          <a:endParaRPr kumimoji="1" lang="ja-JP" altLang="en-US" dirty="0"/>
+                        </a:p>
+                      </a:txBody>
+                      <a:tcPr/>
+                    </a:tc>
+                    <a:extLst>
+                      <a:ext uri="{0D108BD9-81ED-4DB2-BD59-A6C34878D82A}">
+                        <a16:rowId xmlns:a16="http://schemas.microsoft.com/office/drawing/2014/main" val="81235009"/>
+                      </a:ext>
+                    </a:extLst>
+                  </a:tr>
+                  <a:tr h="399952">
+                    <a:tc>
+                      <a:txBody>
+                        <a:bodyPr/>
+                        <a:lstStyle/>
+                        <a:p>
+                          <a:r>
+                            <a:rPr kumimoji="1" lang="ja-JP" altLang="en-US" dirty="0"/>
                             <a:t>壁面吸収率</a:t>
                           </a:r>
                           <a14:m>
@@ -16882,7 +17702,7 @@
                         <a:lstStyle/>
                         <a:p>
                           <a:r>
-                            <a:rPr kumimoji="1" lang="en-US" altLang="ja-JP" dirty="0" smtClean="0"/>
+                            <a:rPr kumimoji="1" lang="en-US" altLang="ja-JP" dirty="0"/>
                             <a:t>0.3, 0.7, 1.0</a:t>
                           </a:r>
                           <a:endParaRPr kumimoji="1" lang="ja-JP" altLang="en-US" dirty="0"/>
@@ -16896,21 +17716,20 @@
                       </a:ext>
                     </a:extLst>
                   </a:tr>
-                  <a:tr h="420452">
+                  <a:tr h="399952">
                     <a:tc>
                       <a:txBody>
                         <a:bodyPr/>
                         <a:lstStyle/>
                         <a:p>
                           <a:r>
-                            <a:rPr kumimoji="1" lang="en-US" altLang="ja-JP" dirty="0" smtClean="0"/>
+                            <a:rPr kumimoji="1" lang="en-US" altLang="ja-JP" dirty="0"/>
                             <a:t>BM</a:t>
                           </a:r>
                           <a:r>
-                            <a:rPr kumimoji="1" lang="ja-JP" altLang="en-US" dirty="0" smtClean="0"/>
+                            <a:rPr kumimoji="1" lang="ja-JP" altLang="en-US" dirty="0"/>
                             <a:t>のタップ長</a:t>
                           </a:r>
-                          <a:endParaRPr kumimoji="1" lang="ja-JP" altLang="en-US" dirty="0"/>
                         </a:p>
                       </a:txBody>
                       <a:tcPr/>
@@ -16921,7 +17740,7 @@
                         <a:lstStyle/>
                         <a:p>
                           <a:r>
-                            <a:rPr kumimoji="1" lang="en-US" altLang="ja-JP" dirty="0" smtClean="0"/>
+                            <a:rPr kumimoji="1" lang="en-US" altLang="ja-JP" dirty="0"/>
                             <a:t>4 ms</a:t>
                           </a:r>
                           <a:endParaRPr kumimoji="1" lang="ja-JP" altLang="en-US" dirty="0"/>
@@ -16935,21 +17754,20 @@
                       </a:ext>
                     </a:extLst>
                   </a:tr>
-                  <a:tr h="420452">
+                  <a:tr h="399952">
                     <a:tc>
                       <a:txBody>
                         <a:bodyPr/>
                         <a:lstStyle/>
                         <a:p>
                           <a:r>
-                            <a:rPr kumimoji="1" lang="en-US" altLang="ja-JP" dirty="0" smtClean="0"/>
+                            <a:rPr kumimoji="1" lang="en-US" altLang="ja-JP" dirty="0"/>
                             <a:t>MIC</a:t>
                           </a:r>
                           <a:r>
-                            <a:rPr kumimoji="1" lang="ja-JP" altLang="en-US" dirty="0" smtClean="0"/>
+                            <a:rPr kumimoji="1" lang="ja-JP" altLang="en-US" dirty="0"/>
                             <a:t>のタップ長</a:t>
                           </a:r>
-                          <a:endParaRPr kumimoji="1" lang="ja-JP" altLang="en-US" dirty="0"/>
                         </a:p>
                       </a:txBody>
                       <a:tcPr/>
@@ -16960,7 +17778,7 @@
                         <a:lstStyle/>
                         <a:p>
                           <a:r>
-                            <a:rPr kumimoji="1" lang="en-US" altLang="ja-JP" dirty="0" smtClean="0"/>
+                            <a:rPr kumimoji="1" lang="en-US" altLang="ja-JP" dirty="0"/>
                             <a:t>2 ms</a:t>
                           </a:r>
                           <a:endParaRPr kumimoji="1" lang="ja-JP" altLang="en-US" dirty="0"/>
@@ -16974,17 +17792,16 @@
                       </a:ext>
                     </a:extLst>
                   </a:tr>
-                  <a:tr h="420452">
+                  <a:tr h="399952">
                     <a:tc>
                       <a:txBody>
                         <a:bodyPr/>
                         <a:lstStyle/>
                         <a:p>
                           <a:r>
-                            <a:rPr kumimoji="1" lang="ja-JP" altLang="en-US" dirty="0" smtClean="0"/>
+                            <a:rPr kumimoji="1" lang="ja-JP" altLang="en-US" dirty="0"/>
                             <a:t>提案法の段数</a:t>
                           </a:r>
-                          <a:endParaRPr kumimoji="1" lang="ja-JP" altLang="en-US" dirty="0"/>
                         </a:p>
                       </a:txBody>
                       <a:tcPr/>
@@ -16995,14 +17812,13 @@
                         <a:lstStyle/>
                         <a:p>
                           <a:r>
-                            <a:rPr kumimoji="1" lang="en-US" altLang="ja-JP" dirty="0" smtClean="0"/>
+                            <a:rPr kumimoji="1" lang="en-US" altLang="ja-JP" dirty="0"/>
                             <a:t>2 </a:t>
                           </a:r>
                           <a:r>
-                            <a:rPr kumimoji="1" lang="ja-JP" altLang="en-US" dirty="0" smtClean="0"/>
+                            <a:rPr kumimoji="1" lang="ja-JP" altLang="en-US" dirty="0"/>
                             <a:t>段</a:t>
                           </a:r>
-                          <a:endParaRPr kumimoji="1" lang="ja-JP" altLang="en-US" dirty="0"/>
                         </a:p>
                       </a:txBody>
                       <a:tcPr/>
@@ -17028,14 +17844,14 @@
               <p:nvPr>
                 <p:extLst>
                   <p:ext uri="{D42A27DB-BD31-4B8C-83A1-F6EECF244321}">
-                    <p14:modId xmlns:p14="http://schemas.microsoft.com/office/powerpoint/2010/main" val="1247849726"/>
+                    <p14:modId xmlns:p14="http://schemas.microsoft.com/office/powerpoint/2010/main" val="2422998442"/>
                   </p:ext>
                 </p:extLst>
               </p:nvPr>
             </p:nvGraphicFramePr>
             <p:xfrm>
               <a:off x="251520" y="3094404"/>
-              <a:ext cx="4464496" cy="2961968"/>
+              <a:ext cx="4464496" cy="3520048"/>
             </p:xfrm>
             <a:graphic>
               <a:graphicData uri="http://schemas.openxmlformats.org/drawingml/2006/table">
@@ -17066,10 +17882,9 @@
                         <a:lstStyle/>
                         <a:p>
                           <a:r>
-                            <a:rPr kumimoji="1" lang="ja-JP" altLang="en-US" b="0" dirty="0" smtClean="0"/>
+                            <a:rPr kumimoji="1" lang="ja-JP" altLang="en-US" b="0" dirty="0"/>
                             <a:t>主音声</a:t>
                           </a:r>
-                          <a:endParaRPr kumimoji="1" lang="ja-JP" altLang="en-US" b="0" dirty="0"/>
                         </a:p>
                       </a:txBody>
                       <a:tcPr/>
@@ -17080,23 +17895,23 @@
                         <a:lstStyle/>
                         <a:p>
                           <a:r>
-                            <a:rPr kumimoji="1" lang="en-US" altLang="ja-JP" b="0" dirty="0" smtClean="0"/>
+                            <a:rPr kumimoji="1" lang="en-US" altLang="ja-JP" b="0" dirty="0"/>
                             <a:t>VCTK</a:t>
                           </a:r>
                           <a:r>
-                            <a:rPr kumimoji="1" lang="ja-JP" altLang="en-US" b="0" baseline="0" dirty="0" smtClean="0"/>
+                            <a:rPr kumimoji="1" lang="ja-JP" altLang="en-US" b="0" baseline="0" dirty="0"/>
                             <a:t> </a:t>
                           </a:r>
                           <a:r>
-                            <a:rPr kumimoji="1" lang="en-US" altLang="ja-JP" b="0" baseline="0" dirty="0" smtClean="0"/>
+                            <a:rPr kumimoji="1" lang="en-US" altLang="ja-JP" b="0" baseline="0" dirty="0"/>
                             <a:t>corpus </a:t>
                           </a:r>
                           <a:r>
-                            <a:rPr kumimoji="1" lang="en-US" altLang="ja-JP" sz="1600" b="0" dirty="0" smtClean="0"/>
+                            <a:rPr kumimoji="1" lang="en-US" altLang="ja-JP" sz="1600" b="0" dirty="0"/>
                             <a:t>[</a:t>
                           </a:r>
                           <a:r>
-                            <a:rPr kumimoji="1" lang="en-US" altLang="ja-JP" sz="1600" b="0" i="0" kern="1200" dirty="0" smtClean="0">
+                            <a:rPr kumimoji="1" lang="en-US" altLang="ja-JP" sz="1600" b="0" i="0" kern="1200" dirty="0">
                               <a:solidFill>
                                 <a:schemeClr val="dk1"/>
                               </a:solidFill>
@@ -17108,16 +17923,15 @@
                             <a:t>Veaux17</a:t>
                           </a:r>
                           <a:r>
-                            <a:rPr kumimoji="1" lang="en-US" altLang="ja-JP" sz="1600" b="0" dirty="0" smtClean="0"/>
+                            <a:rPr kumimoji="1" lang="en-US" altLang="ja-JP" sz="1600" b="0" dirty="0"/>
                             <a:t>]</a:t>
                           </a:r>
                         </a:p>
                         <a:p>
                           <a:r>
-                            <a:rPr kumimoji="1" lang="ja-JP" altLang="en-US" b="0" dirty="0" smtClean="0"/>
+                            <a:rPr kumimoji="1" lang="ja-JP" altLang="en-US" b="0" dirty="0"/>
                             <a:t>の女性話者</a:t>
                           </a:r>
-                          <a:endParaRPr kumimoji="1" lang="ja-JP" altLang="en-US" b="0" dirty="0"/>
                         </a:p>
                       </a:txBody>
                       <a:tcPr/>
@@ -17135,10 +17949,9 @@
                         <a:lstStyle/>
                         <a:p>
                           <a:r>
-                            <a:rPr kumimoji="1" lang="ja-JP" altLang="en-US" dirty="0" smtClean="0"/>
+                            <a:rPr kumimoji="1" lang="ja-JP" altLang="en-US" dirty="0"/>
                             <a:t>雑音</a:t>
                           </a:r>
-                          <a:endParaRPr kumimoji="1" lang="ja-JP" altLang="en-US" dirty="0"/>
                         </a:p>
                       </a:txBody>
                       <a:tcPr/>
@@ -17166,23 +17979,23 @@
                             <a:defRPr/>
                           </a:pPr>
                           <a:r>
-                            <a:rPr kumimoji="1" lang="en-US" altLang="ja-JP" dirty="0" smtClean="0"/>
+                            <a:rPr kumimoji="1" lang="en-US" altLang="ja-JP" dirty="0"/>
                             <a:t>VCTK</a:t>
                           </a:r>
                           <a:r>
-                            <a:rPr kumimoji="1" lang="ja-JP" altLang="en-US" baseline="0" dirty="0" smtClean="0"/>
+                            <a:rPr kumimoji="1" lang="ja-JP" altLang="en-US" baseline="0" dirty="0"/>
                             <a:t> </a:t>
                           </a:r>
                           <a:r>
-                            <a:rPr kumimoji="1" lang="en-US" altLang="ja-JP" baseline="0" dirty="0" smtClean="0"/>
+                            <a:rPr kumimoji="1" lang="en-US" altLang="ja-JP" baseline="0" dirty="0"/>
                             <a:t>corpus </a:t>
                           </a:r>
                           <a:r>
-                            <a:rPr kumimoji="1" lang="en-US" altLang="ja-JP" sz="1600" b="0" dirty="0" smtClean="0"/>
+                            <a:rPr kumimoji="1" lang="en-US" altLang="ja-JP" sz="1600" b="0" dirty="0"/>
                             <a:t>[</a:t>
                           </a:r>
                           <a:r>
-                            <a:rPr kumimoji="1" lang="en-US" altLang="ja-JP" sz="1600" b="0" i="0" kern="1200" dirty="0" smtClean="0">
+                            <a:rPr kumimoji="1" lang="en-US" altLang="ja-JP" sz="1600" b="0" i="0" kern="1200" dirty="0">
                               <a:solidFill>
                                 <a:schemeClr val="dk1"/>
                               </a:solidFill>
@@ -17194,17 +18007,16 @@
                             <a:t>Veaux17</a:t>
                           </a:r>
                           <a:r>
-                            <a:rPr kumimoji="1" lang="en-US" altLang="ja-JP" sz="1600" b="0" dirty="0" smtClean="0"/>
+                            <a:rPr kumimoji="1" lang="en-US" altLang="ja-JP" sz="1600" b="0" dirty="0"/>
                             <a:t>]</a:t>
                           </a:r>
-                          <a:endParaRPr kumimoji="1" lang="en-US" altLang="ja-JP" sz="1600" dirty="0" smtClean="0"/>
+                          <a:endParaRPr kumimoji="1" lang="en-US" altLang="ja-JP" sz="1600" dirty="0"/>
                         </a:p>
                         <a:p>
                           <a:r>
-                            <a:rPr kumimoji="1" lang="ja-JP" altLang="en-US" dirty="0" smtClean="0"/>
+                            <a:rPr kumimoji="1" lang="ja-JP" altLang="en-US" dirty="0"/>
                             <a:t>の男性話者</a:t>
                           </a:r>
-                          <a:endParaRPr kumimoji="1" lang="ja-JP" altLang="en-US" dirty="0"/>
                         </a:p>
                       </a:txBody>
                       <a:tcPr/>
@@ -17215,7 +18027,42 @@
                       </a:ext>
                     </a:extLst>
                   </a:tr>
-                  <a:tr h="420452">
+                  <a:tr h="640080">
+                    <a:tc>
+                      <a:txBody>
+                        <a:bodyPr/>
+                        <a:lstStyle/>
+                        <a:p>
+                          <a:r>
+                            <a:rPr kumimoji="1" lang="ja-JP" altLang="en-US"/>
+                            <a:t>サンプリングレート</a:t>
+                          </a:r>
+                          <a:endParaRPr kumimoji="1" lang="ja-JP" altLang="en-US" dirty="0"/>
+                        </a:p>
+                      </a:txBody>
+                      <a:tcPr/>
+                    </a:tc>
+                    <a:tc>
+                      <a:txBody>
+                        <a:bodyPr/>
+                        <a:lstStyle/>
+                        <a:p>
+                          <a:r>
+                            <a:rPr kumimoji="1" lang="en-US" altLang="ja-JP" dirty="0"/>
+                            <a:t>16 kHz</a:t>
+                          </a:r>
+                          <a:endParaRPr kumimoji="1" lang="ja-JP" altLang="en-US" dirty="0"/>
+                        </a:p>
+                      </a:txBody>
+                      <a:tcPr/>
+                    </a:tc>
+                    <a:extLst>
+                      <a:ext uri="{0D108BD9-81ED-4DB2-BD59-A6C34878D82A}">
+                        <a16:rowId xmlns:a16="http://schemas.microsoft.com/office/drawing/2014/main" val="81235009"/>
+                      </a:ext>
+                    </a:extLst>
+                  </a:tr>
+                  <a:tr h="399952">
                     <a:tc>
                       <a:txBody>
                         <a:bodyPr/>
@@ -17228,7 +18075,7 @@
                         <a:blipFill>
                           <a:blip r:embed="rId12"/>
                           <a:stretch>
-                            <a:fillRect l="-325" t="-307143" r="-138636" b="-305714"/>
+                            <a:fillRect t="-496774" r="-138514" b="-322581"/>
                           </a:stretch>
                         </a:blipFill>
                       </a:tcPr>
@@ -17239,7 +18086,7 @@
                         <a:lstStyle/>
                         <a:p>
                           <a:r>
-                            <a:rPr kumimoji="1" lang="en-US" altLang="ja-JP" dirty="0" smtClean="0"/>
+                            <a:rPr kumimoji="1" lang="en-US" altLang="ja-JP" dirty="0"/>
                             <a:t>0.3, 0.7, 1.0</a:t>
                           </a:r>
                           <a:endParaRPr kumimoji="1" lang="ja-JP" altLang="en-US" dirty="0"/>
@@ -17253,21 +18100,20 @@
                       </a:ext>
                     </a:extLst>
                   </a:tr>
-                  <a:tr h="420452">
+                  <a:tr h="399952">
                     <a:tc>
                       <a:txBody>
                         <a:bodyPr/>
                         <a:lstStyle/>
                         <a:p>
                           <a:r>
-                            <a:rPr kumimoji="1" lang="en-US" altLang="ja-JP" dirty="0" smtClean="0"/>
+                            <a:rPr kumimoji="1" lang="en-US" altLang="ja-JP" dirty="0"/>
                             <a:t>BM</a:t>
                           </a:r>
                           <a:r>
-                            <a:rPr kumimoji="1" lang="ja-JP" altLang="en-US" dirty="0" smtClean="0"/>
+                            <a:rPr kumimoji="1" lang="ja-JP" altLang="en-US" dirty="0"/>
                             <a:t>のタップ長</a:t>
                           </a:r>
-                          <a:endParaRPr kumimoji="1" lang="ja-JP" altLang="en-US" dirty="0"/>
                         </a:p>
                       </a:txBody>
                       <a:tcPr/>
@@ -17278,7 +18124,7 @@
                         <a:lstStyle/>
                         <a:p>
                           <a:r>
-                            <a:rPr kumimoji="1" lang="en-US" altLang="ja-JP" dirty="0" smtClean="0"/>
+                            <a:rPr kumimoji="1" lang="en-US" altLang="ja-JP" dirty="0"/>
                             <a:t>4 ms</a:t>
                           </a:r>
                           <a:endParaRPr kumimoji="1" lang="ja-JP" altLang="en-US" dirty="0"/>
@@ -17292,21 +18138,20 @@
                       </a:ext>
                     </a:extLst>
                   </a:tr>
-                  <a:tr h="420452">
+                  <a:tr h="399952">
                     <a:tc>
                       <a:txBody>
                         <a:bodyPr/>
                         <a:lstStyle/>
                         <a:p>
                           <a:r>
-                            <a:rPr kumimoji="1" lang="en-US" altLang="ja-JP" dirty="0" smtClean="0"/>
+                            <a:rPr kumimoji="1" lang="en-US" altLang="ja-JP" dirty="0"/>
                             <a:t>MIC</a:t>
                           </a:r>
                           <a:r>
-                            <a:rPr kumimoji="1" lang="ja-JP" altLang="en-US" dirty="0" smtClean="0"/>
+                            <a:rPr kumimoji="1" lang="ja-JP" altLang="en-US" dirty="0"/>
                             <a:t>のタップ長</a:t>
                           </a:r>
-                          <a:endParaRPr kumimoji="1" lang="ja-JP" altLang="en-US" dirty="0"/>
                         </a:p>
                       </a:txBody>
                       <a:tcPr/>
@@ -17317,7 +18162,7 @@
                         <a:lstStyle/>
                         <a:p>
                           <a:r>
-                            <a:rPr kumimoji="1" lang="en-US" altLang="ja-JP" dirty="0" smtClean="0"/>
+                            <a:rPr kumimoji="1" lang="en-US" altLang="ja-JP" dirty="0"/>
                             <a:t>2 ms</a:t>
                           </a:r>
                           <a:endParaRPr kumimoji="1" lang="ja-JP" altLang="en-US" dirty="0"/>
@@ -17331,17 +18176,16 @@
                       </a:ext>
                     </a:extLst>
                   </a:tr>
-                  <a:tr h="420452">
+                  <a:tr h="399952">
                     <a:tc>
                       <a:txBody>
                         <a:bodyPr/>
                         <a:lstStyle/>
                         <a:p>
                           <a:r>
-                            <a:rPr kumimoji="1" lang="ja-JP" altLang="en-US" dirty="0" smtClean="0"/>
+                            <a:rPr kumimoji="1" lang="ja-JP" altLang="en-US" dirty="0"/>
                             <a:t>提案法の段数</a:t>
                           </a:r>
-                          <a:endParaRPr kumimoji="1" lang="ja-JP" altLang="en-US" dirty="0"/>
                         </a:p>
                       </a:txBody>
                       <a:tcPr/>
@@ -17352,14 +18196,13 @@
                         <a:lstStyle/>
                         <a:p>
                           <a:r>
-                            <a:rPr kumimoji="1" lang="en-US" altLang="ja-JP" dirty="0" smtClean="0"/>
+                            <a:rPr kumimoji="1" lang="en-US" altLang="ja-JP" dirty="0"/>
                             <a:t>2 </a:t>
                           </a:r>
                           <a:r>
-                            <a:rPr kumimoji="1" lang="ja-JP" altLang="en-US" dirty="0" smtClean="0"/>
+                            <a:rPr kumimoji="1" lang="ja-JP" altLang="en-US" dirty="0"/>
                             <a:t>段</a:t>
                           </a:r>
-                          <a:endParaRPr kumimoji="1" lang="ja-JP" altLang="en-US" dirty="0"/>
                         </a:p>
                       </a:txBody>
                       <a:tcPr/>
@@ -17399,7 +18242,7 @@
           <a:lstStyle/>
           <a:p>
             <a:r>
-              <a:rPr kumimoji="1" lang="ja-JP" altLang="en-US" sz="2000" b="1" dirty="0" smtClean="0">
+              <a:rPr kumimoji="1" lang="ja-JP" altLang="en-US" sz="2000" b="1" dirty="0">
                 <a:solidFill>
                   <a:schemeClr val="tx1">
                     <a:lumMod val="75000"/>
@@ -17411,16 +18254,6 @@
               </a:rPr>
               <a:t>実験条件</a:t>
             </a:r>
-            <a:endParaRPr kumimoji="1" lang="ja-JP" altLang="en-US" sz="2000" b="1" dirty="0" smtClean="0">
-              <a:solidFill>
-                <a:schemeClr val="tx1">
-                  <a:lumMod val="75000"/>
-                  <a:lumOff val="25000"/>
-                </a:schemeClr>
-              </a:solidFill>
-              <a:latin typeface="+mj-lt"/>
-              <a:ea typeface="+mj-ea"/>
-            </a:endParaRPr>
           </a:p>
         </p:txBody>
       </p:sp>
@@ -17803,7 +18636,7 @@
           <p:nvPr/>
         </p:nvPicPr>
         <p:blipFill>
-          <a:blip r:embed="rId10">
+          <a:blip r:embed="rId11">
             <a:extLst>
               <a:ext uri="{28A0092B-C50C-407E-A947-70E740481C1C}">
                 <a14:useLocalDpi xmlns:a14="http://schemas.microsoft.com/office/drawing/2010/main" val="0"/>
@@ -17824,8 +18657,8 @@
           </a:prstGeom>
         </p:spPr>
       </p:pic>
-      <mc:AlternateContent xmlns:mc="http://schemas.openxmlformats.org/markup-compatibility/2006">
-        <mc:Choice xmlns:a14="http://schemas.microsoft.com/office/drawing/2010/main" Requires="a14">
+      <mc:AlternateContent xmlns:mc="http://schemas.openxmlformats.org/markup-compatibility/2006" xmlns:a14="http://schemas.microsoft.com/office/drawing/2010/main">
+        <mc:Choice Requires="a14">
           <p:sp>
             <p:nvSpPr>
               <p:cNvPr id="2" name="タイトル 1"/>
@@ -17844,19 +18677,19 @@
               <a:lstStyle/>
               <a:p>
                 <a:r>
-                  <a:rPr kumimoji="1" lang="ja-JP" altLang="en-US" dirty="0" smtClean="0"/>
+                  <a:rPr kumimoji="1" lang="ja-JP" altLang="en-US" dirty="0"/>
                   <a:t>実験結果</a:t>
                 </a:r>
                 <a:r>
-                  <a:rPr kumimoji="1" lang="en-US" altLang="ja-JP" dirty="0" smtClean="0"/>
+                  <a:rPr kumimoji="1" lang="en-US" altLang="ja-JP" dirty="0"/>
                   <a:t>: </a:t>
                 </a:r>
                 <a:r>
-                  <a:rPr kumimoji="1" lang="ja-JP" altLang="en-US" dirty="0" smtClean="0"/>
+                  <a:rPr kumimoji="1" lang="ja-JP" altLang="en-US" dirty="0"/>
                   <a:t>強調音声の比較 </a:t>
                 </a:r>
                 <a:r>
-                  <a:rPr kumimoji="1" lang="en-US" altLang="ja-JP" dirty="0" smtClean="0"/>
+                  <a:rPr kumimoji="1" lang="en-US" altLang="ja-JP" dirty="0"/>
                   <a:t>(</a:t>
                 </a:r>
                 <a14:m>
@@ -17894,7 +18727,7 @@
                   </m:oMath>
                 </a14:m>
                 <a:r>
-                  <a:rPr kumimoji="1" lang="en-US" altLang="ja-JP" dirty="0" smtClean="0"/>
+                  <a:rPr kumimoji="1" lang="en-US" altLang="ja-JP" dirty="0"/>
                   <a:t>)</a:t>
                 </a:r>
                 <a:endParaRPr kumimoji="1" lang="ja-JP" altLang="en-US" dirty="0"/>
@@ -17902,7 +18735,7 @@
             </p:txBody>
           </p:sp>
         </mc:Choice>
-        <mc:Fallback>
+        <mc:Fallback xmlns="">
           <p:sp>
             <p:nvSpPr>
               <p:cNvPr id="2" name="タイトル 1"/>
@@ -17915,7 +18748,7 @@
             </p:nvSpPr>
             <p:spPr>
               <a:blipFill>
-                <a:blip r:embed="rId11"/>
+                <a:blip r:embed="rId12"/>
                 <a:stretch>
                   <a:fillRect t="-1587" b="-10317"/>
                 </a:stretch>
@@ -17988,7 +18821,7 @@
           <a:lstStyle/>
           <a:p>
             <a:r>
-              <a:rPr kumimoji="1" lang="ja-JP" altLang="en-US" sz="2800" b="1" dirty="0" smtClean="0">
+              <a:rPr kumimoji="1" lang="ja-JP" altLang="en-US" sz="2800" b="1" dirty="0">
                 <a:solidFill>
                   <a:schemeClr val="tx1">
                     <a:lumMod val="75000"/>
@@ -18000,16 +18833,6 @@
               </a:rPr>
               <a:t>主音声</a:t>
             </a:r>
-            <a:endParaRPr kumimoji="1" lang="ja-JP" altLang="en-US" sz="2800" b="1" dirty="0" smtClean="0">
-              <a:solidFill>
-                <a:schemeClr val="tx1">
-                  <a:lumMod val="75000"/>
-                  <a:lumOff val="25000"/>
-                </a:schemeClr>
-              </a:solidFill>
-              <a:latin typeface="+mj-lt"/>
-              <a:ea typeface="+mj-ea"/>
-            </a:endParaRPr>
           </a:p>
         </p:txBody>
       </p:sp>
@@ -18036,16 +18859,6 @@
           <a:lstStyle/>
           <a:p>
             <a:r>
-              <a:rPr lang="ja-JP" altLang="en-US" sz="2800" b="1" dirty="0" smtClean="0">
-                <a:solidFill>
-                  <a:srgbClr val="0070C0"/>
-                </a:solidFill>
-                <a:latin typeface="+mj-lt"/>
-                <a:ea typeface="+mj-ea"/>
-              </a:rPr>
-              <a:t>提案</a:t>
-            </a:r>
-            <a:r>
               <a:rPr lang="ja-JP" altLang="en-US" sz="2800" b="1" dirty="0">
                 <a:solidFill>
                   <a:srgbClr val="0070C0"/>
@@ -18053,9 +18866,9 @@
                 <a:latin typeface="+mj-lt"/>
                 <a:ea typeface="+mj-ea"/>
               </a:rPr>
-              <a:t>法</a:t>
-            </a:r>
-            <a:endParaRPr kumimoji="1" lang="ja-JP" altLang="en-US" sz="2800" b="1" dirty="0" smtClean="0">
+              <a:t>提案法</a:t>
+            </a:r>
+            <a:endParaRPr kumimoji="1" lang="ja-JP" altLang="en-US" sz="2800" b="1" dirty="0">
               <a:solidFill>
                 <a:srgbClr val="0070C0"/>
               </a:solidFill>
@@ -18088,16 +18901,6 @@
           <a:lstStyle/>
           <a:p>
             <a:r>
-              <a:rPr lang="ja-JP" altLang="en-US" sz="2800" b="1" dirty="0" smtClean="0">
-                <a:solidFill>
-                  <a:srgbClr val="FF3737"/>
-                </a:solidFill>
-                <a:latin typeface="+mj-lt"/>
-                <a:ea typeface="+mj-ea"/>
-              </a:rPr>
-              <a:t>従来</a:t>
-            </a:r>
-            <a:r>
               <a:rPr lang="ja-JP" altLang="en-US" sz="2800" b="1" dirty="0">
                 <a:solidFill>
                   <a:srgbClr val="FF3737"/>
@@ -18105,9 +18908,9 @@
                 <a:latin typeface="+mj-lt"/>
                 <a:ea typeface="+mj-ea"/>
               </a:rPr>
-              <a:t>法</a:t>
-            </a:r>
-            <a:endParaRPr kumimoji="1" lang="ja-JP" altLang="en-US" sz="2800" b="1" dirty="0" smtClean="0">
+              <a:t>従来法</a:t>
+            </a:r>
+            <a:endParaRPr kumimoji="1" lang="ja-JP" altLang="en-US" sz="2800" b="1" dirty="0">
               <a:solidFill>
                 <a:srgbClr val="FF3737"/>
               </a:solidFill>
@@ -18140,7 +18943,7 @@
           <a:lstStyle/>
           <a:p>
             <a:r>
-              <a:rPr kumimoji="1" lang="en-US" altLang="ja-JP" sz="2800" dirty="0" smtClean="0">
+              <a:rPr kumimoji="1" lang="en-US" altLang="ja-JP" sz="2800" dirty="0">
                 <a:solidFill>
                   <a:schemeClr val="tx1">
                     <a:lumMod val="75000"/>
@@ -18153,7 +18956,7 @@
               <a:t>ILRMA </a:t>
             </a:r>
             <a:r>
-              <a:rPr kumimoji="1" lang="en-US" altLang="ja-JP" sz="2000" dirty="0" smtClean="0">
+              <a:rPr kumimoji="1" lang="en-US" altLang="ja-JP" sz="2000" dirty="0">
                 <a:solidFill>
                   <a:schemeClr val="tx1">
                     <a:lumMod val="75000"/>
@@ -18168,7 +18971,7 @@
           </a:p>
           <a:p>
             <a:r>
-              <a:rPr lang="en-US" altLang="ja-JP" sz="2800" dirty="0" smtClean="0">
+              <a:rPr lang="en-US" altLang="ja-JP" sz="2800" dirty="0">
                 <a:solidFill>
                   <a:schemeClr val="tx1">
                     <a:lumMod val="75000"/>
@@ -18181,7 +18984,7 @@
               <a:t>(</a:t>
             </a:r>
             <a:r>
-              <a:rPr lang="ja-JP" altLang="en-US" sz="2800" dirty="0" smtClean="0">
+              <a:rPr lang="ja-JP" altLang="en-US" sz="2800" dirty="0">
                 <a:solidFill>
                   <a:schemeClr val="tx1">
                     <a:lumMod val="75000"/>
@@ -18194,7 +18997,7 @@
               <a:t>非線形の最新手法</a:t>
             </a:r>
             <a:r>
-              <a:rPr lang="en-US" altLang="ja-JP" sz="2800" dirty="0" smtClean="0">
+              <a:rPr lang="en-US" altLang="ja-JP" sz="2800" dirty="0">
                 <a:solidFill>
                   <a:schemeClr val="tx1">
                     <a:lumMod val="75000"/>
@@ -18206,7 +19009,7 @@
               </a:rPr>
               <a:t>)</a:t>
             </a:r>
-            <a:endParaRPr kumimoji="1" lang="ja-JP" altLang="en-US" sz="2800" dirty="0" smtClean="0">
+            <a:endParaRPr kumimoji="1" lang="ja-JP" altLang="en-US" sz="2800" dirty="0">
               <a:solidFill>
                 <a:schemeClr val="tx1">
                   <a:lumMod val="75000"/>
@@ -18356,7 +19159,7 @@
           <p:nvPr/>
         </p:nvPicPr>
         <p:blipFill>
-          <a:blip r:embed="rId12">
+          <a:blip r:embed="rId13">
             <a:extLst>
               <a:ext uri="{28A0092B-C50C-407E-A947-70E740481C1C}">
                 <a14:useLocalDpi xmlns:a14="http://schemas.microsoft.com/office/drawing/2010/main" val="0"/>
@@ -18386,7 +19189,7 @@
           <p:nvPr/>
         </p:nvPicPr>
         <p:blipFill>
-          <a:blip r:embed="rId13">
+          <a:blip r:embed="rId14">
             <a:extLst>
               <a:ext uri="{28A0092B-C50C-407E-A947-70E740481C1C}">
                 <a14:useLocalDpi xmlns:a14="http://schemas.microsoft.com/office/drawing/2010/main" val="0"/>
@@ -18425,7 +19228,7 @@
           </p:nvPr>
         </p:nvPicPr>
         <p:blipFill>
-          <a:blip r:embed="rId14"/>
+          <a:blip r:embed="rId15"/>
           <a:stretch>
             <a:fillRect/>
           </a:stretch>
@@ -18458,7 +19261,7 @@
           </p:nvPr>
         </p:nvPicPr>
         <p:blipFill>
-          <a:blip r:embed="rId14"/>
+          <a:blip r:embed="rId15"/>
           <a:stretch>
             <a:fillRect/>
           </a:stretch>
@@ -18491,7 +19294,7 @@
           </p:nvPr>
         </p:nvPicPr>
         <p:blipFill>
-          <a:blip r:embed="rId14"/>
+          <a:blip r:embed="rId15"/>
           <a:stretch>
             <a:fillRect/>
           </a:stretch>
@@ -18524,7 +19327,7 @@
           </p:nvPr>
         </p:nvPicPr>
         <p:blipFill>
-          <a:blip r:embed="rId14"/>
+          <a:blip r:embed="rId15"/>
           <a:stretch>
             <a:fillRect/>
           </a:stretch>
@@ -18887,8 +19690,8 @@
           <a:chExt cx="0" cy="0"/>
         </a:xfrm>
       </p:grpSpPr>
-      <mc:AlternateContent xmlns:mc="http://schemas.openxmlformats.org/markup-compatibility/2006">
-        <mc:Choice xmlns:a14="http://schemas.microsoft.com/office/drawing/2010/main" Requires="a14">
+      <mc:AlternateContent xmlns:mc="http://schemas.openxmlformats.org/markup-compatibility/2006" xmlns:a14="http://schemas.microsoft.com/office/drawing/2010/main">
+        <mc:Choice Requires="a14">
           <p:sp>
             <p:nvSpPr>
               <p:cNvPr id="2" name="タイトル 1"/>
@@ -18905,15 +19708,15 @@
               <a:lstStyle/>
               <a:p>
                 <a:r>
-                  <a:rPr kumimoji="1" lang="ja-JP" altLang="en-US" dirty="0" smtClean="0"/>
+                  <a:rPr kumimoji="1" lang="ja-JP" altLang="en-US" dirty="0"/>
                   <a:t>実験結果</a:t>
                 </a:r>
                 <a:r>
-                  <a:rPr kumimoji="1" lang="en-US" altLang="ja-JP" dirty="0" smtClean="0"/>
+                  <a:rPr kumimoji="1" lang="en-US" altLang="ja-JP" dirty="0"/>
                   <a:t>: BM</a:t>
                 </a:r>
                 <a:r>
-                  <a:rPr kumimoji="1" lang="ja-JP" altLang="en-US" dirty="0" smtClean="0"/>
+                  <a:rPr kumimoji="1" lang="ja-JP" altLang="en-US" dirty="0"/>
                   <a:t>出力の比較 </a:t>
                 </a:r>
                 <a:r>
@@ -18963,7 +19766,7 @@
             </p:txBody>
           </p:sp>
         </mc:Choice>
-        <mc:Fallback>
+        <mc:Fallback xmlns="">
           <p:sp>
             <p:nvSpPr>
               <p:cNvPr id="2" name="タイトル 1"/>
@@ -19049,16 +19852,6 @@
           <a:lstStyle/>
           <a:p>
             <a:r>
-              <a:rPr lang="ja-JP" altLang="en-US" sz="2800" b="1" dirty="0" smtClean="0">
-                <a:solidFill>
-                  <a:srgbClr val="0070C0"/>
-                </a:solidFill>
-                <a:latin typeface="+mj-lt"/>
-                <a:ea typeface="+mj-ea"/>
-              </a:rPr>
-              <a:t>提案</a:t>
-            </a:r>
-            <a:r>
               <a:rPr lang="ja-JP" altLang="en-US" sz="2800" b="1" dirty="0">
                 <a:solidFill>
                   <a:srgbClr val="0070C0"/>
@@ -19066,9 +19859,9 @@
                 <a:latin typeface="+mj-lt"/>
                 <a:ea typeface="+mj-ea"/>
               </a:rPr>
-              <a:t>法</a:t>
-            </a:r>
-            <a:endParaRPr kumimoji="1" lang="ja-JP" altLang="en-US" sz="2800" b="1" dirty="0" smtClean="0">
+              <a:t>提案法</a:t>
+            </a:r>
+            <a:endParaRPr kumimoji="1" lang="ja-JP" altLang="en-US" sz="2800" b="1" dirty="0">
               <a:solidFill>
                 <a:srgbClr val="0070C0"/>
               </a:solidFill>
@@ -19101,16 +19894,6 @@
           <a:lstStyle/>
           <a:p>
             <a:r>
-              <a:rPr lang="ja-JP" altLang="en-US" sz="2800" b="1" dirty="0" smtClean="0">
-                <a:solidFill>
-                  <a:srgbClr val="FF3737"/>
-                </a:solidFill>
-                <a:latin typeface="+mj-lt"/>
-                <a:ea typeface="+mj-ea"/>
-              </a:rPr>
-              <a:t>従来</a:t>
-            </a:r>
-            <a:r>
               <a:rPr lang="ja-JP" altLang="en-US" sz="2800" b="1" dirty="0">
                 <a:solidFill>
                   <a:srgbClr val="FF3737"/>
@@ -19118,9 +19901,9 @@
                 <a:latin typeface="+mj-lt"/>
                 <a:ea typeface="+mj-ea"/>
               </a:rPr>
-              <a:t>法</a:t>
-            </a:r>
-            <a:endParaRPr kumimoji="1" lang="ja-JP" altLang="en-US" sz="2800" b="1" dirty="0" smtClean="0">
+              <a:t>従来法</a:t>
+            </a:r>
+            <a:endParaRPr kumimoji="1" lang="ja-JP" altLang="en-US" sz="2800" b="1" dirty="0">
               <a:solidFill>
                 <a:srgbClr val="FF3737"/>
               </a:solidFill>
@@ -19165,7 +19948,7 @@
               </a:rPr>
               <a:t>雑音</a:t>
             </a:r>
-            <a:endParaRPr kumimoji="1" lang="ja-JP" altLang="en-US" sz="2800" b="1" dirty="0" smtClean="0">
+            <a:endParaRPr kumimoji="1" lang="ja-JP" altLang="en-US" sz="2800" b="1" dirty="0">
               <a:solidFill>
                 <a:schemeClr val="tx1">
                   <a:lumMod val="75000"/>
